--- a/CYBER360-8.4-Red-Team.pptx
+++ b/CYBER360-8.4-Red-Team.pptx
@@ -147,317 +147,6 @@
 <file path=ppt/changesInfos/changesInfo1.xml><?xml version="1.0" encoding="utf-8"?>
 <pc:chgInfo xmlns:a="http://schemas.openxmlformats.org/drawingml/2006/main" xmlns:r="http://schemas.openxmlformats.org/officeDocument/2006/relationships" xmlns:ac="http://schemas.microsoft.com/office/drawing/2013/main/command" xmlns:pc="http://schemas.microsoft.com/office/powerpoint/2013/main/command">
   <pc:docChgLst>
-    <pc:chgData name="Gibbons, Carl" userId="d2b037bc-8fb4-4222-845c-61440543a456" providerId="ADAL" clId="{513A426B-8C0C-4739-8154-95FA52836484}"/>
-    <pc:docChg chg="custSel modSld">
-      <pc:chgData name="Gibbons, Carl" userId="d2b037bc-8fb4-4222-845c-61440543a456" providerId="ADAL" clId="{513A426B-8C0C-4739-8154-95FA52836484}" dt="2024-06-13T20:40:03.415" v="917" actId="20577"/>
-      <pc:docMkLst>
-        <pc:docMk/>
-      </pc:docMkLst>
-      <pc:sldChg chg="modSp mod">
-        <pc:chgData name="Gibbons, Carl" userId="d2b037bc-8fb4-4222-845c-61440543a456" providerId="ADAL" clId="{513A426B-8C0C-4739-8154-95FA52836484}" dt="2024-06-13T19:43:29.739" v="23" actId="20577"/>
-        <pc:sldMkLst>
-          <pc:docMk/>
-          <pc:sldMk cId="2611413137" sldId="266"/>
-        </pc:sldMkLst>
-        <pc:spChg chg="mod">
-          <ac:chgData name="Gibbons, Carl" userId="d2b037bc-8fb4-4222-845c-61440543a456" providerId="ADAL" clId="{513A426B-8C0C-4739-8154-95FA52836484}" dt="2024-06-13T19:43:29.739" v="23" actId="20577"/>
-          <ac:spMkLst>
-            <pc:docMk/>
-            <pc:sldMk cId="2611413137" sldId="266"/>
-            <ac:spMk id="2" creationId="{64492E64-A68B-8CA7-B3C6-044F7C8E76AB}"/>
-          </ac:spMkLst>
-        </pc:spChg>
-      </pc:sldChg>
-      <pc:sldChg chg="modSp mod">
-        <pc:chgData name="Gibbons, Carl" userId="d2b037bc-8fb4-4222-845c-61440543a456" providerId="ADAL" clId="{513A426B-8C0C-4739-8154-95FA52836484}" dt="2024-06-13T19:56:07.263" v="304" actId="20577"/>
-        <pc:sldMkLst>
-          <pc:docMk/>
-          <pc:sldMk cId="2022267737" sldId="268"/>
-        </pc:sldMkLst>
-        <pc:spChg chg="mod">
-          <ac:chgData name="Gibbons, Carl" userId="d2b037bc-8fb4-4222-845c-61440543a456" providerId="ADAL" clId="{513A426B-8C0C-4739-8154-95FA52836484}" dt="2024-06-13T19:56:07.263" v="304" actId="20577"/>
-          <ac:spMkLst>
-            <pc:docMk/>
-            <pc:sldMk cId="2022267737" sldId="268"/>
-            <ac:spMk id="4" creationId="{B64A8207-997F-319E-7F6D-676D3ECA779B}"/>
-          </ac:spMkLst>
-        </pc:spChg>
-      </pc:sldChg>
-      <pc:sldChg chg="modSp mod">
-        <pc:chgData name="Gibbons, Carl" userId="d2b037bc-8fb4-4222-845c-61440543a456" providerId="ADAL" clId="{513A426B-8C0C-4739-8154-95FA52836484}" dt="2024-06-13T19:59:09.439" v="305" actId="20577"/>
-        <pc:sldMkLst>
-          <pc:docMk/>
-          <pc:sldMk cId="1457658100" sldId="271"/>
-        </pc:sldMkLst>
-        <pc:spChg chg="mod">
-          <ac:chgData name="Gibbons, Carl" userId="d2b037bc-8fb4-4222-845c-61440543a456" providerId="ADAL" clId="{513A426B-8C0C-4739-8154-95FA52836484}" dt="2024-06-13T19:59:09.439" v="305" actId="20577"/>
-          <ac:spMkLst>
-            <pc:docMk/>
-            <pc:sldMk cId="1457658100" sldId="271"/>
-            <ac:spMk id="4" creationId="{B64A8207-997F-319E-7F6D-676D3ECA779B}"/>
-          </ac:spMkLst>
-        </pc:spChg>
-      </pc:sldChg>
-      <pc:sldChg chg="modSp mod">
-        <pc:chgData name="Gibbons, Carl" userId="d2b037bc-8fb4-4222-845c-61440543a456" providerId="ADAL" clId="{513A426B-8C0C-4739-8154-95FA52836484}" dt="2024-06-13T20:20:51.743" v="313" actId="20577"/>
-        <pc:sldMkLst>
-          <pc:docMk/>
-          <pc:sldMk cId="1865769485" sldId="273"/>
-        </pc:sldMkLst>
-        <pc:spChg chg="mod">
-          <ac:chgData name="Gibbons, Carl" userId="d2b037bc-8fb4-4222-845c-61440543a456" providerId="ADAL" clId="{513A426B-8C0C-4739-8154-95FA52836484}" dt="2024-06-13T20:20:51.743" v="313" actId="20577"/>
-          <ac:spMkLst>
-            <pc:docMk/>
-            <pc:sldMk cId="1865769485" sldId="273"/>
-            <ac:spMk id="4" creationId="{B64A8207-997F-319E-7F6D-676D3ECA779B}"/>
-          </ac:spMkLst>
-        </pc:spChg>
-      </pc:sldChg>
-      <pc:sldChg chg="modSp mod">
-        <pc:chgData name="Gibbons, Carl" userId="d2b037bc-8fb4-4222-845c-61440543a456" providerId="ADAL" clId="{513A426B-8C0C-4739-8154-95FA52836484}" dt="2024-06-13T20:28:48.315" v="352" actId="20577"/>
-        <pc:sldMkLst>
-          <pc:docMk/>
-          <pc:sldMk cId="3809967197" sldId="275"/>
-        </pc:sldMkLst>
-        <pc:spChg chg="mod">
-          <ac:chgData name="Gibbons, Carl" userId="d2b037bc-8fb4-4222-845c-61440543a456" providerId="ADAL" clId="{513A426B-8C0C-4739-8154-95FA52836484}" dt="2024-06-13T20:28:48.315" v="352" actId="20577"/>
-          <ac:spMkLst>
-            <pc:docMk/>
-            <pc:sldMk cId="3809967197" sldId="275"/>
-            <ac:spMk id="3" creationId="{ADD8957C-88E6-A920-4979-2BDA9406B518}"/>
-          </ac:spMkLst>
-        </pc:spChg>
-      </pc:sldChg>
-      <pc:sldChg chg="modSp mod">
-        <pc:chgData name="Gibbons, Carl" userId="d2b037bc-8fb4-4222-845c-61440543a456" providerId="ADAL" clId="{513A426B-8C0C-4739-8154-95FA52836484}" dt="2024-06-13T20:40:03.415" v="917" actId="20577"/>
-        <pc:sldMkLst>
-          <pc:docMk/>
-          <pc:sldMk cId="1742169507" sldId="276"/>
-        </pc:sldMkLst>
-        <pc:spChg chg="mod">
-          <ac:chgData name="Gibbons, Carl" userId="d2b037bc-8fb4-4222-845c-61440543a456" providerId="ADAL" clId="{513A426B-8C0C-4739-8154-95FA52836484}" dt="2024-06-13T20:40:03.415" v="917" actId="20577"/>
-          <ac:spMkLst>
-            <pc:docMk/>
-            <pc:sldMk cId="1742169507" sldId="276"/>
-            <ac:spMk id="3" creationId="{ADD8957C-88E6-A920-4979-2BDA9406B518}"/>
-          </ac:spMkLst>
-        </pc:spChg>
-      </pc:sldChg>
-    </pc:docChg>
-  </pc:docChgLst>
-  <pc:docChgLst>
-    <pc:chgData name="Gibbons, Carl" userId="d2b037bc-8fb4-4222-845c-61440543a456" providerId="ADAL" clId="{26C7F00A-80DD-401B-832B-E7EF202E28C2}"/>
-    <pc:docChg chg="undo custSel addSld delSld modSld">
-      <pc:chgData name="Gibbons, Carl" userId="d2b037bc-8fb4-4222-845c-61440543a456" providerId="ADAL" clId="{26C7F00A-80DD-401B-832B-E7EF202E28C2}" dt="2024-06-14T04:25:56.561" v="6285" actId="20577"/>
-      <pc:docMkLst>
-        <pc:docMk/>
-      </pc:docMkLst>
-      <pc:sldChg chg="modSp mod">
-        <pc:chgData name="Gibbons, Carl" userId="d2b037bc-8fb4-4222-845c-61440543a456" providerId="ADAL" clId="{26C7F00A-80DD-401B-832B-E7EF202E28C2}" dt="2024-06-14T03:01:29.413" v="72" actId="20577"/>
-        <pc:sldMkLst>
-          <pc:docMk/>
-          <pc:sldMk cId="3644072983" sldId="256"/>
-        </pc:sldMkLst>
-        <pc:spChg chg="mod">
-          <ac:chgData name="Gibbons, Carl" userId="d2b037bc-8fb4-4222-845c-61440543a456" providerId="ADAL" clId="{26C7F00A-80DD-401B-832B-E7EF202E28C2}" dt="2024-06-14T03:01:29.413" v="72" actId="20577"/>
-          <ac:spMkLst>
-            <pc:docMk/>
-            <pc:sldMk cId="3644072983" sldId="256"/>
-            <ac:spMk id="3" creationId="{8586CD17-5B17-5D66-987C-05DC748B3FF9}"/>
-          </ac:spMkLst>
-        </pc:spChg>
-      </pc:sldChg>
-      <pc:sldChg chg="addSp modSp mod">
-        <pc:chgData name="Gibbons, Carl" userId="d2b037bc-8fb4-4222-845c-61440543a456" providerId="ADAL" clId="{26C7F00A-80DD-401B-832B-E7EF202E28C2}" dt="2024-06-14T04:16:37.203" v="6124" actId="20577"/>
-        <pc:sldMkLst>
-          <pc:docMk/>
-          <pc:sldMk cId="2611413137" sldId="266"/>
-        </pc:sldMkLst>
-        <pc:spChg chg="mod">
-          <ac:chgData name="Gibbons, Carl" userId="d2b037bc-8fb4-4222-845c-61440543a456" providerId="ADAL" clId="{26C7F00A-80DD-401B-832B-E7EF202E28C2}" dt="2024-06-14T03:02:13.298" v="116" actId="20577"/>
-          <ac:spMkLst>
-            <pc:docMk/>
-            <pc:sldMk cId="2611413137" sldId="266"/>
-            <ac:spMk id="2" creationId="{64492E64-A68B-8CA7-B3C6-044F7C8E76AB}"/>
-          </ac:spMkLst>
-        </pc:spChg>
-        <pc:spChg chg="add mod">
-          <ac:chgData name="Gibbons, Carl" userId="d2b037bc-8fb4-4222-845c-61440543a456" providerId="ADAL" clId="{26C7F00A-80DD-401B-832B-E7EF202E28C2}" dt="2024-06-14T04:16:06.804" v="6121" actId="20577"/>
-          <ac:spMkLst>
-            <pc:docMk/>
-            <pc:sldMk cId="2611413137" sldId="266"/>
-            <ac:spMk id="3" creationId="{20E8B8C0-A2A5-7B62-1B40-D3BF6CA80A5C}"/>
-          </ac:spMkLst>
-        </pc:spChg>
-        <pc:spChg chg="mod">
-          <ac:chgData name="Gibbons, Carl" userId="d2b037bc-8fb4-4222-845c-61440543a456" providerId="ADAL" clId="{26C7F00A-80DD-401B-832B-E7EF202E28C2}" dt="2024-06-14T04:13:37.754" v="6102" actId="20577"/>
-          <ac:spMkLst>
-            <pc:docMk/>
-            <pc:sldMk cId="2611413137" sldId="266"/>
-            <ac:spMk id="4" creationId="{B64A8207-997F-319E-7F6D-676D3ECA779B}"/>
-          </ac:spMkLst>
-        </pc:spChg>
-        <pc:spChg chg="add mod">
-          <ac:chgData name="Gibbons, Carl" userId="d2b037bc-8fb4-4222-845c-61440543a456" providerId="ADAL" clId="{26C7F00A-80DD-401B-832B-E7EF202E28C2}" dt="2024-06-14T04:16:37.203" v="6124" actId="20577"/>
-          <ac:spMkLst>
-            <pc:docMk/>
-            <pc:sldMk cId="2611413137" sldId="266"/>
-            <ac:spMk id="5" creationId="{EDDCCECA-E971-2EC4-FEF0-DCF50F49CE6A}"/>
-          </ac:spMkLst>
-        </pc:spChg>
-        <pc:spChg chg="add mod">
-          <ac:chgData name="Gibbons, Carl" userId="d2b037bc-8fb4-4222-845c-61440543a456" providerId="ADAL" clId="{26C7F00A-80DD-401B-832B-E7EF202E28C2}" dt="2024-06-14T04:12:29.809" v="6069" actId="1076"/>
-          <ac:spMkLst>
-            <pc:docMk/>
-            <pc:sldMk cId="2611413137" sldId="266"/>
-            <ac:spMk id="6" creationId="{BAACEC6C-4A35-E101-5EBD-12F9722B023B}"/>
-          </ac:spMkLst>
-        </pc:spChg>
-      </pc:sldChg>
-      <pc:sldChg chg="modSp mod">
-        <pc:chgData name="Gibbons, Carl" userId="d2b037bc-8fb4-4222-845c-61440543a456" providerId="ADAL" clId="{26C7F00A-80DD-401B-832B-E7EF202E28C2}" dt="2024-06-14T03:45:35.713" v="3519" actId="20577"/>
-        <pc:sldMkLst>
-          <pc:docMk/>
-          <pc:sldMk cId="4188996306" sldId="267"/>
-        </pc:sldMkLst>
-        <pc:spChg chg="mod">
-          <ac:chgData name="Gibbons, Carl" userId="d2b037bc-8fb4-4222-845c-61440543a456" providerId="ADAL" clId="{26C7F00A-80DD-401B-832B-E7EF202E28C2}" dt="2024-06-14T03:32:32.285" v="2957" actId="20577"/>
-          <ac:spMkLst>
-            <pc:docMk/>
-            <pc:sldMk cId="4188996306" sldId="267"/>
-            <ac:spMk id="2" creationId="{64492E64-A68B-8CA7-B3C6-044F7C8E76AB}"/>
-          </ac:spMkLst>
-        </pc:spChg>
-        <pc:spChg chg="mod">
-          <ac:chgData name="Gibbons, Carl" userId="d2b037bc-8fb4-4222-845c-61440543a456" providerId="ADAL" clId="{26C7F00A-80DD-401B-832B-E7EF202E28C2}" dt="2024-06-14T03:45:35.713" v="3519" actId="20577"/>
-          <ac:spMkLst>
-            <pc:docMk/>
-            <pc:sldMk cId="4188996306" sldId="267"/>
-            <ac:spMk id="4" creationId="{B64A8207-997F-319E-7F6D-676D3ECA779B}"/>
-          </ac:spMkLst>
-        </pc:spChg>
-      </pc:sldChg>
-      <pc:sldChg chg="del">
-        <pc:chgData name="Gibbons, Carl" userId="d2b037bc-8fb4-4222-845c-61440543a456" providerId="ADAL" clId="{26C7F00A-80DD-401B-832B-E7EF202E28C2}" dt="2024-06-14T03:32:17.349" v="2943" actId="47"/>
-        <pc:sldMkLst>
-          <pc:docMk/>
-          <pc:sldMk cId="2948456625" sldId="277"/>
-        </pc:sldMkLst>
-      </pc:sldChg>
-      <pc:sldChg chg="del">
-        <pc:chgData name="Gibbons, Carl" userId="d2b037bc-8fb4-4222-845c-61440543a456" providerId="ADAL" clId="{26C7F00A-80DD-401B-832B-E7EF202E28C2}" dt="2024-06-14T03:02:04.454" v="73" actId="47"/>
-        <pc:sldMkLst>
-          <pc:docMk/>
-          <pc:sldMk cId="102374663" sldId="278"/>
-        </pc:sldMkLst>
-      </pc:sldChg>
-      <pc:sldChg chg="del">
-        <pc:chgData name="Gibbons, Carl" userId="d2b037bc-8fb4-4222-845c-61440543a456" providerId="ADAL" clId="{26C7F00A-80DD-401B-832B-E7EF202E28C2}" dt="2024-06-14T03:53:53.417" v="4260" actId="47"/>
-        <pc:sldMkLst>
-          <pc:docMk/>
-          <pc:sldMk cId="1709941748" sldId="279"/>
-        </pc:sldMkLst>
-      </pc:sldChg>
-      <pc:sldChg chg="del">
-        <pc:chgData name="Gibbons, Carl" userId="d2b037bc-8fb4-4222-845c-61440543a456" providerId="ADAL" clId="{26C7F00A-80DD-401B-832B-E7EF202E28C2}" dt="2024-06-14T03:53:50.044" v="4259" actId="47"/>
-        <pc:sldMkLst>
-          <pc:docMk/>
-          <pc:sldMk cId="4176796158" sldId="280"/>
-        </pc:sldMkLst>
-      </pc:sldChg>
-      <pc:sldChg chg="del">
-        <pc:chgData name="Gibbons, Carl" userId="d2b037bc-8fb4-4222-845c-61440543a456" providerId="ADAL" clId="{26C7F00A-80DD-401B-832B-E7EF202E28C2}" dt="2024-06-14T03:53:48.385" v="4257" actId="47"/>
-        <pc:sldMkLst>
-          <pc:docMk/>
-          <pc:sldMk cId="3311622519" sldId="281"/>
-        </pc:sldMkLst>
-      </pc:sldChg>
-      <pc:sldChg chg="del">
-        <pc:chgData name="Gibbons, Carl" userId="d2b037bc-8fb4-4222-845c-61440543a456" providerId="ADAL" clId="{26C7F00A-80DD-401B-832B-E7EF202E28C2}" dt="2024-06-14T03:53:49.242" v="4258" actId="47"/>
-        <pc:sldMkLst>
-          <pc:docMk/>
-          <pc:sldMk cId="4163349812" sldId="282"/>
-        </pc:sldMkLst>
-      </pc:sldChg>
-      <pc:sldChg chg="del">
-        <pc:chgData name="Gibbons, Carl" userId="d2b037bc-8fb4-4222-845c-61440543a456" providerId="ADAL" clId="{26C7F00A-80DD-401B-832B-E7EF202E28C2}" dt="2024-06-14T03:53:47.016" v="4256" actId="47"/>
-        <pc:sldMkLst>
-          <pc:docMk/>
-          <pc:sldMk cId="2755793427" sldId="283"/>
-        </pc:sldMkLst>
-      </pc:sldChg>
-      <pc:sldChg chg="modSp mod">
-        <pc:chgData name="Gibbons, Carl" userId="d2b037bc-8fb4-4222-845c-61440543a456" providerId="ADAL" clId="{26C7F00A-80DD-401B-832B-E7EF202E28C2}" dt="2024-06-14T04:20:29.253" v="6160" actId="20577"/>
-        <pc:sldMkLst>
-          <pc:docMk/>
-          <pc:sldMk cId="322366662" sldId="284"/>
-        </pc:sldMkLst>
-        <pc:spChg chg="mod">
-          <ac:chgData name="Gibbons, Carl" userId="d2b037bc-8fb4-4222-845c-61440543a456" providerId="ADAL" clId="{26C7F00A-80DD-401B-832B-E7EF202E28C2}" dt="2024-06-14T04:10:42.746" v="6042" actId="20577"/>
-          <ac:spMkLst>
-            <pc:docMk/>
-            <pc:sldMk cId="322366662" sldId="284"/>
-            <ac:spMk id="2" creationId="{64492E64-A68B-8CA7-B3C6-044F7C8E76AB}"/>
-          </ac:spMkLst>
-        </pc:spChg>
-        <pc:spChg chg="mod">
-          <ac:chgData name="Gibbons, Carl" userId="d2b037bc-8fb4-4222-845c-61440543a456" providerId="ADAL" clId="{26C7F00A-80DD-401B-832B-E7EF202E28C2}" dt="2024-06-14T04:20:29.253" v="6160" actId="20577"/>
-          <ac:spMkLst>
-            <pc:docMk/>
-            <pc:sldMk cId="322366662" sldId="284"/>
-            <ac:spMk id="4" creationId="{B64A8207-997F-319E-7F6D-676D3ECA779B}"/>
-          </ac:spMkLst>
-        </pc:spChg>
-      </pc:sldChg>
-      <pc:sldChg chg="modSp add mod">
-        <pc:chgData name="Gibbons, Carl" userId="d2b037bc-8fb4-4222-845c-61440543a456" providerId="ADAL" clId="{26C7F00A-80DD-401B-832B-E7EF202E28C2}" dt="2024-06-14T04:25:56.561" v="6285" actId="20577"/>
-        <pc:sldMkLst>
-          <pc:docMk/>
-          <pc:sldMk cId="2432840855" sldId="285"/>
-        </pc:sldMkLst>
-        <pc:spChg chg="mod">
-          <ac:chgData name="Gibbons, Carl" userId="d2b037bc-8fb4-4222-845c-61440543a456" providerId="ADAL" clId="{26C7F00A-80DD-401B-832B-E7EF202E28C2}" dt="2024-06-14T03:44:30.748" v="3459" actId="20577"/>
-          <ac:spMkLst>
-            <pc:docMk/>
-            <pc:sldMk cId="2432840855" sldId="285"/>
-            <ac:spMk id="2" creationId="{64492E64-A68B-8CA7-B3C6-044F7C8E76AB}"/>
-          </ac:spMkLst>
-        </pc:spChg>
-        <pc:spChg chg="mod">
-          <ac:chgData name="Gibbons, Carl" userId="d2b037bc-8fb4-4222-845c-61440543a456" providerId="ADAL" clId="{26C7F00A-80DD-401B-832B-E7EF202E28C2}" dt="2024-06-14T04:25:56.561" v="6285" actId="20577"/>
-          <ac:spMkLst>
-            <pc:docMk/>
-            <pc:sldMk cId="2432840855" sldId="285"/>
-            <ac:spMk id="4" creationId="{B64A8207-997F-319E-7F6D-676D3ECA779B}"/>
-          </ac:spMkLst>
-        </pc:spChg>
-      </pc:sldChg>
-      <pc:sldChg chg="modSp add mod">
-        <pc:chgData name="Gibbons, Carl" userId="d2b037bc-8fb4-4222-845c-61440543a456" providerId="ADAL" clId="{26C7F00A-80DD-401B-832B-E7EF202E28C2}" dt="2024-06-14T04:24:44.734" v="6236" actId="20577"/>
-        <pc:sldMkLst>
-          <pc:docMk/>
-          <pc:sldMk cId="2169521787" sldId="286"/>
-        </pc:sldMkLst>
-        <pc:spChg chg="mod">
-          <ac:chgData name="Gibbons, Carl" userId="d2b037bc-8fb4-4222-845c-61440543a456" providerId="ADAL" clId="{26C7F00A-80DD-401B-832B-E7EF202E28C2}" dt="2024-06-14T03:53:36.567" v="4255" actId="20577"/>
-          <ac:spMkLst>
-            <pc:docMk/>
-            <pc:sldMk cId="2169521787" sldId="286"/>
-            <ac:spMk id="2" creationId="{64492E64-A68B-8CA7-B3C6-044F7C8E76AB}"/>
-          </ac:spMkLst>
-        </pc:spChg>
-        <pc:spChg chg="mod">
-          <ac:chgData name="Gibbons, Carl" userId="d2b037bc-8fb4-4222-845c-61440543a456" providerId="ADAL" clId="{26C7F00A-80DD-401B-832B-E7EF202E28C2}" dt="2024-06-14T04:24:44.734" v="6236" actId="20577"/>
-          <ac:spMkLst>
-            <pc:docMk/>
-            <pc:sldMk cId="2169521787" sldId="286"/>
-            <ac:spMk id="4" creationId="{B64A8207-997F-319E-7F6D-676D3ECA779B}"/>
-          </ac:spMkLst>
-        </pc:spChg>
-      </pc:sldChg>
-    </pc:docChg>
-  </pc:docChgLst>
-  <pc:docChgLst>
     <pc:chgData name="Gibbons, Carl" userId="d2b037bc-8fb4-4222-845c-61440543a456" providerId="ADAL" clId="{B1B76948-CF5F-4A89-ADB0-7515E617BB90}"/>
     <pc:docChg chg="delSld modSld">
       <pc:chgData name="Gibbons, Carl" userId="d2b037bc-8fb4-4222-845c-61440543a456" providerId="ADAL" clId="{B1B76948-CF5F-4A89-ADB0-7515E617BB90}" dt="2024-06-25T12:33:24.787" v="198" actId="20577"/>
@@ -854,6 +543,30 @@
     </pc:docChg>
   </pc:docChgLst>
   <pc:docChgLst>
+    <pc:chgData name="Gibbons, Carl" userId="d2b037bc-8fb4-4222-845c-61440543a456" providerId="ADAL" clId="{ACF90228-EFF2-4732-BE47-2165A82AAC55}"/>
+    <pc:docChg chg="modSld">
+      <pc:chgData name="Gibbons, Carl" userId="d2b037bc-8fb4-4222-845c-61440543a456" providerId="ADAL" clId="{ACF90228-EFF2-4732-BE47-2165A82AAC55}" dt="2024-01-09T21:29:00.955" v="0"/>
+      <pc:docMkLst>
+        <pc:docMk/>
+      </pc:docMkLst>
+      <pc:sldChg chg="modSp mod">
+        <pc:chgData name="Gibbons, Carl" userId="d2b037bc-8fb4-4222-845c-61440543a456" providerId="ADAL" clId="{ACF90228-EFF2-4732-BE47-2165A82AAC55}" dt="2024-01-09T21:29:00.955" v="0"/>
+        <pc:sldMkLst>
+          <pc:docMk/>
+          <pc:sldMk cId="1055206713" sldId="269"/>
+        </pc:sldMkLst>
+        <pc:spChg chg="mod">
+          <ac:chgData name="Gibbons, Carl" userId="d2b037bc-8fb4-4222-845c-61440543a456" providerId="ADAL" clId="{ACF90228-EFF2-4732-BE47-2165A82AAC55}" dt="2024-01-09T21:29:00.955" v="0"/>
+          <ac:spMkLst>
+            <pc:docMk/>
+            <pc:sldMk cId="1055206713" sldId="269"/>
+            <ac:spMk id="4" creationId="{B64A8207-997F-319E-7F6D-676D3ECA779B}"/>
+          </ac:spMkLst>
+        </pc:spChg>
+      </pc:sldChg>
+    </pc:docChg>
+  </pc:docChgLst>
+  <pc:docChgLst>
     <pc:chgData name="Gibbons, Carl" userId="d2b037bc-8fb4-4222-845c-61440543a456" providerId="ADAL" clId="{50BDE464-6684-48FF-AD2A-493B60EFD46B}"/>
     <pc:docChg chg="modSld">
       <pc:chgData name="Gibbons, Carl" userId="d2b037bc-8fb4-4222-845c-61440543a456" providerId="ADAL" clId="{50BDE464-6684-48FF-AD2A-493B60EFD46B}" dt="2023-12-21T18:37:59.974" v="91" actId="20577"/>
@@ -908,24 +621,168 @@
     </pc:docChg>
   </pc:docChgLst>
   <pc:docChgLst>
-    <pc:chgData name="Gibbons, Carl" userId="d2b037bc-8fb4-4222-845c-61440543a456" providerId="ADAL" clId="{ACF90228-EFF2-4732-BE47-2165A82AAC55}"/>
+    <pc:chgData name="Gibbons, Carl" userId="d2b037bc-8fb4-4222-845c-61440543a456" providerId="ADAL" clId="{DD1CE632-2E50-4DF6-A094-0B92632EBA8E}"/>
     <pc:docChg chg="modSld">
-      <pc:chgData name="Gibbons, Carl" userId="d2b037bc-8fb4-4222-845c-61440543a456" providerId="ADAL" clId="{ACF90228-EFF2-4732-BE47-2165A82AAC55}" dt="2024-01-09T21:29:00.955" v="0"/>
+      <pc:chgData name="Gibbons, Carl" userId="d2b037bc-8fb4-4222-845c-61440543a456" providerId="ADAL" clId="{DD1CE632-2E50-4DF6-A094-0B92632EBA8E}" dt="2023-12-06T17:42:28.848" v="23" actId="20577"/>
       <pc:docMkLst>
         <pc:docMk/>
       </pc:docMkLst>
       <pc:sldChg chg="modSp mod">
-        <pc:chgData name="Gibbons, Carl" userId="d2b037bc-8fb4-4222-845c-61440543a456" providerId="ADAL" clId="{ACF90228-EFF2-4732-BE47-2165A82AAC55}" dt="2024-01-09T21:29:00.955" v="0"/>
+        <pc:chgData name="Gibbons, Carl" userId="d2b037bc-8fb4-4222-845c-61440543a456" providerId="ADAL" clId="{DD1CE632-2E50-4DF6-A094-0B92632EBA8E}" dt="2023-11-21T08:38:02.899" v="11" actId="20577"/>
         <pc:sldMkLst>
           <pc:docMk/>
-          <pc:sldMk cId="1055206713" sldId="269"/>
+          <pc:sldMk cId="3594981681" sldId="272"/>
         </pc:sldMkLst>
         <pc:spChg chg="mod">
-          <ac:chgData name="Gibbons, Carl" userId="d2b037bc-8fb4-4222-845c-61440543a456" providerId="ADAL" clId="{ACF90228-EFF2-4732-BE47-2165A82AAC55}" dt="2024-01-09T21:29:00.955" v="0"/>
-          <ac:spMkLst>
-            <pc:docMk/>
-            <pc:sldMk cId="1055206713" sldId="269"/>
+          <ac:chgData name="Gibbons, Carl" userId="d2b037bc-8fb4-4222-845c-61440543a456" providerId="ADAL" clId="{DD1CE632-2E50-4DF6-A094-0B92632EBA8E}" dt="2023-11-21T08:38:02.899" v="11" actId="20577"/>
+          <ac:spMkLst>
+            <pc:docMk/>
+            <pc:sldMk cId="3594981681" sldId="272"/>
             <ac:spMk id="4" creationId="{B64A8207-997F-319E-7F6D-676D3ECA779B}"/>
+          </ac:spMkLst>
+        </pc:spChg>
+      </pc:sldChg>
+      <pc:sldChg chg="modSp mod">
+        <pc:chgData name="Gibbons, Carl" userId="d2b037bc-8fb4-4222-845c-61440543a456" providerId="ADAL" clId="{DD1CE632-2E50-4DF6-A094-0B92632EBA8E}" dt="2023-12-06T17:42:28.848" v="23" actId="20577"/>
+        <pc:sldMkLst>
+          <pc:docMk/>
+          <pc:sldMk cId="1865769485" sldId="273"/>
+        </pc:sldMkLst>
+        <pc:spChg chg="mod">
+          <ac:chgData name="Gibbons, Carl" userId="d2b037bc-8fb4-4222-845c-61440543a456" providerId="ADAL" clId="{DD1CE632-2E50-4DF6-A094-0B92632EBA8E}" dt="2023-12-06T17:42:28.848" v="23" actId="20577"/>
+          <ac:spMkLst>
+            <pc:docMk/>
+            <pc:sldMk cId="1865769485" sldId="273"/>
+            <ac:spMk id="4" creationId="{B64A8207-997F-319E-7F6D-676D3ECA779B}"/>
+          </ac:spMkLst>
+        </pc:spChg>
+      </pc:sldChg>
+      <pc:sldChg chg="modSp mod">
+        <pc:chgData name="Gibbons, Carl" userId="d2b037bc-8fb4-4222-845c-61440543a456" providerId="ADAL" clId="{DD1CE632-2E50-4DF6-A094-0B92632EBA8E}" dt="2023-12-06T17:39:43.190" v="12" actId="20577"/>
+        <pc:sldMkLst>
+          <pc:docMk/>
+          <pc:sldMk cId="3809967197" sldId="275"/>
+        </pc:sldMkLst>
+        <pc:spChg chg="mod">
+          <ac:chgData name="Gibbons, Carl" userId="d2b037bc-8fb4-4222-845c-61440543a456" providerId="ADAL" clId="{DD1CE632-2E50-4DF6-A094-0B92632EBA8E}" dt="2023-12-06T17:39:43.190" v="12" actId="20577"/>
+          <ac:spMkLst>
+            <pc:docMk/>
+            <pc:sldMk cId="3809967197" sldId="275"/>
+            <ac:spMk id="3" creationId="{ADD8957C-88E6-A920-4979-2BDA9406B518}"/>
+          </ac:spMkLst>
+        </pc:spChg>
+      </pc:sldChg>
+      <pc:sldChg chg="modSp mod">
+        <pc:chgData name="Gibbons, Carl" userId="d2b037bc-8fb4-4222-845c-61440543a456" providerId="ADAL" clId="{DD1CE632-2E50-4DF6-A094-0B92632EBA8E}" dt="2023-12-06T17:40:27.333" v="15" actId="20577"/>
+        <pc:sldMkLst>
+          <pc:docMk/>
+          <pc:sldMk cId="1742169507" sldId="276"/>
+        </pc:sldMkLst>
+        <pc:spChg chg="mod">
+          <ac:chgData name="Gibbons, Carl" userId="d2b037bc-8fb4-4222-845c-61440543a456" providerId="ADAL" clId="{DD1CE632-2E50-4DF6-A094-0B92632EBA8E}" dt="2023-12-06T17:40:27.333" v="15" actId="20577"/>
+          <ac:spMkLst>
+            <pc:docMk/>
+            <pc:sldMk cId="1742169507" sldId="276"/>
+            <ac:spMk id="3" creationId="{ADD8957C-88E6-A920-4979-2BDA9406B518}"/>
+          </ac:spMkLst>
+        </pc:spChg>
+      </pc:sldChg>
+    </pc:docChg>
+  </pc:docChgLst>
+  <pc:docChgLst>
+    <pc:chgData name="Gibbons, Carl" userId="d2b037bc-8fb4-4222-845c-61440543a456" providerId="ADAL" clId="{513A426B-8C0C-4739-8154-95FA52836484}"/>
+    <pc:docChg chg="custSel modSld">
+      <pc:chgData name="Gibbons, Carl" userId="d2b037bc-8fb4-4222-845c-61440543a456" providerId="ADAL" clId="{513A426B-8C0C-4739-8154-95FA52836484}" dt="2024-06-13T20:40:03.415" v="917" actId="20577"/>
+      <pc:docMkLst>
+        <pc:docMk/>
+      </pc:docMkLst>
+      <pc:sldChg chg="modSp mod">
+        <pc:chgData name="Gibbons, Carl" userId="d2b037bc-8fb4-4222-845c-61440543a456" providerId="ADAL" clId="{513A426B-8C0C-4739-8154-95FA52836484}" dt="2024-06-13T19:43:29.739" v="23" actId="20577"/>
+        <pc:sldMkLst>
+          <pc:docMk/>
+          <pc:sldMk cId="2611413137" sldId="266"/>
+        </pc:sldMkLst>
+        <pc:spChg chg="mod">
+          <ac:chgData name="Gibbons, Carl" userId="d2b037bc-8fb4-4222-845c-61440543a456" providerId="ADAL" clId="{513A426B-8C0C-4739-8154-95FA52836484}" dt="2024-06-13T19:43:29.739" v="23" actId="20577"/>
+          <ac:spMkLst>
+            <pc:docMk/>
+            <pc:sldMk cId="2611413137" sldId="266"/>
+            <ac:spMk id="2" creationId="{64492E64-A68B-8CA7-B3C6-044F7C8E76AB}"/>
+          </ac:spMkLst>
+        </pc:spChg>
+      </pc:sldChg>
+      <pc:sldChg chg="modSp mod">
+        <pc:chgData name="Gibbons, Carl" userId="d2b037bc-8fb4-4222-845c-61440543a456" providerId="ADAL" clId="{513A426B-8C0C-4739-8154-95FA52836484}" dt="2024-06-13T19:56:07.263" v="304" actId="20577"/>
+        <pc:sldMkLst>
+          <pc:docMk/>
+          <pc:sldMk cId="2022267737" sldId="268"/>
+        </pc:sldMkLst>
+        <pc:spChg chg="mod">
+          <ac:chgData name="Gibbons, Carl" userId="d2b037bc-8fb4-4222-845c-61440543a456" providerId="ADAL" clId="{513A426B-8C0C-4739-8154-95FA52836484}" dt="2024-06-13T19:56:07.263" v="304" actId="20577"/>
+          <ac:spMkLst>
+            <pc:docMk/>
+            <pc:sldMk cId="2022267737" sldId="268"/>
+            <ac:spMk id="4" creationId="{B64A8207-997F-319E-7F6D-676D3ECA779B}"/>
+          </ac:spMkLst>
+        </pc:spChg>
+      </pc:sldChg>
+      <pc:sldChg chg="modSp mod">
+        <pc:chgData name="Gibbons, Carl" userId="d2b037bc-8fb4-4222-845c-61440543a456" providerId="ADAL" clId="{513A426B-8C0C-4739-8154-95FA52836484}" dt="2024-06-13T19:59:09.439" v="305" actId="20577"/>
+        <pc:sldMkLst>
+          <pc:docMk/>
+          <pc:sldMk cId="1457658100" sldId="271"/>
+        </pc:sldMkLst>
+        <pc:spChg chg="mod">
+          <ac:chgData name="Gibbons, Carl" userId="d2b037bc-8fb4-4222-845c-61440543a456" providerId="ADAL" clId="{513A426B-8C0C-4739-8154-95FA52836484}" dt="2024-06-13T19:59:09.439" v="305" actId="20577"/>
+          <ac:spMkLst>
+            <pc:docMk/>
+            <pc:sldMk cId="1457658100" sldId="271"/>
+            <ac:spMk id="4" creationId="{B64A8207-997F-319E-7F6D-676D3ECA779B}"/>
+          </ac:spMkLst>
+        </pc:spChg>
+      </pc:sldChg>
+      <pc:sldChg chg="modSp mod">
+        <pc:chgData name="Gibbons, Carl" userId="d2b037bc-8fb4-4222-845c-61440543a456" providerId="ADAL" clId="{513A426B-8C0C-4739-8154-95FA52836484}" dt="2024-06-13T20:20:51.743" v="313" actId="20577"/>
+        <pc:sldMkLst>
+          <pc:docMk/>
+          <pc:sldMk cId="1865769485" sldId="273"/>
+        </pc:sldMkLst>
+        <pc:spChg chg="mod">
+          <ac:chgData name="Gibbons, Carl" userId="d2b037bc-8fb4-4222-845c-61440543a456" providerId="ADAL" clId="{513A426B-8C0C-4739-8154-95FA52836484}" dt="2024-06-13T20:20:51.743" v="313" actId="20577"/>
+          <ac:spMkLst>
+            <pc:docMk/>
+            <pc:sldMk cId="1865769485" sldId="273"/>
+            <ac:spMk id="4" creationId="{B64A8207-997F-319E-7F6D-676D3ECA779B}"/>
+          </ac:spMkLst>
+        </pc:spChg>
+      </pc:sldChg>
+      <pc:sldChg chg="modSp mod">
+        <pc:chgData name="Gibbons, Carl" userId="d2b037bc-8fb4-4222-845c-61440543a456" providerId="ADAL" clId="{513A426B-8C0C-4739-8154-95FA52836484}" dt="2024-06-13T20:28:48.315" v="352" actId="20577"/>
+        <pc:sldMkLst>
+          <pc:docMk/>
+          <pc:sldMk cId="3809967197" sldId="275"/>
+        </pc:sldMkLst>
+        <pc:spChg chg="mod">
+          <ac:chgData name="Gibbons, Carl" userId="d2b037bc-8fb4-4222-845c-61440543a456" providerId="ADAL" clId="{513A426B-8C0C-4739-8154-95FA52836484}" dt="2024-06-13T20:28:48.315" v="352" actId="20577"/>
+          <ac:spMkLst>
+            <pc:docMk/>
+            <pc:sldMk cId="3809967197" sldId="275"/>
+            <ac:spMk id="3" creationId="{ADD8957C-88E6-A920-4979-2BDA9406B518}"/>
+          </ac:spMkLst>
+        </pc:spChg>
+      </pc:sldChg>
+      <pc:sldChg chg="modSp mod">
+        <pc:chgData name="Gibbons, Carl" userId="d2b037bc-8fb4-4222-845c-61440543a456" providerId="ADAL" clId="{513A426B-8C0C-4739-8154-95FA52836484}" dt="2024-06-13T20:40:03.415" v="917" actId="20577"/>
+        <pc:sldMkLst>
+          <pc:docMk/>
+          <pc:sldMk cId="1742169507" sldId="276"/>
+        </pc:sldMkLst>
+        <pc:spChg chg="mod">
+          <ac:chgData name="Gibbons, Carl" userId="d2b037bc-8fb4-4222-845c-61440543a456" providerId="ADAL" clId="{513A426B-8C0C-4739-8154-95FA52836484}" dt="2024-06-13T20:40:03.415" v="917" actId="20577"/>
+          <ac:spMkLst>
+            <pc:docMk/>
+            <pc:sldMk cId="1742169507" sldId="276"/>
+            <ac:spMk id="3" creationId="{ADD8957C-88E6-A920-4979-2BDA9406B518}"/>
           </ac:spMkLst>
         </pc:spChg>
       </pc:sldChg>
@@ -1274,69 +1131,212 @@
     </pc:docChg>
   </pc:docChgLst>
   <pc:docChgLst>
-    <pc:chgData name="Gibbons, Carl" userId="d2b037bc-8fb4-4222-845c-61440543a456" providerId="ADAL" clId="{DD1CE632-2E50-4DF6-A094-0B92632EBA8E}"/>
-    <pc:docChg chg="modSld">
-      <pc:chgData name="Gibbons, Carl" userId="d2b037bc-8fb4-4222-845c-61440543a456" providerId="ADAL" clId="{DD1CE632-2E50-4DF6-A094-0B92632EBA8E}" dt="2023-12-06T17:42:28.848" v="23" actId="20577"/>
+    <pc:chgData name="Gibbons, Carl" userId="d2b037bc-8fb4-4222-845c-61440543a456" providerId="ADAL" clId="{26C7F00A-80DD-401B-832B-E7EF202E28C2}"/>
+    <pc:docChg chg="undo custSel addSld delSld modSld">
+      <pc:chgData name="Gibbons, Carl" userId="d2b037bc-8fb4-4222-845c-61440543a456" providerId="ADAL" clId="{26C7F00A-80DD-401B-832B-E7EF202E28C2}" dt="2024-06-14T04:25:56.561" v="6285" actId="20577"/>
       <pc:docMkLst>
         <pc:docMk/>
       </pc:docMkLst>
       <pc:sldChg chg="modSp mod">
-        <pc:chgData name="Gibbons, Carl" userId="d2b037bc-8fb4-4222-845c-61440543a456" providerId="ADAL" clId="{DD1CE632-2E50-4DF6-A094-0B92632EBA8E}" dt="2023-11-21T08:38:02.899" v="11" actId="20577"/>
+        <pc:chgData name="Gibbons, Carl" userId="d2b037bc-8fb4-4222-845c-61440543a456" providerId="ADAL" clId="{26C7F00A-80DD-401B-832B-E7EF202E28C2}" dt="2024-06-14T03:01:29.413" v="72" actId="20577"/>
         <pc:sldMkLst>
           <pc:docMk/>
-          <pc:sldMk cId="3594981681" sldId="272"/>
+          <pc:sldMk cId="3644072983" sldId="256"/>
         </pc:sldMkLst>
         <pc:spChg chg="mod">
-          <ac:chgData name="Gibbons, Carl" userId="d2b037bc-8fb4-4222-845c-61440543a456" providerId="ADAL" clId="{DD1CE632-2E50-4DF6-A094-0B92632EBA8E}" dt="2023-11-21T08:38:02.899" v="11" actId="20577"/>
-          <ac:spMkLst>
-            <pc:docMk/>
-            <pc:sldMk cId="3594981681" sldId="272"/>
+          <ac:chgData name="Gibbons, Carl" userId="d2b037bc-8fb4-4222-845c-61440543a456" providerId="ADAL" clId="{26C7F00A-80DD-401B-832B-E7EF202E28C2}" dt="2024-06-14T03:01:29.413" v="72" actId="20577"/>
+          <ac:spMkLst>
+            <pc:docMk/>
+            <pc:sldMk cId="3644072983" sldId="256"/>
+            <ac:spMk id="3" creationId="{8586CD17-5B17-5D66-987C-05DC748B3FF9}"/>
+          </ac:spMkLst>
+        </pc:spChg>
+      </pc:sldChg>
+      <pc:sldChg chg="addSp modSp mod">
+        <pc:chgData name="Gibbons, Carl" userId="d2b037bc-8fb4-4222-845c-61440543a456" providerId="ADAL" clId="{26C7F00A-80DD-401B-832B-E7EF202E28C2}" dt="2024-06-14T04:16:37.203" v="6124" actId="20577"/>
+        <pc:sldMkLst>
+          <pc:docMk/>
+          <pc:sldMk cId="2611413137" sldId="266"/>
+        </pc:sldMkLst>
+        <pc:spChg chg="mod">
+          <ac:chgData name="Gibbons, Carl" userId="d2b037bc-8fb4-4222-845c-61440543a456" providerId="ADAL" clId="{26C7F00A-80DD-401B-832B-E7EF202E28C2}" dt="2024-06-14T03:02:13.298" v="116" actId="20577"/>
+          <ac:spMkLst>
+            <pc:docMk/>
+            <pc:sldMk cId="2611413137" sldId="266"/>
+            <ac:spMk id="2" creationId="{64492E64-A68B-8CA7-B3C6-044F7C8E76AB}"/>
+          </ac:spMkLst>
+        </pc:spChg>
+        <pc:spChg chg="add mod">
+          <ac:chgData name="Gibbons, Carl" userId="d2b037bc-8fb4-4222-845c-61440543a456" providerId="ADAL" clId="{26C7F00A-80DD-401B-832B-E7EF202E28C2}" dt="2024-06-14T04:16:06.804" v="6121" actId="20577"/>
+          <ac:spMkLst>
+            <pc:docMk/>
+            <pc:sldMk cId="2611413137" sldId="266"/>
+            <ac:spMk id="3" creationId="{20E8B8C0-A2A5-7B62-1B40-D3BF6CA80A5C}"/>
+          </ac:spMkLst>
+        </pc:spChg>
+        <pc:spChg chg="mod">
+          <ac:chgData name="Gibbons, Carl" userId="d2b037bc-8fb4-4222-845c-61440543a456" providerId="ADAL" clId="{26C7F00A-80DD-401B-832B-E7EF202E28C2}" dt="2024-06-14T04:13:37.754" v="6102" actId="20577"/>
+          <ac:spMkLst>
+            <pc:docMk/>
+            <pc:sldMk cId="2611413137" sldId="266"/>
             <ac:spMk id="4" creationId="{B64A8207-997F-319E-7F6D-676D3ECA779B}"/>
+          </ac:spMkLst>
+        </pc:spChg>
+        <pc:spChg chg="add mod">
+          <ac:chgData name="Gibbons, Carl" userId="d2b037bc-8fb4-4222-845c-61440543a456" providerId="ADAL" clId="{26C7F00A-80DD-401B-832B-E7EF202E28C2}" dt="2024-06-14T04:16:37.203" v="6124" actId="20577"/>
+          <ac:spMkLst>
+            <pc:docMk/>
+            <pc:sldMk cId="2611413137" sldId="266"/>
+            <ac:spMk id="5" creationId="{EDDCCECA-E971-2EC4-FEF0-DCF50F49CE6A}"/>
+          </ac:spMkLst>
+        </pc:spChg>
+        <pc:spChg chg="add mod">
+          <ac:chgData name="Gibbons, Carl" userId="d2b037bc-8fb4-4222-845c-61440543a456" providerId="ADAL" clId="{26C7F00A-80DD-401B-832B-E7EF202E28C2}" dt="2024-06-14T04:12:29.809" v="6069" actId="1076"/>
+          <ac:spMkLst>
+            <pc:docMk/>
+            <pc:sldMk cId="2611413137" sldId="266"/>
+            <ac:spMk id="6" creationId="{BAACEC6C-4A35-E101-5EBD-12F9722B023B}"/>
           </ac:spMkLst>
         </pc:spChg>
       </pc:sldChg>
       <pc:sldChg chg="modSp mod">
-        <pc:chgData name="Gibbons, Carl" userId="d2b037bc-8fb4-4222-845c-61440543a456" providerId="ADAL" clId="{DD1CE632-2E50-4DF6-A094-0B92632EBA8E}" dt="2023-12-06T17:42:28.848" v="23" actId="20577"/>
+        <pc:chgData name="Gibbons, Carl" userId="d2b037bc-8fb4-4222-845c-61440543a456" providerId="ADAL" clId="{26C7F00A-80DD-401B-832B-E7EF202E28C2}" dt="2024-06-14T03:45:35.713" v="3519" actId="20577"/>
         <pc:sldMkLst>
           <pc:docMk/>
-          <pc:sldMk cId="1865769485" sldId="273"/>
+          <pc:sldMk cId="4188996306" sldId="267"/>
         </pc:sldMkLst>
         <pc:spChg chg="mod">
-          <ac:chgData name="Gibbons, Carl" userId="d2b037bc-8fb4-4222-845c-61440543a456" providerId="ADAL" clId="{DD1CE632-2E50-4DF6-A094-0B92632EBA8E}" dt="2023-12-06T17:42:28.848" v="23" actId="20577"/>
-          <ac:spMkLst>
-            <pc:docMk/>
-            <pc:sldMk cId="1865769485" sldId="273"/>
+          <ac:chgData name="Gibbons, Carl" userId="d2b037bc-8fb4-4222-845c-61440543a456" providerId="ADAL" clId="{26C7F00A-80DD-401B-832B-E7EF202E28C2}" dt="2024-06-14T03:32:32.285" v="2957" actId="20577"/>
+          <ac:spMkLst>
+            <pc:docMk/>
+            <pc:sldMk cId="4188996306" sldId="267"/>
+            <ac:spMk id="2" creationId="{64492E64-A68B-8CA7-B3C6-044F7C8E76AB}"/>
+          </ac:spMkLst>
+        </pc:spChg>
+        <pc:spChg chg="mod">
+          <ac:chgData name="Gibbons, Carl" userId="d2b037bc-8fb4-4222-845c-61440543a456" providerId="ADAL" clId="{26C7F00A-80DD-401B-832B-E7EF202E28C2}" dt="2024-06-14T03:45:35.713" v="3519" actId="20577"/>
+          <ac:spMkLst>
+            <pc:docMk/>
+            <pc:sldMk cId="4188996306" sldId="267"/>
             <ac:spMk id="4" creationId="{B64A8207-997F-319E-7F6D-676D3ECA779B}"/>
           </ac:spMkLst>
         </pc:spChg>
+      </pc:sldChg>
+      <pc:sldChg chg="del">
+        <pc:chgData name="Gibbons, Carl" userId="d2b037bc-8fb4-4222-845c-61440543a456" providerId="ADAL" clId="{26C7F00A-80DD-401B-832B-E7EF202E28C2}" dt="2024-06-14T03:32:17.349" v="2943" actId="47"/>
+        <pc:sldMkLst>
+          <pc:docMk/>
+          <pc:sldMk cId="2948456625" sldId="277"/>
+        </pc:sldMkLst>
+      </pc:sldChg>
+      <pc:sldChg chg="del">
+        <pc:chgData name="Gibbons, Carl" userId="d2b037bc-8fb4-4222-845c-61440543a456" providerId="ADAL" clId="{26C7F00A-80DD-401B-832B-E7EF202E28C2}" dt="2024-06-14T03:02:04.454" v="73" actId="47"/>
+        <pc:sldMkLst>
+          <pc:docMk/>
+          <pc:sldMk cId="102374663" sldId="278"/>
+        </pc:sldMkLst>
+      </pc:sldChg>
+      <pc:sldChg chg="del">
+        <pc:chgData name="Gibbons, Carl" userId="d2b037bc-8fb4-4222-845c-61440543a456" providerId="ADAL" clId="{26C7F00A-80DD-401B-832B-E7EF202E28C2}" dt="2024-06-14T03:53:53.417" v="4260" actId="47"/>
+        <pc:sldMkLst>
+          <pc:docMk/>
+          <pc:sldMk cId="1709941748" sldId="279"/>
+        </pc:sldMkLst>
+      </pc:sldChg>
+      <pc:sldChg chg="del">
+        <pc:chgData name="Gibbons, Carl" userId="d2b037bc-8fb4-4222-845c-61440543a456" providerId="ADAL" clId="{26C7F00A-80DD-401B-832B-E7EF202E28C2}" dt="2024-06-14T03:53:50.044" v="4259" actId="47"/>
+        <pc:sldMkLst>
+          <pc:docMk/>
+          <pc:sldMk cId="4176796158" sldId="280"/>
+        </pc:sldMkLst>
+      </pc:sldChg>
+      <pc:sldChg chg="del">
+        <pc:chgData name="Gibbons, Carl" userId="d2b037bc-8fb4-4222-845c-61440543a456" providerId="ADAL" clId="{26C7F00A-80DD-401B-832B-E7EF202E28C2}" dt="2024-06-14T03:53:48.385" v="4257" actId="47"/>
+        <pc:sldMkLst>
+          <pc:docMk/>
+          <pc:sldMk cId="3311622519" sldId="281"/>
+        </pc:sldMkLst>
+      </pc:sldChg>
+      <pc:sldChg chg="del">
+        <pc:chgData name="Gibbons, Carl" userId="d2b037bc-8fb4-4222-845c-61440543a456" providerId="ADAL" clId="{26C7F00A-80DD-401B-832B-E7EF202E28C2}" dt="2024-06-14T03:53:49.242" v="4258" actId="47"/>
+        <pc:sldMkLst>
+          <pc:docMk/>
+          <pc:sldMk cId="4163349812" sldId="282"/>
+        </pc:sldMkLst>
+      </pc:sldChg>
+      <pc:sldChg chg="del">
+        <pc:chgData name="Gibbons, Carl" userId="d2b037bc-8fb4-4222-845c-61440543a456" providerId="ADAL" clId="{26C7F00A-80DD-401B-832B-E7EF202E28C2}" dt="2024-06-14T03:53:47.016" v="4256" actId="47"/>
+        <pc:sldMkLst>
+          <pc:docMk/>
+          <pc:sldMk cId="2755793427" sldId="283"/>
+        </pc:sldMkLst>
       </pc:sldChg>
       <pc:sldChg chg="modSp mod">
-        <pc:chgData name="Gibbons, Carl" userId="d2b037bc-8fb4-4222-845c-61440543a456" providerId="ADAL" clId="{DD1CE632-2E50-4DF6-A094-0B92632EBA8E}" dt="2023-12-06T17:39:43.190" v="12" actId="20577"/>
+        <pc:chgData name="Gibbons, Carl" userId="d2b037bc-8fb4-4222-845c-61440543a456" providerId="ADAL" clId="{26C7F00A-80DD-401B-832B-E7EF202E28C2}" dt="2024-06-14T04:20:29.253" v="6160" actId="20577"/>
         <pc:sldMkLst>
           <pc:docMk/>
-          <pc:sldMk cId="3809967197" sldId="275"/>
+          <pc:sldMk cId="322366662" sldId="284"/>
         </pc:sldMkLst>
         <pc:spChg chg="mod">
-          <ac:chgData name="Gibbons, Carl" userId="d2b037bc-8fb4-4222-845c-61440543a456" providerId="ADAL" clId="{DD1CE632-2E50-4DF6-A094-0B92632EBA8E}" dt="2023-12-06T17:39:43.190" v="12" actId="20577"/>
-          <ac:spMkLst>
-            <pc:docMk/>
-            <pc:sldMk cId="3809967197" sldId="275"/>
-            <ac:spMk id="3" creationId="{ADD8957C-88E6-A920-4979-2BDA9406B518}"/>
+          <ac:chgData name="Gibbons, Carl" userId="d2b037bc-8fb4-4222-845c-61440543a456" providerId="ADAL" clId="{26C7F00A-80DD-401B-832B-E7EF202E28C2}" dt="2024-06-14T04:10:42.746" v="6042" actId="20577"/>
+          <ac:spMkLst>
+            <pc:docMk/>
+            <pc:sldMk cId="322366662" sldId="284"/>
+            <ac:spMk id="2" creationId="{64492E64-A68B-8CA7-B3C6-044F7C8E76AB}"/>
+          </ac:spMkLst>
+        </pc:spChg>
+        <pc:spChg chg="mod">
+          <ac:chgData name="Gibbons, Carl" userId="d2b037bc-8fb4-4222-845c-61440543a456" providerId="ADAL" clId="{26C7F00A-80DD-401B-832B-E7EF202E28C2}" dt="2024-06-14T04:20:29.253" v="6160" actId="20577"/>
+          <ac:spMkLst>
+            <pc:docMk/>
+            <pc:sldMk cId="322366662" sldId="284"/>
+            <ac:spMk id="4" creationId="{B64A8207-997F-319E-7F6D-676D3ECA779B}"/>
           </ac:spMkLst>
         </pc:spChg>
       </pc:sldChg>
-      <pc:sldChg chg="modSp mod">
-        <pc:chgData name="Gibbons, Carl" userId="d2b037bc-8fb4-4222-845c-61440543a456" providerId="ADAL" clId="{DD1CE632-2E50-4DF6-A094-0B92632EBA8E}" dt="2023-12-06T17:40:27.333" v="15" actId="20577"/>
+      <pc:sldChg chg="modSp add mod">
+        <pc:chgData name="Gibbons, Carl" userId="d2b037bc-8fb4-4222-845c-61440543a456" providerId="ADAL" clId="{26C7F00A-80DD-401B-832B-E7EF202E28C2}" dt="2024-06-14T04:25:56.561" v="6285" actId="20577"/>
         <pc:sldMkLst>
           <pc:docMk/>
-          <pc:sldMk cId="1742169507" sldId="276"/>
+          <pc:sldMk cId="2432840855" sldId="285"/>
         </pc:sldMkLst>
         <pc:spChg chg="mod">
-          <ac:chgData name="Gibbons, Carl" userId="d2b037bc-8fb4-4222-845c-61440543a456" providerId="ADAL" clId="{DD1CE632-2E50-4DF6-A094-0B92632EBA8E}" dt="2023-12-06T17:40:27.333" v="15" actId="20577"/>
-          <ac:spMkLst>
-            <pc:docMk/>
-            <pc:sldMk cId="1742169507" sldId="276"/>
-            <ac:spMk id="3" creationId="{ADD8957C-88E6-A920-4979-2BDA9406B518}"/>
+          <ac:chgData name="Gibbons, Carl" userId="d2b037bc-8fb4-4222-845c-61440543a456" providerId="ADAL" clId="{26C7F00A-80DD-401B-832B-E7EF202E28C2}" dt="2024-06-14T03:44:30.748" v="3459" actId="20577"/>
+          <ac:spMkLst>
+            <pc:docMk/>
+            <pc:sldMk cId="2432840855" sldId="285"/>
+            <ac:spMk id="2" creationId="{64492E64-A68B-8CA7-B3C6-044F7C8E76AB}"/>
+          </ac:spMkLst>
+        </pc:spChg>
+        <pc:spChg chg="mod">
+          <ac:chgData name="Gibbons, Carl" userId="d2b037bc-8fb4-4222-845c-61440543a456" providerId="ADAL" clId="{26C7F00A-80DD-401B-832B-E7EF202E28C2}" dt="2024-06-14T04:25:56.561" v="6285" actId="20577"/>
+          <ac:spMkLst>
+            <pc:docMk/>
+            <pc:sldMk cId="2432840855" sldId="285"/>
+            <ac:spMk id="4" creationId="{B64A8207-997F-319E-7F6D-676D3ECA779B}"/>
+          </ac:spMkLst>
+        </pc:spChg>
+      </pc:sldChg>
+      <pc:sldChg chg="modSp add mod">
+        <pc:chgData name="Gibbons, Carl" userId="d2b037bc-8fb4-4222-845c-61440543a456" providerId="ADAL" clId="{26C7F00A-80DD-401B-832B-E7EF202E28C2}" dt="2024-06-14T04:24:44.734" v="6236" actId="20577"/>
+        <pc:sldMkLst>
+          <pc:docMk/>
+          <pc:sldMk cId="2169521787" sldId="286"/>
+        </pc:sldMkLst>
+        <pc:spChg chg="mod">
+          <ac:chgData name="Gibbons, Carl" userId="d2b037bc-8fb4-4222-845c-61440543a456" providerId="ADAL" clId="{26C7F00A-80DD-401B-832B-E7EF202E28C2}" dt="2024-06-14T03:53:36.567" v="4255" actId="20577"/>
+          <ac:spMkLst>
+            <pc:docMk/>
+            <pc:sldMk cId="2169521787" sldId="286"/>
+            <ac:spMk id="2" creationId="{64492E64-A68B-8CA7-B3C6-044F7C8E76AB}"/>
+          </ac:spMkLst>
+        </pc:spChg>
+        <pc:spChg chg="mod">
+          <ac:chgData name="Gibbons, Carl" userId="d2b037bc-8fb4-4222-845c-61440543a456" providerId="ADAL" clId="{26C7F00A-80DD-401B-832B-E7EF202E28C2}" dt="2024-06-14T04:24:44.734" v="6236" actId="20577"/>
+          <ac:spMkLst>
+            <pc:docMk/>
+            <pc:sldMk cId="2169521787" sldId="286"/>
+            <ac:spMk id="4" creationId="{B64A8207-997F-319E-7F6D-676D3ECA779B}"/>
           </ac:spMkLst>
         </pc:spChg>
       </pc:sldChg>
@@ -1570,7 +1570,7 @@
           <a:p>
             <a:fld id="{0D69348B-4620-44E9-BF3F-EACBA9EEF323}" type="datetimeFigureOut">
               <a:rPr lang="en-US" smtClean="0"/>
-              <a:t>6/25/2024</a:t>
+              <a:t>11/26/2024</a:t>
             </a:fld>
             <a:endParaRPr lang="en-US"/>
           </a:p>
@@ -1982,7 +1982,7 @@
           <a:p>
             <a:fld id="{0D69348B-4620-44E9-BF3F-EACBA9EEF323}" type="datetimeFigureOut">
               <a:rPr lang="en-US" smtClean="0"/>
-              <a:t>6/25/2024</a:t>
+              <a:t>11/26/2024</a:t>
             </a:fld>
             <a:endParaRPr lang="en-US"/>
           </a:p>
@@ -2123,7 +2123,7 @@
           <a:p>
             <a:fld id="{0D69348B-4620-44E9-BF3F-EACBA9EEF323}" type="datetimeFigureOut">
               <a:rPr lang="en-US" smtClean="0"/>
-              <a:t>6/25/2024</a:t>
+              <a:t>11/26/2024</a:t>
             </a:fld>
             <a:endParaRPr lang="en-US"/>
           </a:p>
@@ -2236,7 +2236,7 @@
           <a:p>
             <a:fld id="{0D69348B-4620-44E9-BF3F-EACBA9EEF323}" type="datetimeFigureOut">
               <a:rPr lang="en-US" smtClean="0"/>
-              <a:t>6/25/2024</a:t>
+              <a:t>11/26/2024</a:t>
             </a:fld>
             <a:endParaRPr lang="en-US"/>
           </a:p>
@@ -2547,7 +2547,7 @@
           <a:p>
             <a:fld id="{0D69348B-4620-44E9-BF3F-EACBA9EEF323}" type="datetimeFigureOut">
               <a:rPr lang="en-US" smtClean="0"/>
-              <a:t>6/25/2024</a:t>
+              <a:t>11/26/2024</a:t>
             </a:fld>
             <a:endParaRPr lang="en-US"/>
           </a:p>
@@ -2835,7 +2835,7 @@
           <a:p>
             <a:fld id="{0D69348B-4620-44E9-BF3F-EACBA9EEF323}" type="datetimeFigureOut">
               <a:rPr lang="en-US" smtClean="0"/>
-              <a:t>6/25/2024</a:t>
+              <a:t>11/26/2024</a:t>
             </a:fld>
             <a:endParaRPr lang="en-US"/>
           </a:p>
@@ -3033,7 +3033,7 @@
           <a:p>
             <a:fld id="{0D69348B-4620-44E9-BF3F-EACBA9EEF323}" type="datetimeFigureOut">
               <a:rPr lang="en-US" smtClean="0"/>
-              <a:t>6/25/2024</a:t>
+              <a:t>11/26/2024</a:t>
             </a:fld>
             <a:endParaRPr lang="en-US"/>
           </a:p>
@@ -3241,7 +3241,7 @@
           <a:p>
             <a:fld id="{0D69348B-4620-44E9-BF3F-EACBA9EEF323}" type="datetimeFigureOut">
               <a:rPr lang="en-US" smtClean="0"/>
-              <a:t>6/25/2024</a:t>
+              <a:t>11/26/2024</a:t>
             </a:fld>
             <a:endParaRPr lang="en-US"/>
           </a:p>
@@ -3740,7 +3740,7 @@
           <a:p>
             <a:fld id="{0BE24BAF-58C0-4D38-ABA0-4170CC92DC13}" type="datetimeFigureOut">
               <a:rPr lang="en-US" smtClean="0"/>
-              <a:t>6/25/2024</a:t>
+              <a:t>11/26/2024</a:t>
             </a:fld>
             <a:endParaRPr lang="en-US"/>
           </a:p>
@@ -4041,7 +4041,7 @@
           <a:p>
             <a:fld id="{0BE24BAF-58C0-4D38-ABA0-4170CC92DC13}" type="datetimeFigureOut">
               <a:rPr lang="en-US" smtClean="0"/>
-              <a:t>6/25/2024</a:t>
+              <a:t>11/26/2024</a:t>
             </a:fld>
             <a:endParaRPr lang="en-US"/>
           </a:p>
@@ -4239,7 +4239,7 @@
           <a:p>
             <a:fld id="{0D69348B-4620-44E9-BF3F-EACBA9EEF323}" type="datetimeFigureOut">
               <a:rPr lang="en-US" smtClean="0"/>
-              <a:t>6/25/2024</a:t>
+              <a:t>11/26/2024</a:t>
             </a:fld>
             <a:endParaRPr lang="en-US"/>
           </a:p>
@@ -4514,7 +4514,7 @@
           <a:p>
             <a:fld id="{0D69348B-4620-44E9-BF3F-EACBA9EEF323}" type="datetimeFigureOut">
               <a:rPr lang="en-US" smtClean="0"/>
-              <a:t>6/25/2024</a:t>
+              <a:t>11/26/2024</a:t>
             </a:fld>
             <a:endParaRPr lang="en-US"/>
           </a:p>
@@ -4646,14 +4646,14 @@
           </a:ln>
           <a:extLst>
             <a:ext uri="{909E8E84-426E-40dd-AFC4-6F175D3DCCD1}">
-              <a14:hiddenFill xmlns="" xmlns:a14="http://schemas.microsoft.com/office/drawing/2010/main">
+              <a14:hiddenFill xmlns:a14="http://schemas.microsoft.com/office/drawing/2010/main" xmlns="">
                 <a:solidFill>
                   <a:srgbClr val="FFFFFF"/>
                 </a:solidFill>
               </a14:hiddenFill>
             </a:ext>
             <a:ext uri="{91240B29-F687-4f45-9708-019B960494DF}">
-              <a14:hiddenLine xmlns="" xmlns:a14="http://schemas.microsoft.com/office/drawing/2010/main" w="9525">
+              <a14:hiddenLine xmlns:a14="http://schemas.microsoft.com/office/drawing/2010/main" xmlns="" w="9525">
                 <a:solidFill>
                   <a:srgbClr val="000000"/>
                 </a:solidFill>
@@ -5469,7 +5469,7 @@
           <a:p>
             <a:fld id="{0D69348B-4620-44E9-BF3F-EACBA9EEF323}" type="datetimeFigureOut">
               <a:rPr lang="en-US" smtClean="0"/>
-              <a:t>6/25/2024</a:t>
+              <a:t>11/26/2024</a:t>
             </a:fld>
             <a:endParaRPr lang="en-US"/>
           </a:p>
@@ -6045,17 +6045,20 @@
               <a:rPr lang="en-US" sz="1800" dirty="0">
                 <a:latin typeface="+mn-lt"/>
               </a:rPr>
-              <a:t>For your last exercise this week, you will write your own exercise, based on one of the Red Tam tasks in textbook chapter 8, to be shared later with </a:t>
+              <a:t>For your last exercise this week, you will write your own exercise, based on one of the </a:t>
             </a:r>
             <a:r>
               <a:rPr lang="en-US" sz="1800">
                 <a:latin typeface="+mn-lt"/>
               </a:rPr>
-              <a:t>your classmates.</a:t>
-            </a:r>
-            <a:endParaRPr lang="en-US" sz="1800" dirty="0">
-              <a:latin typeface="+mn-lt"/>
-            </a:endParaRPr>
+              <a:t>Red Team </a:t>
+            </a:r>
+            <a:r>
+              <a:rPr lang="en-US" sz="1800" dirty="0">
+                <a:latin typeface="+mn-lt"/>
+              </a:rPr>
+              <a:t>tasks in textbook chapter 8, to be shared later with your classmates.</a:t>
+            </a:r>
           </a:p>
         </p:txBody>
       </p:sp>

--- a/CYBER360-8.4-Red-Team.pptx
+++ b/CYBER360-8.4-Red-Team.pptx
@@ -3,11 +3,11 @@
 <p:presentation xmlns:a="http://schemas.openxmlformats.org/drawingml/2006/main" xmlns:r="http://schemas.openxmlformats.org/officeDocument/2006/relationships" xmlns:p="http://schemas.openxmlformats.org/presentationml/2006/main" saveSubsetFonts="1">
   <p:sldMasterIdLst>
     <p:sldMasterId id="2147483661" r:id="rId1"/>
-    <p:sldMasterId id="2147483681" r:id="rId2"/>
+    <p:sldMasterId id="2147483694" r:id="rId2"/>
   </p:sldMasterIdLst>
   <p:sldIdLst>
-    <p:sldId id="256" r:id="rId3"/>
-    <p:sldId id="284" r:id="rId4"/>
+    <p:sldId id="285" r:id="rId3"/>
+    <p:sldId id="286" r:id="rId4"/>
   </p:sldIdLst>
   <p:sldSz cx="12192000" cy="6858000"/>
   <p:notesSz cx="6858000" cy="9144000"/>
@@ -144,8 +144,327 @@
 </p:presentation>
 </file>
 
+<file path=ppt/revisionInfo.xml><?xml version="1.0" encoding="utf-8"?>
+<p1510:revInfo xmlns:a="http://schemas.openxmlformats.org/drawingml/2006/main" xmlns:r="http://schemas.openxmlformats.org/officeDocument/2006/relationships" xmlns:p1510="http://schemas.microsoft.com/office/powerpoint/2015/10/main">
+  <p1510:revLst>
+    <p1510:client id="{E799D50B-09F1-49E6-BE03-C4CEB274A392}" v="4" dt="2024-12-17T16:09:20.064"/>
+  </p1510:revLst>
+</p1510:revInfo>
+</file>
+
 <file path=ppt/changesInfos/changesInfo1.xml><?xml version="1.0" encoding="utf-8"?>
 <pc:chgInfo xmlns:a="http://schemas.openxmlformats.org/drawingml/2006/main" xmlns:r="http://schemas.openxmlformats.org/officeDocument/2006/relationships" xmlns:ac="http://schemas.microsoft.com/office/drawing/2013/main/command" xmlns:pc="http://schemas.microsoft.com/office/powerpoint/2013/main/command">
+  <pc:docChgLst>
+    <pc:chgData name="Gibbons, Carl" userId="d2b037bc-8fb4-4222-845c-61440543a456" providerId="ADAL" clId="{513A426B-8C0C-4739-8154-95FA52836484}"/>
+    <pc:docChg chg="custSel modSld">
+      <pc:chgData name="Gibbons, Carl" userId="d2b037bc-8fb4-4222-845c-61440543a456" providerId="ADAL" clId="{513A426B-8C0C-4739-8154-95FA52836484}" dt="2024-06-13T20:40:03.415" v="917" actId="20577"/>
+      <pc:docMkLst>
+        <pc:docMk/>
+      </pc:docMkLst>
+      <pc:sldChg chg="modSp mod">
+        <pc:chgData name="Gibbons, Carl" userId="d2b037bc-8fb4-4222-845c-61440543a456" providerId="ADAL" clId="{513A426B-8C0C-4739-8154-95FA52836484}" dt="2024-06-13T19:43:29.739" v="23" actId="20577"/>
+        <pc:sldMkLst>
+          <pc:docMk/>
+          <pc:sldMk cId="2611413137" sldId="266"/>
+        </pc:sldMkLst>
+        <pc:spChg chg="mod">
+          <ac:chgData name="Gibbons, Carl" userId="d2b037bc-8fb4-4222-845c-61440543a456" providerId="ADAL" clId="{513A426B-8C0C-4739-8154-95FA52836484}" dt="2024-06-13T19:43:29.739" v="23" actId="20577"/>
+          <ac:spMkLst>
+            <pc:docMk/>
+            <pc:sldMk cId="2611413137" sldId="266"/>
+            <ac:spMk id="2" creationId="{64492E64-A68B-8CA7-B3C6-044F7C8E76AB}"/>
+          </ac:spMkLst>
+        </pc:spChg>
+      </pc:sldChg>
+      <pc:sldChg chg="modSp mod">
+        <pc:chgData name="Gibbons, Carl" userId="d2b037bc-8fb4-4222-845c-61440543a456" providerId="ADAL" clId="{513A426B-8C0C-4739-8154-95FA52836484}" dt="2024-06-13T19:56:07.263" v="304" actId="20577"/>
+        <pc:sldMkLst>
+          <pc:docMk/>
+          <pc:sldMk cId="2022267737" sldId="268"/>
+        </pc:sldMkLst>
+        <pc:spChg chg="mod">
+          <ac:chgData name="Gibbons, Carl" userId="d2b037bc-8fb4-4222-845c-61440543a456" providerId="ADAL" clId="{513A426B-8C0C-4739-8154-95FA52836484}" dt="2024-06-13T19:56:07.263" v="304" actId="20577"/>
+          <ac:spMkLst>
+            <pc:docMk/>
+            <pc:sldMk cId="2022267737" sldId="268"/>
+            <ac:spMk id="4" creationId="{B64A8207-997F-319E-7F6D-676D3ECA779B}"/>
+          </ac:spMkLst>
+        </pc:spChg>
+      </pc:sldChg>
+      <pc:sldChg chg="modSp mod">
+        <pc:chgData name="Gibbons, Carl" userId="d2b037bc-8fb4-4222-845c-61440543a456" providerId="ADAL" clId="{513A426B-8C0C-4739-8154-95FA52836484}" dt="2024-06-13T19:59:09.439" v="305" actId="20577"/>
+        <pc:sldMkLst>
+          <pc:docMk/>
+          <pc:sldMk cId="1457658100" sldId="271"/>
+        </pc:sldMkLst>
+        <pc:spChg chg="mod">
+          <ac:chgData name="Gibbons, Carl" userId="d2b037bc-8fb4-4222-845c-61440543a456" providerId="ADAL" clId="{513A426B-8C0C-4739-8154-95FA52836484}" dt="2024-06-13T19:59:09.439" v="305" actId="20577"/>
+          <ac:spMkLst>
+            <pc:docMk/>
+            <pc:sldMk cId="1457658100" sldId="271"/>
+            <ac:spMk id="4" creationId="{B64A8207-997F-319E-7F6D-676D3ECA779B}"/>
+          </ac:spMkLst>
+        </pc:spChg>
+      </pc:sldChg>
+      <pc:sldChg chg="modSp mod">
+        <pc:chgData name="Gibbons, Carl" userId="d2b037bc-8fb4-4222-845c-61440543a456" providerId="ADAL" clId="{513A426B-8C0C-4739-8154-95FA52836484}" dt="2024-06-13T20:20:51.743" v="313" actId="20577"/>
+        <pc:sldMkLst>
+          <pc:docMk/>
+          <pc:sldMk cId="1865769485" sldId="273"/>
+        </pc:sldMkLst>
+        <pc:spChg chg="mod">
+          <ac:chgData name="Gibbons, Carl" userId="d2b037bc-8fb4-4222-845c-61440543a456" providerId="ADAL" clId="{513A426B-8C0C-4739-8154-95FA52836484}" dt="2024-06-13T20:20:51.743" v="313" actId="20577"/>
+          <ac:spMkLst>
+            <pc:docMk/>
+            <pc:sldMk cId="1865769485" sldId="273"/>
+            <ac:spMk id="4" creationId="{B64A8207-997F-319E-7F6D-676D3ECA779B}"/>
+          </ac:spMkLst>
+        </pc:spChg>
+      </pc:sldChg>
+      <pc:sldChg chg="modSp mod">
+        <pc:chgData name="Gibbons, Carl" userId="d2b037bc-8fb4-4222-845c-61440543a456" providerId="ADAL" clId="{513A426B-8C0C-4739-8154-95FA52836484}" dt="2024-06-13T20:28:48.315" v="352" actId="20577"/>
+        <pc:sldMkLst>
+          <pc:docMk/>
+          <pc:sldMk cId="3809967197" sldId="275"/>
+        </pc:sldMkLst>
+        <pc:spChg chg="mod">
+          <ac:chgData name="Gibbons, Carl" userId="d2b037bc-8fb4-4222-845c-61440543a456" providerId="ADAL" clId="{513A426B-8C0C-4739-8154-95FA52836484}" dt="2024-06-13T20:28:48.315" v="352" actId="20577"/>
+          <ac:spMkLst>
+            <pc:docMk/>
+            <pc:sldMk cId="3809967197" sldId="275"/>
+            <ac:spMk id="3" creationId="{ADD8957C-88E6-A920-4979-2BDA9406B518}"/>
+          </ac:spMkLst>
+        </pc:spChg>
+      </pc:sldChg>
+      <pc:sldChg chg="modSp mod">
+        <pc:chgData name="Gibbons, Carl" userId="d2b037bc-8fb4-4222-845c-61440543a456" providerId="ADAL" clId="{513A426B-8C0C-4739-8154-95FA52836484}" dt="2024-06-13T20:40:03.415" v="917" actId="20577"/>
+        <pc:sldMkLst>
+          <pc:docMk/>
+          <pc:sldMk cId="1742169507" sldId="276"/>
+        </pc:sldMkLst>
+        <pc:spChg chg="mod">
+          <ac:chgData name="Gibbons, Carl" userId="d2b037bc-8fb4-4222-845c-61440543a456" providerId="ADAL" clId="{513A426B-8C0C-4739-8154-95FA52836484}" dt="2024-06-13T20:40:03.415" v="917" actId="20577"/>
+          <ac:spMkLst>
+            <pc:docMk/>
+            <pc:sldMk cId="1742169507" sldId="276"/>
+            <ac:spMk id="3" creationId="{ADD8957C-88E6-A920-4979-2BDA9406B518}"/>
+          </ac:spMkLst>
+        </pc:spChg>
+      </pc:sldChg>
+    </pc:docChg>
+  </pc:docChgLst>
+  <pc:docChgLst>
+    <pc:chgData name="Gibbons, Carl" userId="d2b037bc-8fb4-4222-845c-61440543a456" providerId="ADAL" clId="{26C7F00A-80DD-401B-832B-E7EF202E28C2}"/>
+    <pc:docChg chg="undo custSel addSld delSld modSld">
+      <pc:chgData name="Gibbons, Carl" userId="d2b037bc-8fb4-4222-845c-61440543a456" providerId="ADAL" clId="{26C7F00A-80DD-401B-832B-E7EF202E28C2}" dt="2024-06-14T04:25:56.561" v="6285" actId="20577"/>
+      <pc:docMkLst>
+        <pc:docMk/>
+      </pc:docMkLst>
+      <pc:sldChg chg="modSp mod">
+        <pc:chgData name="Gibbons, Carl" userId="d2b037bc-8fb4-4222-845c-61440543a456" providerId="ADAL" clId="{26C7F00A-80DD-401B-832B-E7EF202E28C2}" dt="2024-06-14T03:01:29.413" v="72" actId="20577"/>
+        <pc:sldMkLst>
+          <pc:docMk/>
+          <pc:sldMk cId="3644072983" sldId="256"/>
+        </pc:sldMkLst>
+        <pc:spChg chg="mod">
+          <ac:chgData name="Gibbons, Carl" userId="d2b037bc-8fb4-4222-845c-61440543a456" providerId="ADAL" clId="{26C7F00A-80DD-401B-832B-E7EF202E28C2}" dt="2024-06-14T03:01:29.413" v="72" actId="20577"/>
+          <ac:spMkLst>
+            <pc:docMk/>
+            <pc:sldMk cId="3644072983" sldId="256"/>
+            <ac:spMk id="3" creationId="{8586CD17-5B17-5D66-987C-05DC748B3FF9}"/>
+          </ac:spMkLst>
+        </pc:spChg>
+      </pc:sldChg>
+      <pc:sldChg chg="addSp modSp mod">
+        <pc:chgData name="Gibbons, Carl" userId="d2b037bc-8fb4-4222-845c-61440543a456" providerId="ADAL" clId="{26C7F00A-80DD-401B-832B-E7EF202E28C2}" dt="2024-06-14T04:16:37.203" v="6124" actId="20577"/>
+        <pc:sldMkLst>
+          <pc:docMk/>
+          <pc:sldMk cId="2611413137" sldId="266"/>
+        </pc:sldMkLst>
+        <pc:spChg chg="mod">
+          <ac:chgData name="Gibbons, Carl" userId="d2b037bc-8fb4-4222-845c-61440543a456" providerId="ADAL" clId="{26C7F00A-80DD-401B-832B-E7EF202E28C2}" dt="2024-06-14T03:02:13.298" v="116" actId="20577"/>
+          <ac:spMkLst>
+            <pc:docMk/>
+            <pc:sldMk cId="2611413137" sldId="266"/>
+            <ac:spMk id="2" creationId="{64492E64-A68B-8CA7-B3C6-044F7C8E76AB}"/>
+          </ac:spMkLst>
+        </pc:spChg>
+        <pc:spChg chg="add mod">
+          <ac:chgData name="Gibbons, Carl" userId="d2b037bc-8fb4-4222-845c-61440543a456" providerId="ADAL" clId="{26C7F00A-80DD-401B-832B-E7EF202E28C2}" dt="2024-06-14T04:16:06.804" v="6121" actId="20577"/>
+          <ac:spMkLst>
+            <pc:docMk/>
+            <pc:sldMk cId="2611413137" sldId="266"/>
+            <ac:spMk id="3" creationId="{20E8B8C0-A2A5-7B62-1B40-D3BF6CA80A5C}"/>
+          </ac:spMkLst>
+        </pc:spChg>
+        <pc:spChg chg="mod">
+          <ac:chgData name="Gibbons, Carl" userId="d2b037bc-8fb4-4222-845c-61440543a456" providerId="ADAL" clId="{26C7F00A-80DD-401B-832B-E7EF202E28C2}" dt="2024-06-14T04:13:37.754" v="6102" actId="20577"/>
+          <ac:spMkLst>
+            <pc:docMk/>
+            <pc:sldMk cId="2611413137" sldId="266"/>
+            <ac:spMk id="4" creationId="{B64A8207-997F-319E-7F6D-676D3ECA779B}"/>
+          </ac:spMkLst>
+        </pc:spChg>
+        <pc:spChg chg="add mod">
+          <ac:chgData name="Gibbons, Carl" userId="d2b037bc-8fb4-4222-845c-61440543a456" providerId="ADAL" clId="{26C7F00A-80DD-401B-832B-E7EF202E28C2}" dt="2024-06-14T04:16:37.203" v="6124" actId="20577"/>
+          <ac:spMkLst>
+            <pc:docMk/>
+            <pc:sldMk cId="2611413137" sldId="266"/>
+            <ac:spMk id="5" creationId="{EDDCCECA-E971-2EC4-FEF0-DCF50F49CE6A}"/>
+          </ac:spMkLst>
+        </pc:spChg>
+        <pc:spChg chg="add mod">
+          <ac:chgData name="Gibbons, Carl" userId="d2b037bc-8fb4-4222-845c-61440543a456" providerId="ADAL" clId="{26C7F00A-80DD-401B-832B-E7EF202E28C2}" dt="2024-06-14T04:12:29.809" v="6069" actId="1076"/>
+          <ac:spMkLst>
+            <pc:docMk/>
+            <pc:sldMk cId="2611413137" sldId="266"/>
+            <ac:spMk id="6" creationId="{BAACEC6C-4A35-E101-5EBD-12F9722B023B}"/>
+          </ac:spMkLst>
+        </pc:spChg>
+      </pc:sldChg>
+      <pc:sldChg chg="modSp mod">
+        <pc:chgData name="Gibbons, Carl" userId="d2b037bc-8fb4-4222-845c-61440543a456" providerId="ADAL" clId="{26C7F00A-80DD-401B-832B-E7EF202E28C2}" dt="2024-06-14T03:45:35.713" v="3519" actId="20577"/>
+        <pc:sldMkLst>
+          <pc:docMk/>
+          <pc:sldMk cId="4188996306" sldId="267"/>
+        </pc:sldMkLst>
+        <pc:spChg chg="mod">
+          <ac:chgData name="Gibbons, Carl" userId="d2b037bc-8fb4-4222-845c-61440543a456" providerId="ADAL" clId="{26C7F00A-80DD-401B-832B-E7EF202E28C2}" dt="2024-06-14T03:32:32.285" v="2957" actId="20577"/>
+          <ac:spMkLst>
+            <pc:docMk/>
+            <pc:sldMk cId="4188996306" sldId="267"/>
+            <ac:spMk id="2" creationId="{64492E64-A68B-8CA7-B3C6-044F7C8E76AB}"/>
+          </ac:spMkLst>
+        </pc:spChg>
+        <pc:spChg chg="mod">
+          <ac:chgData name="Gibbons, Carl" userId="d2b037bc-8fb4-4222-845c-61440543a456" providerId="ADAL" clId="{26C7F00A-80DD-401B-832B-E7EF202E28C2}" dt="2024-06-14T03:45:35.713" v="3519" actId="20577"/>
+          <ac:spMkLst>
+            <pc:docMk/>
+            <pc:sldMk cId="4188996306" sldId="267"/>
+            <ac:spMk id="4" creationId="{B64A8207-997F-319E-7F6D-676D3ECA779B}"/>
+          </ac:spMkLst>
+        </pc:spChg>
+      </pc:sldChg>
+      <pc:sldChg chg="del">
+        <pc:chgData name="Gibbons, Carl" userId="d2b037bc-8fb4-4222-845c-61440543a456" providerId="ADAL" clId="{26C7F00A-80DD-401B-832B-E7EF202E28C2}" dt="2024-06-14T03:32:17.349" v="2943" actId="47"/>
+        <pc:sldMkLst>
+          <pc:docMk/>
+          <pc:sldMk cId="2948456625" sldId="277"/>
+        </pc:sldMkLst>
+      </pc:sldChg>
+      <pc:sldChg chg="del">
+        <pc:chgData name="Gibbons, Carl" userId="d2b037bc-8fb4-4222-845c-61440543a456" providerId="ADAL" clId="{26C7F00A-80DD-401B-832B-E7EF202E28C2}" dt="2024-06-14T03:02:04.454" v="73" actId="47"/>
+        <pc:sldMkLst>
+          <pc:docMk/>
+          <pc:sldMk cId="102374663" sldId="278"/>
+        </pc:sldMkLst>
+      </pc:sldChg>
+      <pc:sldChg chg="del">
+        <pc:chgData name="Gibbons, Carl" userId="d2b037bc-8fb4-4222-845c-61440543a456" providerId="ADAL" clId="{26C7F00A-80DD-401B-832B-E7EF202E28C2}" dt="2024-06-14T03:53:53.417" v="4260" actId="47"/>
+        <pc:sldMkLst>
+          <pc:docMk/>
+          <pc:sldMk cId="1709941748" sldId="279"/>
+        </pc:sldMkLst>
+      </pc:sldChg>
+      <pc:sldChg chg="del">
+        <pc:chgData name="Gibbons, Carl" userId="d2b037bc-8fb4-4222-845c-61440543a456" providerId="ADAL" clId="{26C7F00A-80DD-401B-832B-E7EF202E28C2}" dt="2024-06-14T03:53:50.044" v="4259" actId="47"/>
+        <pc:sldMkLst>
+          <pc:docMk/>
+          <pc:sldMk cId="4176796158" sldId="280"/>
+        </pc:sldMkLst>
+      </pc:sldChg>
+      <pc:sldChg chg="del">
+        <pc:chgData name="Gibbons, Carl" userId="d2b037bc-8fb4-4222-845c-61440543a456" providerId="ADAL" clId="{26C7F00A-80DD-401B-832B-E7EF202E28C2}" dt="2024-06-14T03:53:48.385" v="4257" actId="47"/>
+        <pc:sldMkLst>
+          <pc:docMk/>
+          <pc:sldMk cId="3311622519" sldId="281"/>
+        </pc:sldMkLst>
+      </pc:sldChg>
+      <pc:sldChg chg="del">
+        <pc:chgData name="Gibbons, Carl" userId="d2b037bc-8fb4-4222-845c-61440543a456" providerId="ADAL" clId="{26C7F00A-80DD-401B-832B-E7EF202E28C2}" dt="2024-06-14T03:53:49.242" v="4258" actId="47"/>
+        <pc:sldMkLst>
+          <pc:docMk/>
+          <pc:sldMk cId="4163349812" sldId="282"/>
+        </pc:sldMkLst>
+      </pc:sldChg>
+      <pc:sldChg chg="del">
+        <pc:chgData name="Gibbons, Carl" userId="d2b037bc-8fb4-4222-845c-61440543a456" providerId="ADAL" clId="{26C7F00A-80DD-401B-832B-E7EF202E28C2}" dt="2024-06-14T03:53:47.016" v="4256" actId="47"/>
+        <pc:sldMkLst>
+          <pc:docMk/>
+          <pc:sldMk cId="2755793427" sldId="283"/>
+        </pc:sldMkLst>
+      </pc:sldChg>
+      <pc:sldChg chg="modSp mod">
+        <pc:chgData name="Gibbons, Carl" userId="d2b037bc-8fb4-4222-845c-61440543a456" providerId="ADAL" clId="{26C7F00A-80DD-401B-832B-E7EF202E28C2}" dt="2024-06-14T04:20:29.253" v="6160" actId="20577"/>
+        <pc:sldMkLst>
+          <pc:docMk/>
+          <pc:sldMk cId="322366662" sldId="284"/>
+        </pc:sldMkLst>
+        <pc:spChg chg="mod">
+          <ac:chgData name="Gibbons, Carl" userId="d2b037bc-8fb4-4222-845c-61440543a456" providerId="ADAL" clId="{26C7F00A-80DD-401B-832B-E7EF202E28C2}" dt="2024-06-14T04:10:42.746" v="6042" actId="20577"/>
+          <ac:spMkLst>
+            <pc:docMk/>
+            <pc:sldMk cId="322366662" sldId="284"/>
+            <ac:spMk id="2" creationId="{64492E64-A68B-8CA7-B3C6-044F7C8E76AB}"/>
+          </ac:spMkLst>
+        </pc:spChg>
+        <pc:spChg chg="mod">
+          <ac:chgData name="Gibbons, Carl" userId="d2b037bc-8fb4-4222-845c-61440543a456" providerId="ADAL" clId="{26C7F00A-80DD-401B-832B-E7EF202E28C2}" dt="2024-06-14T04:20:29.253" v="6160" actId="20577"/>
+          <ac:spMkLst>
+            <pc:docMk/>
+            <pc:sldMk cId="322366662" sldId="284"/>
+            <ac:spMk id="4" creationId="{B64A8207-997F-319E-7F6D-676D3ECA779B}"/>
+          </ac:spMkLst>
+        </pc:spChg>
+      </pc:sldChg>
+      <pc:sldChg chg="modSp add mod">
+        <pc:chgData name="Gibbons, Carl" userId="d2b037bc-8fb4-4222-845c-61440543a456" providerId="ADAL" clId="{26C7F00A-80DD-401B-832B-E7EF202E28C2}" dt="2024-06-14T04:25:56.561" v="6285" actId="20577"/>
+        <pc:sldMkLst>
+          <pc:docMk/>
+          <pc:sldMk cId="2432840855" sldId="285"/>
+        </pc:sldMkLst>
+        <pc:spChg chg="mod">
+          <ac:chgData name="Gibbons, Carl" userId="d2b037bc-8fb4-4222-845c-61440543a456" providerId="ADAL" clId="{26C7F00A-80DD-401B-832B-E7EF202E28C2}" dt="2024-06-14T03:44:30.748" v="3459" actId="20577"/>
+          <ac:spMkLst>
+            <pc:docMk/>
+            <pc:sldMk cId="2432840855" sldId="285"/>
+            <ac:spMk id="2" creationId="{64492E64-A68B-8CA7-B3C6-044F7C8E76AB}"/>
+          </ac:spMkLst>
+        </pc:spChg>
+        <pc:spChg chg="mod">
+          <ac:chgData name="Gibbons, Carl" userId="d2b037bc-8fb4-4222-845c-61440543a456" providerId="ADAL" clId="{26C7F00A-80DD-401B-832B-E7EF202E28C2}" dt="2024-06-14T04:25:56.561" v="6285" actId="20577"/>
+          <ac:spMkLst>
+            <pc:docMk/>
+            <pc:sldMk cId="2432840855" sldId="285"/>
+            <ac:spMk id="4" creationId="{B64A8207-997F-319E-7F6D-676D3ECA779B}"/>
+          </ac:spMkLst>
+        </pc:spChg>
+      </pc:sldChg>
+      <pc:sldChg chg="modSp add mod">
+        <pc:chgData name="Gibbons, Carl" userId="d2b037bc-8fb4-4222-845c-61440543a456" providerId="ADAL" clId="{26C7F00A-80DD-401B-832B-E7EF202E28C2}" dt="2024-06-14T04:24:44.734" v="6236" actId="20577"/>
+        <pc:sldMkLst>
+          <pc:docMk/>
+          <pc:sldMk cId="2169521787" sldId="286"/>
+        </pc:sldMkLst>
+        <pc:spChg chg="mod">
+          <ac:chgData name="Gibbons, Carl" userId="d2b037bc-8fb4-4222-845c-61440543a456" providerId="ADAL" clId="{26C7F00A-80DD-401B-832B-E7EF202E28C2}" dt="2024-06-14T03:53:36.567" v="4255" actId="20577"/>
+          <ac:spMkLst>
+            <pc:docMk/>
+            <pc:sldMk cId="2169521787" sldId="286"/>
+            <ac:spMk id="2" creationId="{64492E64-A68B-8CA7-B3C6-044F7C8E76AB}"/>
+          </ac:spMkLst>
+        </pc:spChg>
+        <pc:spChg chg="mod">
+          <ac:chgData name="Gibbons, Carl" userId="d2b037bc-8fb4-4222-845c-61440543a456" providerId="ADAL" clId="{26C7F00A-80DD-401B-832B-E7EF202E28C2}" dt="2024-06-14T04:24:44.734" v="6236" actId="20577"/>
+          <ac:spMkLst>
+            <pc:docMk/>
+            <pc:sldMk cId="2169521787" sldId="286"/>
+            <ac:spMk id="4" creationId="{B64A8207-997F-319E-7F6D-676D3ECA779B}"/>
+          </ac:spMkLst>
+        </pc:spChg>
+      </pc:sldChg>
+    </pc:docChg>
+  </pc:docChgLst>
   <pc:docChgLst>
     <pc:chgData name="Gibbons, Carl" userId="d2b037bc-8fb4-4222-845c-61440543a456" providerId="ADAL" clId="{B1B76948-CF5F-4A89-ADB0-7515E617BB90}"/>
     <pc:docChg chg="delSld modSld">
@@ -249,6 +568,266 @@
     </pc:docChg>
   </pc:docChgLst>
   <pc:docChgLst>
+    <pc:chgData name="Willis, Orion" userId="e283381d-8284-4d3f-ab32-7d71b1e99e1a" providerId="ADAL" clId="{E799D50B-09F1-49E6-BE03-C4CEB274A392}"/>
+    <pc:docChg chg="custSel delSld modSld delMainMaster">
+      <pc:chgData name="Willis, Orion" userId="e283381d-8284-4d3f-ab32-7d71b1e99e1a" providerId="ADAL" clId="{E799D50B-09F1-49E6-BE03-C4CEB274A392}" dt="2024-12-17T16:54:32.027" v="32" actId="1076"/>
+      <pc:docMkLst>
+        <pc:docMk/>
+      </pc:docMkLst>
+      <pc:sldChg chg="addSp delSp modSp del mod">
+        <pc:chgData name="Willis, Orion" userId="e283381d-8284-4d3f-ab32-7d71b1e99e1a" providerId="ADAL" clId="{E799D50B-09F1-49E6-BE03-C4CEB274A392}" dt="2024-12-17T16:08:25.471" v="5" actId="2696"/>
+        <pc:sldMkLst>
+          <pc:docMk/>
+          <pc:sldMk cId="3644072983" sldId="256"/>
+        </pc:sldMkLst>
+        <pc:spChg chg="del">
+          <ac:chgData name="Willis, Orion" userId="e283381d-8284-4d3f-ab32-7d71b1e99e1a" providerId="ADAL" clId="{E799D50B-09F1-49E6-BE03-C4CEB274A392}" dt="2024-12-17T16:08:22.984" v="4" actId="21"/>
+          <ac:spMkLst>
+            <pc:docMk/>
+            <pc:sldMk cId="3644072983" sldId="256"/>
+            <ac:spMk id="2" creationId="{6FCA7FD7-E3CD-7A2C-5AF7-2EE59026C9D4}"/>
+          </ac:spMkLst>
+        </pc:spChg>
+        <pc:spChg chg="del">
+          <ac:chgData name="Willis, Orion" userId="e283381d-8284-4d3f-ab32-7d71b1e99e1a" providerId="ADAL" clId="{E799D50B-09F1-49E6-BE03-C4CEB274A392}" dt="2024-12-17T16:08:22.984" v="4" actId="21"/>
+          <ac:spMkLst>
+            <pc:docMk/>
+            <pc:sldMk cId="3644072983" sldId="256"/>
+            <ac:spMk id="3" creationId="{8586CD17-5B17-5D66-987C-05DC748B3FF9}"/>
+          </ac:spMkLst>
+        </pc:spChg>
+        <pc:spChg chg="add mod">
+          <ac:chgData name="Willis, Orion" userId="e283381d-8284-4d3f-ab32-7d71b1e99e1a" providerId="ADAL" clId="{E799D50B-09F1-49E6-BE03-C4CEB274A392}" dt="2024-12-17T16:08:22.984" v="4" actId="21"/>
+          <ac:spMkLst>
+            <pc:docMk/>
+            <pc:sldMk cId="3644072983" sldId="256"/>
+            <ac:spMk id="5" creationId="{F440CBAD-8606-F068-8FF7-986D5450846B}"/>
+          </ac:spMkLst>
+        </pc:spChg>
+        <pc:spChg chg="add mod">
+          <ac:chgData name="Willis, Orion" userId="e283381d-8284-4d3f-ab32-7d71b1e99e1a" providerId="ADAL" clId="{E799D50B-09F1-49E6-BE03-C4CEB274A392}" dt="2024-12-17T16:08:22.984" v="4" actId="21"/>
+          <ac:spMkLst>
+            <pc:docMk/>
+            <pc:sldMk cId="3644072983" sldId="256"/>
+            <ac:spMk id="7" creationId="{7CA6D0E3-961F-71E5-8672-922C149DF373}"/>
+          </ac:spMkLst>
+        </pc:spChg>
+      </pc:sldChg>
+      <pc:sldChg chg="addSp delSp modSp del mod">
+        <pc:chgData name="Willis, Orion" userId="e283381d-8284-4d3f-ab32-7d71b1e99e1a" providerId="ADAL" clId="{E799D50B-09F1-49E6-BE03-C4CEB274A392}" dt="2024-12-17T16:09:18.399" v="16" actId="2696"/>
+        <pc:sldMkLst>
+          <pc:docMk/>
+          <pc:sldMk cId="322366662" sldId="284"/>
+        </pc:sldMkLst>
+        <pc:spChg chg="del">
+          <ac:chgData name="Willis, Orion" userId="e283381d-8284-4d3f-ab32-7d71b1e99e1a" providerId="ADAL" clId="{E799D50B-09F1-49E6-BE03-C4CEB274A392}" dt="2024-12-17T16:09:16.561" v="14" actId="21"/>
+          <ac:spMkLst>
+            <pc:docMk/>
+            <pc:sldMk cId="322366662" sldId="284"/>
+            <ac:spMk id="2" creationId="{64492E64-A68B-8CA7-B3C6-044F7C8E76AB}"/>
+          </ac:spMkLst>
+        </pc:spChg>
+        <pc:spChg chg="del">
+          <ac:chgData name="Willis, Orion" userId="e283381d-8284-4d3f-ab32-7d71b1e99e1a" providerId="ADAL" clId="{E799D50B-09F1-49E6-BE03-C4CEB274A392}" dt="2024-12-17T16:09:16.561" v="14" actId="21"/>
+          <ac:spMkLst>
+            <pc:docMk/>
+            <pc:sldMk cId="322366662" sldId="284"/>
+            <ac:spMk id="4" creationId="{B64A8207-997F-319E-7F6D-676D3ECA779B}"/>
+          </ac:spMkLst>
+        </pc:spChg>
+        <pc:spChg chg="add mod">
+          <ac:chgData name="Willis, Orion" userId="e283381d-8284-4d3f-ab32-7d71b1e99e1a" providerId="ADAL" clId="{E799D50B-09F1-49E6-BE03-C4CEB274A392}" dt="2024-12-17T16:09:16.566" v="15" actId="27636"/>
+          <ac:spMkLst>
+            <pc:docMk/>
+            <pc:sldMk cId="322366662" sldId="284"/>
+            <ac:spMk id="5" creationId="{A76CA07A-7114-B392-7807-4056AB59E57D}"/>
+          </ac:spMkLst>
+        </pc:spChg>
+      </pc:sldChg>
+      <pc:sldChg chg="addSp delSp modSp mod">
+        <pc:chgData name="Willis, Orion" userId="e283381d-8284-4d3f-ab32-7d71b1e99e1a" providerId="ADAL" clId="{E799D50B-09F1-49E6-BE03-C4CEB274A392}" dt="2024-12-17T16:54:32.027" v="32" actId="1076"/>
+        <pc:sldMkLst>
+          <pc:docMk/>
+          <pc:sldMk cId="325146105" sldId="285"/>
+        </pc:sldMkLst>
+        <pc:spChg chg="del">
+          <ac:chgData name="Willis, Orion" userId="e283381d-8284-4d3f-ab32-7d71b1e99e1a" providerId="ADAL" clId="{E799D50B-09F1-49E6-BE03-C4CEB274A392}" dt="2024-12-17T16:08:15.879" v="0" actId="478"/>
+          <ac:spMkLst>
+            <pc:docMk/>
+            <pc:sldMk cId="325146105" sldId="285"/>
+            <ac:spMk id="2" creationId="{9E5F5903-9361-1310-D6FA-4FE9DE7B7415}"/>
+          </ac:spMkLst>
+        </pc:spChg>
+        <pc:spChg chg="del">
+          <ac:chgData name="Willis, Orion" userId="e283381d-8284-4d3f-ab32-7d71b1e99e1a" providerId="ADAL" clId="{E799D50B-09F1-49E6-BE03-C4CEB274A392}" dt="2024-12-17T16:08:17.095" v="1" actId="478"/>
+          <ac:spMkLst>
+            <pc:docMk/>
+            <pc:sldMk cId="325146105" sldId="285"/>
+            <ac:spMk id="3" creationId="{1510CFE7-456D-F779-B31C-B431388CF778}"/>
+          </ac:spMkLst>
+        </pc:spChg>
+        <pc:spChg chg="add mod">
+          <ac:chgData name="Willis, Orion" userId="e283381d-8284-4d3f-ab32-7d71b1e99e1a" providerId="ADAL" clId="{E799D50B-09F1-49E6-BE03-C4CEB274A392}" dt="2024-12-17T16:09:02.525" v="12" actId="1076"/>
+          <ac:spMkLst>
+            <pc:docMk/>
+            <pc:sldMk cId="325146105" sldId="285"/>
+            <ac:spMk id="4" creationId="{6FCA7FD7-E3CD-7A2C-5AF7-2EE59026C9D4}"/>
+          </ac:spMkLst>
+        </pc:spChg>
+        <pc:spChg chg="add mod">
+          <ac:chgData name="Willis, Orion" userId="e283381d-8284-4d3f-ab32-7d71b1e99e1a" providerId="ADAL" clId="{E799D50B-09F1-49E6-BE03-C4CEB274A392}" dt="2024-12-17T16:54:32.027" v="32" actId="1076"/>
+          <ac:spMkLst>
+            <pc:docMk/>
+            <pc:sldMk cId="325146105" sldId="285"/>
+            <ac:spMk id="5" creationId="{8586CD17-5B17-5D66-987C-05DC748B3FF9}"/>
+          </ac:spMkLst>
+        </pc:spChg>
+      </pc:sldChg>
+      <pc:sldChg chg="addSp delSp modSp mod">
+        <pc:chgData name="Willis, Orion" userId="e283381d-8284-4d3f-ab32-7d71b1e99e1a" providerId="ADAL" clId="{E799D50B-09F1-49E6-BE03-C4CEB274A392}" dt="2024-12-17T16:09:53.742" v="27" actId="1076"/>
+        <pc:sldMkLst>
+          <pc:docMk/>
+          <pc:sldMk cId="2377724362" sldId="286"/>
+        </pc:sldMkLst>
+        <pc:spChg chg="del">
+          <ac:chgData name="Willis, Orion" userId="e283381d-8284-4d3f-ab32-7d71b1e99e1a" providerId="ADAL" clId="{E799D50B-09F1-49E6-BE03-C4CEB274A392}" dt="2024-12-17T16:08:18.354" v="2" actId="478"/>
+          <ac:spMkLst>
+            <pc:docMk/>
+            <pc:sldMk cId="2377724362" sldId="286"/>
+            <ac:spMk id="2" creationId="{9E5F5903-9361-1310-D6FA-4FE9DE7B7415}"/>
+          </ac:spMkLst>
+        </pc:spChg>
+        <pc:spChg chg="del">
+          <ac:chgData name="Willis, Orion" userId="e283381d-8284-4d3f-ab32-7d71b1e99e1a" providerId="ADAL" clId="{E799D50B-09F1-49E6-BE03-C4CEB274A392}" dt="2024-12-17T16:08:19.259" v="3" actId="478"/>
+          <ac:spMkLst>
+            <pc:docMk/>
+            <pc:sldMk cId="2377724362" sldId="286"/>
+            <ac:spMk id="3" creationId="{1510CFE7-456D-F779-B31C-B431388CF778}"/>
+          </ac:spMkLst>
+        </pc:spChg>
+        <pc:spChg chg="add mod">
+          <ac:chgData name="Willis, Orion" userId="e283381d-8284-4d3f-ab32-7d71b1e99e1a" providerId="ADAL" clId="{E799D50B-09F1-49E6-BE03-C4CEB274A392}" dt="2024-12-17T16:09:39.894" v="25" actId="1076"/>
+          <ac:spMkLst>
+            <pc:docMk/>
+            <pc:sldMk cId="2377724362" sldId="286"/>
+            <ac:spMk id="4" creationId="{64492E64-A68B-8CA7-B3C6-044F7C8E76AB}"/>
+          </ac:spMkLst>
+        </pc:spChg>
+        <pc:spChg chg="add mod">
+          <ac:chgData name="Willis, Orion" userId="e283381d-8284-4d3f-ab32-7d71b1e99e1a" providerId="ADAL" clId="{E799D50B-09F1-49E6-BE03-C4CEB274A392}" dt="2024-12-17T16:09:53.742" v="27" actId="1076"/>
+          <ac:spMkLst>
+            <pc:docMk/>
+            <pc:sldMk cId="2377724362" sldId="286"/>
+            <ac:spMk id="5" creationId="{B64A8207-997F-319E-7F6D-676D3ECA779B}"/>
+          </ac:spMkLst>
+        </pc:spChg>
+      </pc:sldChg>
+      <pc:sldMasterChg chg="del delSldLayout">
+        <pc:chgData name="Willis, Orion" userId="e283381d-8284-4d3f-ab32-7d71b1e99e1a" providerId="ADAL" clId="{E799D50B-09F1-49E6-BE03-C4CEB274A392}" dt="2024-12-17T16:09:18.399" v="16" actId="2696"/>
+        <pc:sldMasterMkLst>
+          <pc:docMk/>
+          <pc:sldMasterMk cId="3136267371" sldId="2147483681"/>
+        </pc:sldMasterMkLst>
+        <pc:sldLayoutChg chg="del">
+          <pc:chgData name="Willis, Orion" userId="e283381d-8284-4d3f-ab32-7d71b1e99e1a" providerId="ADAL" clId="{E799D50B-09F1-49E6-BE03-C4CEB274A392}" dt="2024-12-17T16:09:18.399" v="16" actId="2696"/>
+          <pc:sldLayoutMkLst>
+            <pc:docMk/>
+            <pc:sldMasterMk cId="3136267371" sldId="2147483681"/>
+            <pc:sldLayoutMk cId="267940307" sldId="2147483682"/>
+          </pc:sldLayoutMkLst>
+        </pc:sldLayoutChg>
+        <pc:sldLayoutChg chg="del">
+          <pc:chgData name="Willis, Orion" userId="e283381d-8284-4d3f-ab32-7d71b1e99e1a" providerId="ADAL" clId="{E799D50B-09F1-49E6-BE03-C4CEB274A392}" dt="2024-12-17T16:09:18.399" v="16" actId="2696"/>
+          <pc:sldLayoutMkLst>
+            <pc:docMk/>
+            <pc:sldMasterMk cId="3136267371" sldId="2147483681"/>
+            <pc:sldLayoutMk cId="1773732037" sldId="2147483683"/>
+          </pc:sldLayoutMkLst>
+        </pc:sldLayoutChg>
+        <pc:sldLayoutChg chg="del">
+          <pc:chgData name="Willis, Orion" userId="e283381d-8284-4d3f-ab32-7d71b1e99e1a" providerId="ADAL" clId="{E799D50B-09F1-49E6-BE03-C4CEB274A392}" dt="2024-12-17T16:09:18.399" v="16" actId="2696"/>
+          <pc:sldLayoutMkLst>
+            <pc:docMk/>
+            <pc:sldMasterMk cId="3136267371" sldId="2147483681"/>
+            <pc:sldLayoutMk cId="3968263454" sldId="2147483684"/>
+          </pc:sldLayoutMkLst>
+        </pc:sldLayoutChg>
+        <pc:sldLayoutChg chg="del">
+          <pc:chgData name="Willis, Orion" userId="e283381d-8284-4d3f-ab32-7d71b1e99e1a" providerId="ADAL" clId="{E799D50B-09F1-49E6-BE03-C4CEB274A392}" dt="2024-12-17T16:09:18.399" v="16" actId="2696"/>
+          <pc:sldLayoutMkLst>
+            <pc:docMk/>
+            <pc:sldMasterMk cId="3136267371" sldId="2147483681"/>
+            <pc:sldLayoutMk cId="3119249891" sldId="2147483685"/>
+          </pc:sldLayoutMkLst>
+        </pc:sldLayoutChg>
+        <pc:sldLayoutChg chg="del">
+          <pc:chgData name="Willis, Orion" userId="e283381d-8284-4d3f-ab32-7d71b1e99e1a" providerId="ADAL" clId="{E799D50B-09F1-49E6-BE03-C4CEB274A392}" dt="2024-12-17T16:09:18.399" v="16" actId="2696"/>
+          <pc:sldLayoutMkLst>
+            <pc:docMk/>
+            <pc:sldMasterMk cId="3136267371" sldId="2147483681"/>
+            <pc:sldLayoutMk cId="3054922134" sldId="2147483686"/>
+          </pc:sldLayoutMkLst>
+        </pc:sldLayoutChg>
+        <pc:sldLayoutChg chg="del">
+          <pc:chgData name="Willis, Orion" userId="e283381d-8284-4d3f-ab32-7d71b1e99e1a" providerId="ADAL" clId="{E799D50B-09F1-49E6-BE03-C4CEB274A392}" dt="2024-12-17T16:09:18.399" v="16" actId="2696"/>
+          <pc:sldLayoutMkLst>
+            <pc:docMk/>
+            <pc:sldMasterMk cId="3136267371" sldId="2147483681"/>
+            <pc:sldLayoutMk cId="2938381997" sldId="2147483687"/>
+          </pc:sldLayoutMkLst>
+        </pc:sldLayoutChg>
+        <pc:sldLayoutChg chg="del">
+          <pc:chgData name="Willis, Orion" userId="e283381d-8284-4d3f-ab32-7d71b1e99e1a" providerId="ADAL" clId="{E799D50B-09F1-49E6-BE03-C4CEB274A392}" dt="2024-12-17T16:09:18.399" v="16" actId="2696"/>
+          <pc:sldLayoutMkLst>
+            <pc:docMk/>
+            <pc:sldMasterMk cId="3136267371" sldId="2147483681"/>
+            <pc:sldLayoutMk cId="2840775159" sldId="2147483688"/>
+          </pc:sldLayoutMkLst>
+        </pc:sldLayoutChg>
+        <pc:sldLayoutChg chg="del">
+          <pc:chgData name="Willis, Orion" userId="e283381d-8284-4d3f-ab32-7d71b1e99e1a" providerId="ADAL" clId="{E799D50B-09F1-49E6-BE03-C4CEB274A392}" dt="2024-12-17T16:09:18.399" v="16" actId="2696"/>
+          <pc:sldLayoutMkLst>
+            <pc:docMk/>
+            <pc:sldMasterMk cId="3136267371" sldId="2147483681"/>
+            <pc:sldLayoutMk cId="489734700" sldId="2147483689"/>
+          </pc:sldLayoutMkLst>
+        </pc:sldLayoutChg>
+        <pc:sldLayoutChg chg="del">
+          <pc:chgData name="Willis, Orion" userId="e283381d-8284-4d3f-ab32-7d71b1e99e1a" providerId="ADAL" clId="{E799D50B-09F1-49E6-BE03-C4CEB274A392}" dt="2024-12-17T16:09:18.399" v="16" actId="2696"/>
+          <pc:sldLayoutMkLst>
+            <pc:docMk/>
+            <pc:sldMasterMk cId="3136267371" sldId="2147483681"/>
+            <pc:sldLayoutMk cId="1801490617" sldId="2147483690"/>
+          </pc:sldLayoutMkLst>
+        </pc:sldLayoutChg>
+        <pc:sldLayoutChg chg="del">
+          <pc:chgData name="Willis, Orion" userId="e283381d-8284-4d3f-ab32-7d71b1e99e1a" providerId="ADAL" clId="{E799D50B-09F1-49E6-BE03-C4CEB274A392}" dt="2024-12-17T16:09:18.399" v="16" actId="2696"/>
+          <pc:sldLayoutMkLst>
+            <pc:docMk/>
+            <pc:sldMasterMk cId="3136267371" sldId="2147483681"/>
+            <pc:sldLayoutMk cId="246953702" sldId="2147483691"/>
+          </pc:sldLayoutMkLst>
+        </pc:sldLayoutChg>
+        <pc:sldLayoutChg chg="del">
+          <pc:chgData name="Willis, Orion" userId="e283381d-8284-4d3f-ab32-7d71b1e99e1a" providerId="ADAL" clId="{E799D50B-09F1-49E6-BE03-C4CEB274A392}" dt="2024-12-17T16:09:18.399" v="16" actId="2696"/>
+          <pc:sldLayoutMkLst>
+            <pc:docMk/>
+            <pc:sldMasterMk cId="3136267371" sldId="2147483681"/>
+            <pc:sldLayoutMk cId="2492140018" sldId="2147483692"/>
+          </pc:sldLayoutMkLst>
+        </pc:sldLayoutChg>
+        <pc:sldLayoutChg chg="del">
+          <pc:chgData name="Willis, Orion" userId="e283381d-8284-4d3f-ab32-7d71b1e99e1a" providerId="ADAL" clId="{E799D50B-09F1-49E6-BE03-C4CEB274A392}" dt="2024-12-17T16:09:18.399" v="16" actId="2696"/>
+          <pc:sldLayoutMkLst>
+            <pc:docMk/>
+            <pc:sldMasterMk cId="3136267371" sldId="2147483681"/>
+            <pc:sldLayoutMk cId="2326417790" sldId="2147483693"/>
+          </pc:sldLayoutMkLst>
+        </pc:sldLayoutChg>
+      </pc:sldMasterChg>
+    </pc:docChg>
+  </pc:docChgLst>
+  <pc:docChgLst>
     <pc:chgData name="Gibbons, Carl" userId="d2b037bc-8fb4-4222-845c-61440543a456" providerId="ADAL" clId="{3889D47B-FCE9-4AB2-9111-4C64BAB2FC05}"/>
     <pc:docChg chg="undo custSel addSld modSld">
       <pc:chgData name="Gibbons, Carl" userId="d2b037bc-8fb4-4222-845c-61440543a456" providerId="ADAL" clId="{3889D47B-FCE9-4AB2-9111-4C64BAB2FC05}" dt="2024-06-18T16:11:22.239" v="16939" actId="20577"/>
@@ -537,6 +1116,60 @@
             <pc:docMk/>
             <pc:sldMk cId="1623491597" sldId="291"/>
             <ac:spMk id="4" creationId="{B64A8207-997F-319E-7F6D-676D3ECA779B}"/>
+          </ac:spMkLst>
+        </pc:spChg>
+      </pc:sldChg>
+    </pc:docChg>
+  </pc:docChgLst>
+  <pc:docChgLst>
+    <pc:chgData name="Gibbons, Carl" userId="d2b037bc-8fb4-4222-845c-61440543a456" providerId="ADAL" clId="{50BDE464-6684-48FF-AD2A-493B60EFD46B}"/>
+    <pc:docChg chg="modSld">
+      <pc:chgData name="Gibbons, Carl" userId="d2b037bc-8fb4-4222-845c-61440543a456" providerId="ADAL" clId="{50BDE464-6684-48FF-AD2A-493B60EFD46B}" dt="2023-12-21T18:37:59.974" v="91" actId="20577"/>
+      <pc:docMkLst>
+        <pc:docMk/>
+      </pc:docMkLst>
+      <pc:sldChg chg="modSp mod">
+        <pc:chgData name="Gibbons, Carl" userId="d2b037bc-8fb4-4222-845c-61440543a456" providerId="ADAL" clId="{50BDE464-6684-48FF-AD2A-493B60EFD46B}" dt="2023-12-21T14:42:44.298" v="42" actId="20577"/>
+        <pc:sldMkLst>
+          <pc:docMk/>
+          <pc:sldMk cId="1865769485" sldId="273"/>
+        </pc:sldMkLst>
+        <pc:spChg chg="mod">
+          <ac:chgData name="Gibbons, Carl" userId="d2b037bc-8fb4-4222-845c-61440543a456" providerId="ADAL" clId="{50BDE464-6684-48FF-AD2A-493B60EFD46B}" dt="2023-12-21T14:42:44.298" v="42" actId="20577"/>
+          <ac:spMkLst>
+            <pc:docMk/>
+            <pc:sldMk cId="1865769485" sldId="273"/>
+            <ac:spMk id="4" creationId="{B64A8207-997F-319E-7F6D-676D3ECA779B}"/>
+          </ac:spMkLst>
+        </pc:spChg>
+      </pc:sldChg>
+      <pc:sldChg chg="modSp mod">
+        <pc:chgData name="Gibbons, Carl" userId="d2b037bc-8fb4-4222-845c-61440543a456" providerId="ADAL" clId="{50BDE464-6684-48FF-AD2A-493B60EFD46B}" dt="2023-12-21T18:37:32.044" v="82" actId="20577"/>
+        <pc:sldMkLst>
+          <pc:docMk/>
+          <pc:sldMk cId="3809967197" sldId="275"/>
+        </pc:sldMkLst>
+        <pc:spChg chg="mod">
+          <ac:chgData name="Gibbons, Carl" userId="d2b037bc-8fb4-4222-845c-61440543a456" providerId="ADAL" clId="{50BDE464-6684-48FF-AD2A-493B60EFD46B}" dt="2023-12-21T18:37:32.044" v="82" actId="20577"/>
+          <ac:spMkLst>
+            <pc:docMk/>
+            <pc:sldMk cId="3809967197" sldId="275"/>
+            <ac:spMk id="3" creationId="{ADD8957C-88E6-A920-4979-2BDA9406B518}"/>
+          </ac:spMkLst>
+        </pc:spChg>
+      </pc:sldChg>
+      <pc:sldChg chg="modSp mod">
+        <pc:chgData name="Gibbons, Carl" userId="d2b037bc-8fb4-4222-845c-61440543a456" providerId="ADAL" clId="{50BDE464-6684-48FF-AD2A-493B60EFD46B}" dt="2023-12-21T18:37:59.974" v="91" actId="20577"/>
+        <pc:sldMkLst>
+          <pc:docMk/>
+          <pc:sldMk cId="1742169507" sldId="276"/>
+        </pc:sldMkLst>
+        <pc:spChg chg="mod">
+          <ac:chgData name="Gibbons, Carl" userId="d2b037bc-8fb4-4222-845c-61440543a456" providerId="ADAL" clId="{50BDE464-6684-48FF-AD2A-493B60EFD46B}" dt="2023-12-21T18:37:59.974" v="91" actId="20577"/>
+          <ac:spMkLst>
+            <pc:docMk/>
+            <pc:sldMk cId="1742169507" sldId="276"/>
+            <ac:spMk id="3" creationId="{ADD8957C-88E6-A920-4979-2BDA9406B518}"/>
           </ac:spMkLst>
         </pc:spChg>
       </pc:sldChg>
@@ -561,228 +1194,6 @@
             <pc:docMk/>
             <pc:sldMk cId="1055206713" sldId="269"/>
             <ac:spMk id="4" creationId="{B64A8207-997F-319E-7F6D-676D3ECA779B}"/>
-          </ac:spMkLst>
-        </pc:spChg>
-      </pc:sldChg>
-    </pc:docChg>
-  </pc:docChgLst>
-  <pc:docChgLst>
-    <pc:chgData name="Gibbons, Carl" userId="d2b037bc-8fb4-4222-845c-61440543a456" providerId="ADAL" clId="{50BDE464-6684-48FF-AD2A-493B60EFD46B}"/>
-    <pc:docChg chg="modSld">
-      <pc:chgData name="Gibbons, Carl" userId="d2b037bc-8fb4-4222-845c-61440543a456" providerId="ADAL" clId="{50BDE464-6684-48FF-AD2A-493B60EFD46B}" dt="2023-12-21T18:37:59.974" v="91" actId="20577"/>
-      <pc:docMkLst>
-        <pc:docMk/>
-      </pc:docMkLst>
-      <pc:sldChg chg="modSp mod">
-        <pc:chgData name="Gibbons, Carl" userId="d2b037bc-8fb4-4222-845c-61440543a456" providerId="ADAL" clId="{50BDE464-6684-48FF-AD2A-493B60EFD46B}" dt="2023-12-21T14:42:44.298" v="42" actId="20577"/>
-        <pc:sldMkLst>
-          <pc:docMk/>
-          <pc:sldMk cId="1865769485" sldId="273"/>
-        </pc:sldMkLst>
-        <pc:spChg chg="mod">
-          <ac:chgData name="Gibbons, Carl" userId="d2b037bc-8fb4-4222-845c-61440543a456" providerId="ADAL" clId="{50BDE464-6684-48FF-AD2A-493B60EFD46B}" dt="2023-12-21T14:42:44.298" v="42" actId="20577"/>
-          <ac:spMkLst>
-            <pc:docMk/>
-            <pc:sldMk cId="1865769485" sldId="273"/>
-            <ac:spMk id="4" creationId="{B64A8207-997F-319E-7F6D-676D3ECA779B}"/>
-          </ac:spMkLst>
-        </pc:spChg>
-      </pc:sldChg>
-      <pc:sldChg chg="modSp mod">
-        <pc:chgData name="Gibbons, Carl" userId="d2b037bc-8fb4-4222-845c-61440543a456" providerId="ADAL" clId="{50BDE464-6684-48FF-AD2A-493B60EFD46B}" dt="2023-12-21T18:37:32.044" v="82" actId="20577"/>
-        <pc:sldMkLst>
-          <pc:docMk/>
-          <pc:sldMk cId="3809967197" sldId="275"/>
-        </pc:sldMkLst>
-        <pc:spChg chg="mod">
-          <ac:chgData name="Gibbons, Carl" userId="d2b037bc-8fb4-4222-845c-61440543a456" providerId="ADAL" clId="{50BDE464-6684-48FF-AD2A-493B60EFD46B}" dt="2023-12-21T18:37:32.044" v="82" actId="20577"/>
-          <ac:spMkLst>
-            <pc:docMk/>
-            <pc:sldMk cId="3809967197" sldId="275"/>
-            <ac:spMk id="3" creationId="{ADD8957C-88E6-A920-4979-2BDA9406B518}"/>
-          </ac:spMkLst>
-        </pc:spChg>
-      </pc:sldChg>
-      <pc:sldChg chg="modSp mod">
-        <pc:chgData name="Gibbons, Carl" userId="d2b037bc-8fb4-4222-845c-61440543a456" providerId="ADAL" clId="{50BDE464-6684-48FF-AD2A-493B60EFD46B}" dt="2023-12-21T18:37:59.974" v="91" actId="20577"/>
-        <pc:sldMkLst>
-          <pc:docMk/>
-          <pc:sldMk cId="1742169507" sldId="276"/>
-        </pc:sldMkLst>
-        <pc:spChg chg="mod">
-          <ac:chgData name="Gibbons, Carl" userId="d2b037bc-8fb4-4222-845c-61440543a456" providerId="ADAL" clId="{50BDE464-6684-48FF-AD2A-493B60EFD46B}" dt="2023-12-21T18:37:59.974" v="91" actId="20577"/>
-          <ac:spMkLst>
-            <pc:docMk/>
-            <pc:sldMk cId="1742169507" sldId="276"/>
-            <ac:spMk id="3" creationId="{ADD8957C-88E6-A920-4979-2BDA9406B518}"/>
-          </ac:spMkLst>
-        </pc:spChg>
-      </pc:sldChg>
-    </pc:docChg>
-  </pc:docChgLst>
-  <pc:docChgLst>
-    <pc:chgData name="Gibbons, Carl" userId="d2b037bc-8fb4-4222-845c-61440543a456" providerId="ADAL" clId="{DD1CE632-2E50-4DF6-A094-0B92632EBA8E}"/>
-    <pc:docChg chg="modSld">
-      <pc:chgData name="Gibbons, Carl" userId="d2b037bc-8fb4-4222-845c-61440543a456" providerId="ADAL" clId="{DD1CE632-2E50-4DF6-A094-0B92632EBA8E}" dt="2023-12-06T17:42:28.848" v="23" actId="20577"/>
-      <pc:docMkLst>
-        <pc:docMk/>
-      </pc:docMkLst>
-      <pc:sldChg chg="modSp mod">
-        <pc:chgData name="Gibbons, Carl" userId="d2b037bc-8fb4-4222-845c-61440543a456" providerId="ADAL" clId="{DD1CE632-2E50-4DF6-A094-0B92632EBA8E}" dt="2023-11-21T08:38:02.899" v="11" actId="20577"/>
-        <pc:sldMkLst>
-          <pc:docMk/>
-          <pc:sldMk cId="3594981681" sldId="272"/>
-        </pc:sldMkLst>
-        <pc:spChg chg="mod">
-          <ac:chgData name="Gibbons, Carl" userId="d2b037bc-8fb4-4222-845c-61440543a456" providerId="ADAL" clId="{DD1CE632-2E50-4DF6-A094-0B92632EBA8E}" dt="2023-11-21T08:38:02.899" v="11" actId="20577"/>
-          <ac:spMkLst>
-            <pc:docMk/>
-            <pc:sldMk cId="3594981681" sldId="272"/>
-            <ac:spMk id="4" creationId="{B64A8207-997F-319E-7F6D-676D3ECA779B}"/>
-          </ac:spMkLst>
-        </pc:spChg>
-      </pc:sldChg>
-      <pc:sldChg chg="modSp mod">
-        <pc:chgData name="Gibbons, Carl" userId="d2b037bc-8fb4-4222-845c-61440543a456" providerId="ADAL" clId="{DD1CE632-2E50-4DF6-A094-0B92632EBA8E}" dt="2023-12-06T17:42:28.848" v="23" actId="20577"/>
-        <pc:sldMkLst>
-          <pc:docMk/>
-          <pc:sldMk cId="1865769485" sldId="273"/>
-        </pc:sldMkLst>
-        <pc:spChg chg="mod">
-          <ac:chgData name="Gibbons, Carl" userId="d2b037bc-8fb4-4222-845c-61440543a456" providerId="ADAL" clId="{DD1CE632-2E50-4DF6-A094-0B92632EBA8E}" dt="2023-12-06T17:42:28.848" v="23" actId="20577"/>
-          <ac:spMkLst>
-            <pc:docMk/>
-            <pc:sldMk cId="1865769485" sldId="273"/>
-            <ac:spMk id="4" creationId="{B64A8207-997F-319E-7F6D-676D3ECA779B}"/>
-          </ac:spMkLst>
-        </pc:spChg>
-      </pc:sldChg>
-      <pc:sldChg chg="modSp mod">
-        <pc:chgData name="Gibbons, Carl" userId="d2b037bc-8fb4-4222-845c-61440543a456" providerId="ADAL" clId="{DD1CE632-2E50-4DF6-A094-0B92632EBA8E}" dt="2023-12-06T17:39:43.190" v="12" actId="20577"/>
-        <pc:sldMkLst>
-          <pc:docMk/>
-          <pc:sldMk cId="3809967197" sldId="275"/>
-        </pc:sldMkLst>
-        <pc:spChg chg="mod">
-          <ac:chgData name="Gibbons, Carl" userId="d2b037bc-8fb4-4222-845c-61440543a456" providerId="ADAL" clId="{DD1CE632-2E50-4DF6-A094-0B92632EBA8E}" dt="2023-12-06T17:39:43.190" v="12" actId="20577"/>
-          <ac:spMkLst>
-            <pc:docMk/>
-            <pc:sldMk cId="3809967197" sldId="275"/>
-            <ac:spMk id="3" creationId="{ADD8957C-88E6-A920-4979-2BDA9406B518}"/>
-          </ac:spMkLst>
-        </pc:spChg>
-      </pc:sldChg>
-      <pc:sldChg chg="modSp mod">
-        <pc:chgData name="Gibbons, Carl" userId="d2b037bc-8fb4-4222-845c-61440543a456" providerId="ADAL" clId="{DD1CE632-2E50-4DF6-A094-0B92632EBA8E}" dt="2023-12-06T17:40:27.333" v="15" actId="20577"/>
-        <pc:sldMkLst>
-          <pc:docMk/>
-          <pc:sldMk cId="1742169507" sldId="276"/>
-        </pc:sldMkLst>
-        <pc:spChg chg="mod">
-          <ac:chgData name="Gibbons, Carl" userId="d2b037bc-8fb4-4222-845c-61440543a456" providerId="ADAL" clId="{DD1CE632-2E50-4DF6-A094-0B92632EBA8E}" dt="2023-12-06T17:40:27.333" v="15" actId="20577"/>
-          <ac:spMkLst>
-            <pc:docMk/>
-            <pc:sldMk cId="1742169507" sldId="276"/>
-            <ac:spMk id="3" creationId="{ADD8957C-88E6-A920-4979-2BDA9406B518}"/>
-          </ac:spMkLst>
-        </pc:spChg>
-      </pc:sldChg>
-    </pc:docChg>
-  </pc:docChgLst>
-  <pc:docChgLst>
-    <pc:chgData name="Gibbons, Carl" userId="d2b037bc-8fb4-4222-845c-61440543a456" providerId="ADAL" clId="{513A426B-8C0C-4739-8154-95FA52836484}"/>
-    <pc:docChg chg="custSel modSld">
-      <pc:chgData name="Gibbons, Carl" userId="d2b037bc-8fb4-4222-845c-61440543a456" providerId="ADAL" clId="{513A426B-8C0C-4739-8154-95FA52836484}" dt="2024-06-13T20:40:03.415" v="917" actId="20577"/>
-      <pc:docMkLst>
-        <pc:docMk/>
-      </pc:docMkLst>
-      <pc:sldChg chg="modSp mod">
-        <pc:chgData name="Gibbons, Carl" userId="d2b037bc-8fb4-4222-845c-61440543a456" providerId="ADAL" clId="{513A426B-8C0C-4739-8154-95FA52836484}" dt="2024-06-13T19:43:29.739" v="23" actId="20577"/>
-        <pc:sldMkLst>
-          <pc:docMk/>
-          <pc:sldMk cId="2611413137" sldId="266"/>
-        </pc:sldMkLst>
-        <pc:spChg chg="mod">
-          <ac:chgData name="Gibbons, Carl" userId="d2b037bc-8fb4-4222-845c-61440543a456" providerId="ADAL" clId="{513A426B-8C0C-4739-8154-95FA52836484}" dt="2024-06-13T19:43:29.739" v="23" actId="20577"/>
-          <ac:spMkLst>
-            <pc:docMk/>
-            <pc:sldMk cId="2611413137" sldId="266"/>
-            <ac:spMk id="2" creationId="{64492E64-A68B-8CA7-B3C6-044F7C8E76AB}"/>
-          </ac:spMkLst>
-        </pc:spChg>
-      </pc:sldChg>
-      <pc:sldChg chg="modSp mod">
-        <pc:chgData name="Gibbons, Carl" userId="d2b037bc-8fb4-4222-845c-61440543a456" providerId="ADAL" clId="{513A426B-8C0C-4739-8154-95FA52836484}" dt="2024-06-13T19:56:07.263" v="304" actId="20577"/>
-        <pc:sldMkLst>
-          <pc:docMk/>
-          <pc:sldMk cId="2022267737" sldId="268"/>
-        </pc:sldMkLst>
-        <pc:spChg chg="mod">
-          <ac:chgData name="Gibbons, Carl" userId="d2b037bc-8fb4-4222-845c-61440543a456" providerId="ADAL" clId="{513A426B-8C0C-4739-8154-95FA52836484}" dt="2024-06-13T19:56:07.263" v="304" actId="20577"/>
-          <ac:spMkLst>
-            <pc:docMk/>
-            <pc:sldMk cId="2022267737" sldId="268"/>
-            <ac:spMk id="4" creationId="{B64A8207-997F-319E-7F6D-676D3ECA779B}"/>
-          </ac:spMkLst>
-        </pc:spChg>
-      </pc:sldChg>
-      <pc:sldChg chg="modSp mod">
-        <pc:chgData name="Gibbons, Carl" userId="d2b037bc-8fb4-4222-845c-61440543a456" providerId="ADAL" clId="{513A426B-8C0C-4739-8154-95FA52836484}" dt="2024-06-13T19:59:09.439" v="305" actId="20577"/>
-        <pc:sldMkLst>
-          <pc:docMk/>
-          <pc:sldMk cId="1457658100" sldId="271"/>
-        </pc:sldMkLst>
-        <pc:spChg chg="mod">
-          <ac:chgData name="Gibbons, Carl" userId="d2b037bc-8fb4-4222-845c-61440543a456" providerId="ADAL" clId="{513A426B-8C0C-4739-8154-95FA52836484}" dt="2024-06-13T19:59:09.439" v="305" actId="20577"/>
-          <ac:spMkLst>
-            <pc:docMk/>
-            <pc:sldMk cId="1457658100" sldId="271"/>
-            <ac:spMk id="4" creationId="{B64A8207-997F-319E-7F6D-676D3ECA779B}"/>
-          </ac:spMkLst>
-        </pc:spChg>
-      </pc:sldChg>
-      <pc:sldChg chg="modSp mod">
-        <pc:chgData name="Gibbons, Carl" userId="d2b037bc-8fb4-4222-845c-61440543a456" providerId="ADAL" clId="{513A426B-8C0C-4739-8154-95FA52836484}" dt="2024-06-13T20:20:51.743" v="313" actId="20577"/>
-        <pc:sldMkLst>
-          <pc:docMk/>
-          <pc:sldMk cId="1865769485" sldId="273"/>
-        </pc:sldMkLst>
-        <pc:spChg chg="mod">
-          <ac:chgData name="Gibbons, Carl" userId="d2b037bc-8fb4-4222-845c-61440543a456" providerId="ADAL" clId="{513A426B-8C0C-4739-8154-95FA52836484}" dt="2024-06-13T20:20:51.743" v="313" actId="20577"/>
-          <ac:spMkLst>
-            <pc:docMk/>
-            <pc:sldMk cId="1865769485" sldId="273"/>
-            <ac:spMk id="4" creationId="{B64A8207-997F-319E-7F6D-676D3ECA779B}"/>
-          </ac:spMkLst>
-        </pc:spChg>
-      </pc:sldChg>
-      <pc:sldChg chg="modSp mod">
-        <pc:chgData name="Gibbons, Carl" userId="d2b037bc-8fb4-4222-845c-61440543a456" providerId="ADAL" clId="{513A426B-8C0C-4739-8154-95FA52836484}" dt="2024-06-13T20:28:48.315" v="352" actId="20577"/>
-        <pc:sldMkLst>
-          <pc:docMk/>
-          <pc:sldMk cId="3809967197" sldId="275"/>
-        </pc:sldMkLst>
-        <pc:spChg chg="mod">
-          <ac:chgData name="Gibbons, Carl" userId="d2b037bc-8fb4-4222-845c-61440543a456" providerId="ADAL" clId="{513A426B-8C0C-4739-8154-95FA52836484}" dt="2024-06-13T20:28:48.315" v="352" actId="20577"/>
-          <ac:spMkLst>
-            <pc:docMk/>
-            <pc:sldMk cId="3809967197" sldId="275"/>
-            <ac:spMk id="3" creationId="{ADD8957C-88E6-A920-4979-2BDA9406B518}"/>
-          </ac:spMkLst>
-        </pc:spChg>
-      </pc:sldChg>
-      <pc:sldChg chg="modSp mod">
-        <pc:chgData name="Gibbons, Carl" userId="d2b037bc-8fb4-4222-845c-61440543a456" providerId="ADAL" clId="{513A426B-8C0C-4739-8154-95FA52836484}" dt="2024-06-13T20:40:03.415" v="917" actId="20577"/>
-        <pc:sldMkLst>
-          <pc:docMk/>
-          <pc:sldMk cId="1742169507" sldId="276"/>
-        </pc:sldMkLst>
-        <pc:spChg chg="mod">
-          <ac:chgData name="Gibbons, Carl" userId="d2b037bc-8fb4-4222-845c-61440543a456" providerId="ADAL" clId="{513A426B-8C0C-4739-8154-95FA52836484}" dt="2024-06-13T20:40:03.415" v="917" actId="20577"/>
-          <ac:spMkLst>
-            <pc:docMk/>
-            <pc:sldMk cId="1742169507" sldId="276"/>
-            <ac:spMk id="3" creationId="{ADD8957C-88E6-A920-4979-2BDA9406B518}"/>
           </ac:spMkLst>
         </pc:spChg>
       </pc:sldChg>
@@ -1131,212 +1542,69 @@
     </pc:docChg>
   </pc:docChgLst>
   <pc:docChgLst>
-    <pc:chgData name="Gibbons, Carl" userId="d2b037bc-8fb4-4222-845c-61440543a456" providerId="ADAL" clId="{26C7F00A-80DD-401B-832B-E7EF202E28C2}"/>
-    <pc:docChg chg="undo custSel addSld delSld modSld">
-      <pc:chgData name="Gibbons, Carl" userId="d2b037bc-8fb4-4222-845c-61440543a456" providerId="ADAL" clId="{26C7F00A-80DD-401B-832B-E7EF202E28C2}" dt="2024-06-14T04:25:56.561" v="6285" actId="20577"/>
+    <pc:chgData name="Gibbons, Carl" userId="d2b037bc-8fb4-4222-845c-61440543a456" providerId="ADAL" clId="{DD1CE632-2E50-4DF6-A094-0B92632EBA8E}"/>
+    <pc:docChg chg="modSld">
+      <pc:chgData name="Gibbons, Carl" userId="d2b037bc-8fb4-4222-845c-61440543a456" providerId="ADAL" clId="{DD1CE632-2E50-4DF6-A094-0B92632EBA8E}" dt="2023-12-06T17:42:28.848" v="23" actId="20577"/>
       <pc:docMkLst>
         <pc:docMk/>
       </pc:docMkLst>
       <pc:sldChg chg="modSp mod">
-        <pc:chgData name="Gibbons, Carl" userId="d2b037bc-8fb4-4222-845c-61440543a456" providerId="ADAL" clId="{26C7F00A-80DD-401B-832B-E7EF202E28C2}" dt="2024-06-14T03:01:29.413" v="72" actId="20577"/>
+        <pc:chgData name="Gibbons, Carl" userId="d2b037bc-8fb4-4222-845c-61440543a456" providerId="ADAL" clId="{DD1CE632-2E50-4DF6-A094-0B92632EBA8E}" dt="2023-11-21T08:38:02.899" v="11" actId="20577"/>
         <pc:sldMkLst>
           <pc:docMk/>
-          <pc:sldMk cId="3644072983" sldId="256"/>
+          <pc:sldMk cId="3594981681" sldId="272"/>
         </pc:sldMkLst>
         <pc:spChg chg="mod">
-          <ac:chgData name="Gibbons, Carl" userId="d2b037bc-8fb4-4222-845c-61440543a456" providerId="ADAL" clId="{26C7F00A-80DD-401B-832B-E7EF202E28C2}" dt="2024-06-14T03:01:29.413" v="72" actId="20577"/>
-          <ac:spMkLst>
-            <pc:docMk/>
-            <pc:sldMk cId="3644072983" sldId="256"/>
-            <ac:spMk id="3" creationId="{8586CD17-5B17-5D66-987C-05DC748B3FF9}"/>
+          <ac:chgData name="Gibbons, Carl" userId="d2b037bc-8fb4-4222-845c-61440543a456" providerId="ADAL" clId="{DD1CE632-2E50-4DF6-A094-0B92632EBA8E}" dt="2023-11-21T08:38:02.899" v="11" actId="20577"/>
+          <ac:spMkLst>
+            <pc:docMk/>
+            <pc:sldMk cId="3594981681" sldId="272"/>
+            <ac:spMk id="4" creationId="{B64A8207-997F-319E-7F6D-676D3ECA779B}"/>
           </ac:spMkLst>
         </pc:spChg>
       </pc:sldChg>
-      <pc:sldChg chg="addSp modSp mod">
-        <pc:chgData name="Gibbons, Carl" userId="d2b037bc-8fb4-4222-845c-61440543a456" providerId="ADAL" clId="{26C7F00A-80DD-401B-832B-E7EF202E28C2}" dt="2024-06-14T04:16:37.203" v="6124" actId="20577"/>
+      <pc:sldChg chg="modSp mod">
+        <pc:chgData name="Gibbons, Carl" userId="d2b037bc-8fb4-4222-845c-61440543a456" providerId="ADAL" clId="{DD1CE632-2E50-4DF6-A094-0B92632EBA8E}" dt="2023-12-06T17:42:28.848" v="23" actId="20577"/>
         <pc:sldMkLst>
           <pc:docMk/>
-          <pc:sldMk cId="2611413137" sldId="266"/>
+          <pc:sldMk cId="1865769485" sldId="273"/>
         </pc:sldMkLst>
         <pc:spChg chg="mod">
-          <ac:chgData name="Gibbons, Carl" userId="d2b037bc-8fb4-4222-845c-61440543a456" providerId="ADAL" clId="{26C7F00A-80DD-401B-832B-E7EF202E28C2}" dt="2024-06-14T03:02:13.298" v="116" actId="20577"/>
-          <ac:spMkLst>
-            <pc:docMk/>
-            <pc:sldMk cId="2611413137" sldId="266"/>
-            <ac:spMk id="2" creationId="{64492E64-A68B-8CA7-B3C6-044F7C8E76AB}"/>
-          </ac:spMkLst>
-        </pc:spChg>
-        <pc:spChg chg="add mod">
-          <ac:chgData name="Gibbons, Carl" userId="d2b037bc-8fb4-4222-845c-61440543a456" providerId="ADAL" clId="{26C7F00A-80DD-401B-832B-E7EF202E28C2}" dt="2024-06-14T04:16:06.804" v="6121" actId="20577"/>
-          <ac:spMkLst>
-            <pc:docMk/>
-            <pc:sldMk cId="2611413137" sldId="266"/>
-            <ac:spMk id="3" creationId="{20E8B8C0-A2A5-7B62-1B40-D3BF6CA80A5C}"/>
-          </ac:spMkLst>
-        </pc:spChg>
-        <pc:spChg chg="mod">
-          <ac:chgData name="Gibbons, Carl" userId="d2b037bc-8fb4-4222-845c-61440543a456" providerId="ADAL" clId="{26C7F00A-80DD-401B-832B-E7EF202E28C2}" dt="2024-06-14T04:13:37.754" v="6102" actId="20577"/>
-          <ac:spMkLst>
-            <pc:docMk/>
-            <pc:sldMk cId="2611413137" sldId="266"/>
+          <ac:chgData name="Gibbons, Carl" userId="d2b037bc-8fb4-4222-845c-61440543a456" providerId="ADAL" clId="{DD1CE632-2E50-4DF6-A094-0B92632EBA8E}" dt="2023-12-06T17:42:28.848" v="23" actId="20577"/>
+          <ac:spMkLst>
+            <pc:docMk/>
+            <pc:sldMk cId="1865769485" sldId="273"/>
             <ac:spMk id="4" creationId="{B64A8207-997F-319E-7F6D-676D3ECA779B}"/>
-          </ac:spMkLst>
-        </pc:spChg>
-        <pc:spChg chg="add mod">
-          <ac:chgData name="Gibbons, Carl" userId="d2b037bc-8fb4-4222-845c-61440543a456" providerId="ADAL" clId="{26C7F00A-80DD-401B-832B-E7EF202E28C2}" dt="2024-06-14T04:16:37.203" v="6124" actId="20577"/>
-          <ac:spMkLst>
-            <pc:docMk/>
-            <pc:sldMk cId="2611413137" sldId="266"/>
-            <ac:spMk id="5" creationId="{EDDCCECA-E971-2EC4-FEF0-DCF50F49CE6A}"/>
-          </ac:spMkLst>
-        </pc:spChg>
-        <pc:spChg chg="add mod">
-          <ac:chgData name="Gibbons, Carl" userId="d2b037bc-8fb4-4222-845c-61440543a456" providerId="ADAL" clId="{26C7F00A-80DD-401B-832B-E7EF202E28C2}" dt="2024-06-14T04:12:29.809" v="6069" actId="1076"/>
-          <ac:spMkLst>
-            <pc:docMk/>
-            <pc:sldMk cId="2611413137" sldId="266"/>
-            <ac:spMk id="6" creationId="{BAACEC6C-4A35-E101-5EBD-12F9722B023B}"/>
           </ac:spMkLst>
         </pc:spChg>
       </pc:sldChg>
       <pc:sldChg chg="modSp mod">
-        <pc:chgData name="Gibbons, Carl" userId="d2b037bc-8fb4-4222-845c-61440543a456" providerId="ADAL" clId="{26C7F00A-80DD-401B-832B-E7EF202E28C2}" dt="2024-06-14T03:45:35.713" v="3519" actId="20577"/>
+        <pc:chgData name="Gibbons, Carl" userId="d2b037bc-8fb4-4222-845c-61440543a456" providerId="ADAL" clId="{DD1CE632-2E50-4DF6-A094-0B92632EBA8E}" dt="2023-12-06T17:39:43.190" v="12" actId="20577"/>
         <pc:sldMkLst>
           <pc:docMk/>
-          <pc:sldMk cId="4188996306" sldId="267"/>
+          <pc:sldMk cId="3809967197" sldId="275"/>
         </pc:sldMkLst>
         <pc:spChg chg="mod">
-          <ac:chgData name="Gibbons, Carl" userId="d2b037bc-8fb4-4222-845c-61440543a456" providerId="ADAL" clId="{26C7F00A-80DD-401B-832B-E7EF202E28C2}" dt="2024-06-14T03:32:32.285" v="2957" actId="20577"/>
-          <ac:spMkLst>
-            <pc:docMk/>
-            <pc:sldMk cId="4188996306" sldId="267"/>
-            <ac:spMk id="2" creationId="{64492E64-A68B-8CA7-B3C6-044F7C8E76AB}"/>
-          </ac:spMkLst>
-        </pc:spChg>
-        <pc:spChg chg="mod">
-          <ac:chgData name="Gibbons, Carl" userId="d2b037bc-8fb4-4222-845c-61440543a456" providerId="ADAL" clId="{26C7F00A-80DD-401B-832B-E7EF202E28C2}" dt="2024-06-14T03:45:35.713" v="3519" actId="20577"/>
-          <ac:spMkLst>
-            <pc:docMk/>
-            <pc:sldMk cId="4188996306" sldId="267"/>
-            <ac:spMk id="4" creationId="{B64A8207-997F-319E-7F6D-676D3ECA779B}"/>
+          <ac:chgData name="Gibbons, Carl" userId="d2b037bc-8fb4-4222-845c-61440543a456" providerId="ADAL" clId="{DD1CE632-2E50-4DF6-A094-0B92632EBA8E}" dt="2023-12-06T17:39:43.190" v="12" actId="20577"/>
+          <ac:spMkLst>
+            <pc:docMk/>
+            <pc:sldMk cId="3809967197" sldId="275"/>
+            <ac:spMk id="3" creationId="{ADD8957C-88E6-A920-4979-2BDA9406B518}"/>
           </ac:spMkLst>
         </pc:spChg>
       </pc:sldChg>
-      <pc:sldChg chg="del">
-        <pc:chgData name="Gibbons, Carl" userId="d2b037bc-8fb4-4222-845c-61440543a456" providerId="ADAL" clId="{26C7F00A-80DD-401B-832B-E7EF202E28C2}" dt="2024-06-14T03:32:17.349" v="2943" actId="47"/>
+      <pc:sldChg chg="modSp mod">
+        <pc:chgData name="Gibbons, Carl" userId="d2b037bc-8fb4-4222-845c-61440543a456" providerId="ADAL" clId="{DD1CE632-2E50-4DF6-A094-0B92632EBA8E}" dt="2023-12-06T17:40:27.333" v="15" actId="20577"/>
         <pc:sldMkLst>
           <pc:docMk/>
-          <pc:sldMk cId="2948456625" sldId="277"/>
-        </pc:sldMkLst>
-      </pc:sldChg>
-      <pc:sldChg chg="del">
-        <pc:chgData name="Gibbons, Carl" userId="d2b037bc-8fb4-4222-845c-61440543a456" providerId="ADAL" clId="{26C7F00A-80DD-401B-832B-E7EF202E28C2}" dt="2024-06-14T03:02:04.454" v="73" actId="47"/>
-        <pc:sldMkLst>
-          <pc:docMk/>
-          <pc:sldMk cId="102374663" sldId="278"/>
-        </pc:sldMkLst>
-      </pc:sldChg>
-      <pc:sldChg chg="del">
-        <pc:chgData name="Gibbons, Carl" userId="d2b037bc-8fb4-4222-845c-61440543a456" providerId="ADAL" clId="{26C7F00A-80DD-401B-832B-E7EF202E28C2}" dt="2024-06-14T03:53:53.417" v="4260" actId="47"/>
-        <pc:sldMkLst>
-          <pc:docMk/>
-          <pc:sldMk cId="1709941748" sldId="279"/>
-        </pc:sldMkLst>
-      </pc:sldChg>
-      <pc:sldChg chg="del">
-        <pc:chgData name="Gibbons, Carl" userId="d2b037bc-8fb4-4222-845c-61440543a456" providerId="ADAL" clId="{26C7F00A-80DD-401B-832B-E7EF202E28C2}" dt="2024-06-14T03:53:50.044" v="4259" actId="47"/>
-        <pc:sldMkLst>
-          <pc:docMk/>
-          <pc:sldMk cId="4176796158" sldId="280"/>
-        </pc:sldMkLst>
-      </pc:sldChg>
-      <pc:sldChg chg="del">
-        <pc:chgData name="Gibbons, Carl" userId="d2b037bc-8fb4-4222-845c-61440543a456" providerId="ADAL" clId="{26C7F00A-80DD-401B-832B-E7EF202E28C2}" dt="2024-06-14T03:53:48.385" v="4257" actId="47"/>
-        <pc:sldMkLst>
-          <pc:docMk/>
-          <pc:sldMk cId="3311622519" sldId="281"/>
-        </pc:sldMkLst>
-      </pc:sldChg>
-      <pc:sldChg chg="del">
-        <pc:chgData name="Gibbons, Carl" userId="d2b037bc-8fb4-4222-845c-61440543a456" providerId="ADAL" clId="{26C7F00A-80DD-401B-832B-E7EF202E28C2}" dt="2024-06-14T03:53:49.242" v="4258" actId="47"/>
-        <pc:sldMkLst>
-          <pc:docMk/>
-          <pc:sldMk cId="4163349812" sldId="282"/>
-        </pc:sldMkLst>
-      </pc:sldChg>
-      <pc:sldChg chg="del">
-        <pc:chgData name="Gibbons, Carl" userId="d2b037bc-8fb4-4222-845c-61440543a456" providerId="ADAL" clId="{26C7F00A-80DD-401B-832B-E7EF202E28C2}" dt="2024-06-14T03:53:47.016" v="4256" actId="47"/>
-        <pc:sldMkLst>
-          <pc:docMk/>
-          <pc:sldMk cId="2755793427" sldId="283"/>
-        </pc:sldMkLst>
-      </pc:sldChg>
-      <pc:sldChg chg="modSp mod">
-        <pc:chgData name="Gibbons, Carl" userId="d2b037bc-8fb4-4222-845c-61440543a456" providerId="ADAL" clId="{26C7F00A-80DD-401B-832B-E7EF202E28C2}" dt="2024-06-14T04:20:29.253" v="6160" actId="20577"/>
-        <pc:sldMkLst>
-          <pc:docMk/>
-          <pc:sldMk cId="322366662" sldId="284"/>
+          <pc:sldMk cId="1742169507" sldId="276"/>
         </pc:sldMkLst>
         <pc:spChg chg="mod">
-          <ac:chgData name="Gibbons, Carl" userId="d2b037bc-8fb4-4222-845c-61440543a456" providerId="ADAL" clId="{26C7F00A-80DD-401B-832B-E7EF202E28C2}" dt="2024-06-14T04:10:42.746" v="6042" actId="20577"/>
-          <ac:spMkLst>
-            <pc:docMk/>
-            <pc:sldMk cId="322366662" sldId="284"/>
-            <ac:spMk id="2" creationId="{64492E64-A68B-8CA7-B3C6-044F7C8E76AB}"/>
-          </ac:spMkLst>
-        </pc:spChg>
-        <pc:spChg chg="mod">
-          <ac:chgData name="Gibbons, Carl" userId="d2b037bc-8fb4-4222-845c-61440543a456" providerId="ADAL" clId="{26C7F00A-80DD-401B-832B-E7EF202E28C2}" dt="2024-06-14T04:20:29.253" v="6160" actId="20577"/>
-          <ac:spMkLst>
-            <pc:docMk/>
-            <pc:sldMk cId="322366662" sldId="284"/>
-            <ac:spMk id="4" creationId="{B64A8207-997F-319E-7F6D-676D3ECA779B}"/>
-          </ac:spMkLst>
-        </pc:spChg>
-      </pc:sldChg>
-      <pc:sldChg chg="modSp add mod">
-        <pc:chgData name="Gibbons, Carl" userId="d2b037bc-8fb4-4222-845c-61440543a456" providerId="ADAL" clId="{26C7F00A-80DD-401B-832B-E7EF202E28C2}" dt="2024-06-14T04:25:56.561" v="6285" actId="20577"/>
-        <pc:sldMkLst>
-          <pc:docMk/>
-          <pc:sldMk cId="2432840855" sldId="285"/>
-        </pc:sldMkLst>
-        <pc:spChg chg="mod">
-          <ac:chgData name="Gibbons, Carl" userId="d2b037bc-8fb4-4222-845c-61440543a456" providerId="ADAL" clId="{26C7F00A-80DD-401B-832B-E7EF202E28C2}" dt="2024-06-14T03:44:30.748" v="3459" actId="20577"/>
-          <ac:spMkLst>
-            <pc:docMk/>
-            <pc:sldMk cId="2432840855" sldId="285"/>
-            <ac:spMk id="2" creationId="{64492E64-A68B-8CA7-B3C6-044F7C8E76AB}"/>
-          </ac:spMkLst>
-        </pc:spChg>
-        <pc:spChg chg="mod">
-          <ac:chgData name="Gibbons, Carl" userId="d2b037bc-8fb4-4222-845c-61440543a456" providerId="ADAL" clId="{26C7F00A-80DD-401B-832B-E7EF202E28C2}" dt="2024-06-14T04:25:56.561" v="6285" actId="20577"/>
-          <ac:spMkLst>
-            <pc:docMk/>
-            <pc:sldMk cId="2432840855" sldId="285"/>
-            <ac:spMk id="4" creationId="{B64A8207-997F-319E-7F6D-676D3ECA779B}"/>
-          </ac:spMkLst>
-        </pc:spChg>
-      </pc:sldChg>
-      <pc:sldChg chg="modSp add mod">
-        <pc:chgData name="Gibbons, Carl" userId="d2b037bc-8fb4-4222-845c-61440543a456" providerId="ADAL" clId="{26C7F00A-80DD-401B-832B-E7EF202E28C2}" dt="2024-06-14T04:24:44.734" v="6236" actId="20577"/>
-        <pc:sldMkLst>
-          <pc:docMk/>
-          <pc:sldMk cId="2169521787" sldId="286"/>
-        </pc:sldMkLst>
-        <pc:spChg chg="mod">
-          <ac:chgData name="Gibbons, Carl" userId="d2b037bc-8fb4-4222-845c-61440543a456" providerId="ADAL" clId="{26C7F00A-80DD-401B-832B-E7EF202E28C2}" dt="2024-06-14T03:53:36.567" v="4255" actId="20577"/>
-          <ac:spMkLst>
-            <pc:docMk/>
-            <pc:sldMk cId="2169521787" sldId="286"/>
-            <ac:spMk id="2" creationId="{64492E64-A68B-8CA7-B3C6-044F7C8E76AB}"/>
-          </ac:spMkLst>
-        </pc:spChg>
-        <pc:spChg chg="mod">
-          <ac:chgData name="Gibbons, Carl" userId="d2b037bc-8fb4-4222-845c-61440543a456" providerId="ADAL" clId="{26C7F00A-80DD-401B-832B-E7EF202E28C2}" dt="2024-06-14T04:24:44.734" v="6236" actId="20577"/>
-          <ac:spMkLst>
-            <pc:docMk/>
-            <pc:sldMk cId="2169521787" sldId="286"/>
-            <ac:spMk id="4" creationId="{B64A8207-997F-319E-7F6D-676D3ECA779B}"/>
+          <ac:chgData name="Gibbons, Carl" userId="d2b037bc-8fb4-4222-845c-61440543a456" providerId="ADAL" clId="{DD1CE632-2E50-4DF6-A094-0B92632EBA8E}" dt="2023-12-06T17:40:27.333" v="15" actId="20577"/>
+          <ac:spMkLst>
+            <pc:docMk/>
+            <pc:sldMk cId="1742169507" sldId="276"/>
+            <ac:spMk id="3" creationId="{ADD8957C-88E6-A920-4979-2BDA9406B518}"/>
           </ac:spMkLst>
         </pc:spChg>
       </pc:sldChg>
@@ -1400,7 +1668,7 @@
           <p:cNvPr id="2" name="Title 1">
             <a:extLst>
               <a:ext uri="{FF2B5EF4-FFF2-40B4-BE49-F238E27FC236}">
-                <a16:creationId xmlns:a16="http://schemas.microsoft.com/office/drawing/2014/main" id="{D7417273-9D16-5639-8844-46262C7A214A}"/>
+                <a16:creationId xmlns:a16="http://schemas.microsoft.com/office/drawing/2014/main" id="{BFB01EF5-6F0D-8686-CDD5-7DB43C9F613E}"/>
               </a:ext>
             </a:extLst>
           </p:cNvPr>
@@ -1411,7 +1679,15 @@
             <p:ph type="title"/>
           </p:nvPr>
         </p:nvSpPr>
-        <p:spPr/>
+        <p:spPr>
+          <a:xfrm>
+            <a:off x="602787" y="1498382"/>
+            <a:ext cx="10515600" cy="1325563"/>
+          </a:xfrm>
+          <a:prstGeom prst="rect">
+            <a:avLst/>
+          </a:prstGeom>
+        </p:spPr>
         <p:txBody>
           <a:bodyPr/>
           <a:lstStyle/>
@@ -1428,7 +1704,7 @@
           <p:cNvPr id="3" name="Content Placeholder 2">
             <a:extLst>
               <a:ext uri="{FF2B5EF4-FFF2-40B4-BE49-F238E27FC236}">
-                <a16:creationId xmlns:a16="http://schemas.microsoft.com/office/drawing/2014/main" id="{B0CB97D0-5920-4A0C-455B-784B34D523CD}"/>
+                <a16:creationId xmlns:a16="http://schemas.microsoft.com/office/drawing/2014/main" id="{2ED595E2-3C65-7E01-6223-574BF8FB8119}"/>
               </a:ext>
             </a:extLst>
           </p:cNvPr>
@@ -1444,6 +1720,9 @@
             <a:off x="838200" y="1825625"/>
             <a:ext cx="5181600" cy="4351338"/>
           </a:xfrm>
+          <a:prstGeom prst="rect">
+            <a:avLst/>
+          </a:prstGeom>
         </p:spPr>
         <p:txBody>
           <a:bodyPr/>
@@ -1490,7 +1769,7 @@
           <p:cNvPr id="4" name="Content Placeholder 3">
             <a:extLst>
               <a:ext uri="{FF2B5EF4-FFF2-40B4-BE49-F238E27FC236}">
-                <a16:creationId xmlns:a16="http://schemas.microsoft.com/office/drawing/2014/main" id="{49C5FDBC-D200-7F14-85E8-2B208477DAF9}"/>
+                <a16:creationId xmlns:a16="http://schemas.microsoft.com/office/drawing/2014/main" id="{DFDA5243-FD59-824D-9801-C6A7FC40AD32}"/>
               </a:ext>
             </a:extLst>
           </p:cNvPr>
@@ -1506,6 +1785,9 @@
             <a:off x="6172200" y="1825625"/>
             <a:ext cx="5181600" cy="4351338"/>
           </a:xfrm>
+          <a:prstGeom prst="rect">
+            <a:avLst/>
+          </a:prstGeom>
         </p:spPr>
         <p:txBody>
           <a:bodyPr/>
@@ -1552,7 +1834,7 @@
           <p:cNvPr id="5" name="Date Placeholder 4">
             <a:extLst>
               <a:ext uri="{FF2B5EF4-FFF2-40B4-BE49-F238E27FC236}">
-                <a16:creationId xmlns:a16="http://schemas.microsoft.com/office/drawing/2014/main" id="{9C0A7D34-EDD4-2B7C-7597-31E5AE2E8BD6}"/>
+                <a16:creationId xmlns:a16="http://schemas.microsoft.com/office/drawing/2014/main" id="{BB0B0631-5586-E8EE-C280-1DC0A64D54C9}"/>
               </a:ext>
             </a:extLst>
           </p:cNvPr>
@@ -1563,14 +1845,22 @@
             <p:ph type="dt" sz="half" idx="10"/>
           </p:nvPr>
         </p:nvSpPr>
-        <p:spPr/>
+        <p:spPr>
+          <a:xfrm>
+            <a:off x="838200" y="6445249"/>
+            <a:ext cx="2743200" cy="365125"/>
+          </a:xfrm>
+          <a:prstGeom prst="rect">
+            <a:avLst/>
+          </a:prstGeom>
+        </p:spPr>
         <p:txBody>
           <a:bodyPr/>
           <a:lstStyle/>
           <a:p>
-            <a:fld id="{0D69348B-4620-44E9-BF3F-EACBA9EEF323}" type="datetimeFigureOut">
+            <a:fld id="{71087A05-F855-4434-8DDE-39A8542098A6}" type="datetimeFigureOut">
               <a:rPr lang="en-US" smtClean="0"/>
-              <a:t>11/26/2024</a:t>
+              <a:t>12/17/2024</a:t>
             </a:fld>
             <a:endParaRPr lang="en-US"/>
           </a:p>
@@ -1581,7 +1871,7 @@
           <p:cNvPr id="6" name="Footer Placeholder 5">
             <a:extLst>
               <a:ext uri="{FF2B5EF4-FFF2-40B4-BE49-F238E27FC236}">
-                <a16:creationId xmlns:a16="http://schemas.microsoft.com/office/drawing/2014/main" id="{001C50E6-D64B-52FC-1719-552ED73B243D}"/>
+                <a16:creationId xmlns:a16="http://schemas.microsoft.com/office/drawing/2014/main" id="{4C7022BC-4356-2E12-5FFC-95893C9539C6}"/>
               </a:ext>
             </a:extLst>
           </p:cNvPr>
@@ -1592,7 +1882,15 @@
             <p:ph type="ftr" sz="quarter" idx="11"/>
           </p:nvPr>
         </p:nvSpPr>
-        <p:spPr/>
+        <p:spPr>
+          <a:xfrm>
+            <a:off x="4038600" y="6356350"/>
+            <a:ext cx="4114800" cy="365125"/>
+          </a:xfrm>
+          <a:prstGeom prst="rect">
+            <a:avLst/>
+          </a:prstGeom>
+        </p:spPr>
         <p:txBody>
           <a:bodyPr/>
           <a:lstStyle/>
@@ -1606,7 +1904,7 @@
           <p:cNvPr id="7" name="Slide Number Placeholder 6">
             <a:extLst>
               <a:ext uri="{FF2B5EF4-FFF2-40B4-BE49-F238E27FC236}">
-                <a16:creationId xmlns:a16="http://schemas.microsoft.com/office/drawing/2014/main" id="{159CBFED-25BE-7153-12B4-D0E8588920D3}"/>
+                <a16:creationId xmlns:a16="http://schemas.microsoft.com/office/drawing/2014/main" id="{2F6F0616-5185-D339-BFDE-0E16B9960312}"/>
               </a:ext>
             </a:extLst>
           </p:cNvPr>
@@ -1617,12 +1915,20 @@
             <p:ph type="sldNum" sz="quarter" idx="12"/>
           </p:nvPr>
         </p:nvSpPr>
-        <p:spPr/>
+        <p:spPr>
+          <a:xfrm>
+            <a:off x="8610600" y="6356350"/>
+            <a:ext cx="2743200" cy="365125"/>
+          </a:xfrm>
+          <a:prstGeom prst="rect">
+            <a:avLst/>
+          </a:prstGeom>
+        </p:spPr>
         <p:txBody>
           <a:bodyPr/>
           <a:lstStyle/>
           <a:p>
-            <a:fld id="{986C47A0-D0C4-4E8A-BEE9-37B09C3712B2}" type="slidenum">
+            <a:fld id="{6C0014F0-3D1D-4459-A530-32E6C19AE461}" type="slidenum">
               <a:rPr lang="en-US" smtClean="0"/>
               <a:t>‹#›</a:t>
             </a:fld>
@@ -1633,7 +1939,7 @@
     </p:spTree>
     <p:extLst>
       <p:ext uri="{BB962C8B-B14F-4D97-AF65-F5344CB8AC3E}">
-        <p14:creationId xmlns:p14="http://schemas.microsoft.com/office/powerpoint/2010/main" val="3119249891"/>
+        <p14:creationId xmlns:p14="http://schemas.microsoft.com/office/powerpoint/2010/main" val="2691592912"/>
       </p:ext>
     </p:extLst>
   </p:cSld>
@@ -1665,7 +1971,7 @@
           <p:cNvPr id="2" name="Title 1">
             <a:extLst>
               <a:ext uri="{FF2B5EF4-FFF2-40B4-BE49-F238E27FC236}">
-                <a16:creationId xmlns:a16="http://schemas.microsoft.com/office/drawing/2014/main" id="{4EC51817-320C-EB58-D57C-AAA586C0053E}"/>
+                <a16:creationId xmlns:a16="http://schemas.microsoft.com/office/drawing/2014/main" id="{0AADFFED-E59B-6D4E-6B64-0F5B746DEB96}"/>
               </a:ext>
             </a:extLst>
           </p:cNvPr>
@@ -1681,6 +1987,9 @@
             <a:off x="839788" y="365125"/>
             <a:ext cx="10515600" cy="1325563"/>
           </a:xfrm>
+          <a:prstGeom prst="rect">
+            <a:avLst/>
+          </a:prstGeom>
         </p:spPr>
         <p:txBody>
           <a:bodyPr/>
@@ -1698,7 +2007,7 @@
           <p:cNvPr id="3" name="Text Placeholder 2">
             <a:extLst>
               <a:ext uri="{FF2B5EF4-FFF2-40B4-BE49-F238E27FC236}">
-                <a16:creationId xmlns:a16="http://schemas.microsoft.com/office/drawing/2014/main" id="{21FF1CDE-5ED1-45BC-1BBF-82DBA76868F4}"/>
+                <a16:creationId xmlns:a16="http://schemas.microsoft.com/office/drawing/2014/main" id="{1D25BBE6-1C38-6614-EF63-AF608E55C235}"/>
               </a:ext>
             </a:extLst>
           </p:cNvPr>
@@ -1714,6 +2023,9 @@
             <a:off x="839788" y="1681163"/>
             <a:ext cx="5157787" cy="823912"/>
           </a:xfrm>
+          <a:prstGeom prst="rect">
+            <a:avLst/>
+          </a:prstGeom>
         </p:spPr>
         <p:txBody>
           <a:bodyPr anchor="b"/>
@@ -1769,7 +2081,7 @@
           <p:cNvPr id="4" name="Content Placeholder 3">
             <a:extLst>
               <a:ext uri="{FF2B5EF4-FFF2-40B4-BE49-F238E27FC236}">
-                <a16:creationId xmlns:a16="http://schemas.microsoft.com/office/drawing/2014/main" id="{CB45744E-8CC8-1B85-F492-6648EB8A9996}"/>
+                <a16:creationId xmlns:a16="http://schemas.microsoft.com/office/drawing/2014/main" id="{D639AC2E-A378-9E93-69F7-FF92F43FC3A8}"/>
               </a:ext>
             </a:extLst>
           </p:cNvPr>
@@ -1785,6 +2097,9 @@
             <a:off x="839788" y="2505075"/>
             <a:ext cx="5157787" cy="3684588"/>
           </a:xfrm>
+          <a:prstGeom prst="rect">
+            <a:avLst/>
+          </a:prstGeom>
         </p:spPr>
         <p:txBody>
           <a:bodyPr/>
@@ -1831,7 +2146,7 @@
           <p:cNvPr id="5" name="Text Placeholder 4">
             <a:extLst>
               <a:ext uri="{FF2B5EF4-FFF2-40B4-BE49-F238E27FC236}">
-                <a16:creationId xmlns:a16="http://schemas.microsoft.com/office/drawing/2014/main" id="{E073266C-0D92-527A-30E1-7ECDD28C0F91}"/>
+                <a16:creationId xmlns:a16="http://schemas.microsoft.com/office/drawing/2014/main" id="{E57BF240-C80B-E670-B12B-8BCBA850E04F}"/>
               </a:ext>
             </a:extLst>
           </p:cNvPr>
@@ -1847,6 +2162,9 @@
             <a:off x="6172200" y="1681163"/>
             <a:ext cx="5183188" cy="823912"/>
           </a:xfrm>
+          <a:prstGeom prst="rect">
+            <a:avLst/>
+          </a:prstGeom>
         </p:spPr>
         <p:txBody>
           <a:bodyPr anchor="b"/>
@@ -1902,7 +2220,7 @@
           <p:cNvPr id="6" name="Content Placeholder 5">
             <a:extLst>
               <a:ext uri="{FF2B5EF4-FFF2-40B4-BE49-F238E27FC236}">
-                <a16:creationId xmlns:a16="http://schemas.microsoft.com/office/drawing/2014/main" id="{1E10B574-E76B-4DE3-3CFA-1190E252BA61}"/>
+                <a16:creationId xmlns:a16="http://schemas.microsoft.com/office/drawing/2014/main" id="{6AB0FB7E-A75F-AB8B-3217-710BBB592FB3}"/>
               </a:ext>
             </a:extLst>
           </p:cNvPr>
@@ -1918,6 +2236,9 @@
             <a:off x="6172200" y="2505075"/>
             <a:ext cx="5183188" cy="3684588"/>
           </a:xfrm>
+          <a:prstGeom prst="rect">
+            <a:avLst/>
+          </a:prstGeom>
         </p:spPr>
         <p:txBody>
           <a:bodyPr/>
@@ -1964,7 +2285,7 @@
           <p:cNvPr id="7" name="Date Placeholder 6">
             <a:extLst>
               <a:ext uri="{FF2B5EF4-FFF2-40B4-BE49-F238E27FC236}">
-                <a16:creationId xmlns:a16="http://schemas.microsoft.com/office/drawing/2014/main" id="{B22F13C7-15CB-D0AD-592A-4574F62CF3CA}"/>
+                <a16:creationId xmlns:a16="http://schemas.microsoft.com/office/drawing/2014/main" id="{BBAC691C-E8A1-E4A4-391E-3EA19AE5DF7A}"/>
               </a:ext>
             </a:extLst>
           </p:cNvPr>
@@ -1975,14 +2296,22 @@
             <p:ph type="dt" sz="half" idx="10"/>
           </p:nvPr>
         </p:nvSpPr>
-        <p:spPr/>
+        <p:spPr>
+          <a:xfrm>
+            <a:off x="838200" y="6445249"/>
+            <a:ext cx="2743200" cy="365125"/>
+          </a:xfrm>
+          <a:prstGeom prst="rect">
+            <a:avLst/>
+          </a:prstGeom>
+        </p:spPr>
         <p:txBody>
           <a:bodyPr/>
           <a:lstStyle/>
           <a:p>
-            <a:fld id="{0D69348B-4620-44E9-BF3F-EACBA9EEF323}" type="datetimeFigureOut">
+            <a:fld id="{71087A05-F855-4434-8DDE-39A8542098A6}" type="datetimeFigureOut">
               <a:rPr lang="en-US" smtClean="0"/>
-              <a:t>11/26/2024</a:t>
+              <a:t>12/17/2024</a:t>
             </a:fld>
             <a:endParaRPr lang="en-US"/>
           </a:p>
@@ -1993,7 +2322,7 @@
           <p:cNvPr id="8" name="Footer Placeholder 7">
             <a:extLst>
               <a:ext uri="{FF2B5EF4-FFF2-40B4-BE49-F238E27FC236}">
-                <a16:creationId xmlns:a16="http://schemas.microsoft.com/office/drawing/2014/main" id="{2F5F3798-7B61-5530-4CE3-C6CC264D0CAB}"/>
+                <a16:creationId xmlns:a16="http://schemas.microsoft.com/office/drawing/2014/main" id="{A5742DC8-1560-8BC0-2128-ACBD57240165}"/>
               </a:ext>
             </a:extLst>
           </p:cNvPr>
@@ -2004,7 +2333,15 @@
             <p:ph type="ftr" sz="quarter" idx="11"/>
           </p:nvPr>
         </p:nvSpPr>
-        <p:spPr/>
+        <p:spPr>
+          <a:xfrm>
+            <a:off x="4038600" y="6356350"/>
+            <a:ext cx="4114800" cy="365125"/>
+          </a:xfrm>
+          <a:prstGeom prst="rect">
+            <a:avLst/>
+          </a:prstGeom>
+        </p:spPr>
         <p:txBody>
           <a:bodyPr/>
           <a:lstStyle/>
@@ -2018,7 +2355,7 @@
           <p:cNvPr id="9" name="Slide Number Placeholder 8">
             <a:extLst>
               <a:ext uri="{FF2B5EF4-FFF2-40B4-BE49-F238E27FC236}">
-                <a16:creationId xmlns:a16="http://schemas.microsoft.com/office/drawing/2014/main" id="{DEA57831-0ADE-7493-7182-6249F4413808}"/>
+                <a16:creationId xmlns:a16="http://schemas.microsoft.com/office/drawing/2014/main" id="{589CBA34-0EA5-98FC-EEAA-0C1A44BA1CB5}"/>
               </a:ext>
             </a:extLst>
           </p:cNvPr>
@@ -2029,12 +2366,20 @@
             <p:ph type="sldNum" sz="quarter" idx="12"/>
           </p:nvPr>
         </p:nvSpPr>
-        <p:spPr/>
+        <p:spPr>
+          <a:xfrm>
+            <a:off x="8610600" y="6356350"/>
+            <a:ext cx="2743200" cy="365125"/>
+          </a:xfrm>
+          <a:prstGeom prst="rect">
+            <a:avLst/>
+          </a:prstGeom>
+        </p:spPr>
         <p:txBody>
           <a:bodyPr/>
           <a:lstStyle/>
           <a:p>
-            <a:fld id="{986C47A0-D0C4-4E8A-BEE9-37B09C3712B2}" type="slidenum">
+            <a:fld id="{6C0014F0-3D1D-4459-A530-32E6C19AE461}" type="slidenum">
               <a:rPr lang="en-US" smtClean="0"/>
               <a:t>‹#›</a:t>
             </a:fld>
@@ -2045,7 +2390,7 @@
     </p:spTree>
     <p:extLst>
       <p:ext uri="{BB962C8B-B14F-4D97-AF65-F5344CB8AC3E}">
-        <p14:creationId xmlns:p14="http://schemas.microsoft.com/office/powerpoint/2010/main" val="3054922134"/>
+        <p14:creationId xmlns:p14="http://schemas.microsoft.com/office/powerpoint/2010/main" val="1188486400"/>
       </p:ext>
     </p:extLst>
   </p:cSld>
@@ -2077,7 +2422,7 @@
           <p:cNvPr id="2" name="Title 1">
             <a:extLst>
               <a:ext uri="{FF2B5EF4-FFF2-40B4-BE49-F238E27FC236}">
-                <a16:creationId xmlns:a16="http://schemas.microsoft.com/office/drawing/2014/main" id="{C51D6B86-2F64-08CA-8DAC-2D6D1CA3880D}"/>
+                <a16:creationId xmlns:a16="http://schemas.microsoft.com/office/drawing/2014/main" id="{DB1F5818-3C7C-015C-2483-1875C395B0BF}"/>
               </a:ext>
             </a:extLst>
           </p:cNvPr>
@@ -2088,7 +2433,15 @@
             <p:ph type="title"/>
           </p:nvPr>
         </p:nvSpPr>
-        <p:spPr/>
+        <p:spPr>
+          <a:xfrm>
+            <a:off x="602787" y="1498382"/>
+            <a:ext cx="10515600" cy="1325563"/>
+          </a:xfrm>
+          <a:prstGeom prst="rect">
+            <a:avLst/>
+          </a:prstGeom>
+        </p:spPr>
         <p:txBody>
           <a:bodyPr/>
           <a:lstStyle/>
@@ -2105,7 +2458,7 @@
           <p:cNvPr id="3" name="Date Placeholder 2">
             <a:extLst>
               <a:ext uri="{FF2B5EF4-FFF2-40B4-BE49-F238E27FC236}">
-                <a16:creationId xmlns:a16="http://schemas.microsoft.com/office/drawing/2014/main" id="{03C4A398-4A9D-A2A3-6474-1E420261434B}"/>
+                <a16:creationId xmlns:a16="http://schemas.microsoft.com/office/drawing/2014/main" id="{F223477C-97F9-76B1-065E-300F62DDCF99}"/>
               </a:ext>
             </a:extLst>
           </p:cNvPr>
@@ -2116,14 +2469,22 @@
             <p:ph type="dt" sz="half" idx="10"/>
           </p:nvPr>
         </p:nvSpPr>
-        <p:spPr/>
+        <p:spPr>
+          <a:xfrm>
+            <a:off x="838200" y="6445249"/>
+            <a:ext cx="2743200" cy="365125"/>
+          </a:xfrm>
+          <a:prstGeom prst="rect">
+            <a:avLst/>
+          </a:prstGeom>
+        </p:spPr>
         <p:txBody>
           <a:bodyPr/>
           <a:lstStyle/>
           <a:p>
-            <a:fld id="{0D69348B-4620-44E9-BF3F-EACBA9EEF323}" type="datetimeFigureOut">
+            <a:fld id="{71087A05-F855-4434-8DDE-39A8542098A6}" type="datetimeFigureOut">
               <a:rPr lang="en-US" smtClean="0"/>
-              <a:t>11/26/2024</a:t>
+              <a:t>12/17/2024</a:t>
             </a:fld>
             <a:endParaRPr lang="en-US"/>
           </a:p>
@@ -2134,7 +2495,7 @@
           <p:cNvPr id="4" name="Footer Placeholder 3">
             <a:extLst>
               <a:ext uri="{FF2B5EF4-FFF2-40B4-BE49-F238E27FC236}">
-                <a16:creationId xmlns:a16="http://schemas.microsoft.com/office/drawing/2014/main" id="{1B329954-395E-06FF-D638-EC31477B4B60}"/>
+                <a16:creationId xmlns:a16="http://schemas.microsoft.com/office/drawing/2014/main" id="{725CCAE4-3361-9867-C2CA-9F8A178ED41C}"/>
               </a:ext>
             </a:extLst>
           </p:cNvPr>
@@ -2145,7 +2506,15 @@
             <p:ph type="ftr" sz="quarter" idx="11"/>
           </p:nvPr>
         </p:nvSpPr>
-        <p:spPr/>
+        <p:spPr>
+          <a:xfrm>
+            <a:off x="4038600" y="6356350"/>
+            <a:ext cx="4114800" cy="365125"/>
+          </a:xfrm>
+          <a:prstGeom prst="rect">
+            <a:avLst/>
+          </a:prstGeom>
+        </p:spPr>
         <p:txBody>
           <a:bodyPr/>
           <a:lstStyle/>
@@ -2159,7 +2528,7 @@
           <p:cNvPr id="5" name="Slide Number Placeholder 4">
             <a:extLst>
               <a:ext uri="{FF2B5EF4-FFF2-40B4-BE49-F238E27FC236}">
-                <a16:creationId xmlns:a16="http://schemas.microsoft.com/office/drawing/2014/main" id="{26A16BE0-3CF4-0FFF-42E9-C2ABCD5E1AB3}"/>
+                <a16:creationId xmlns:a16="http://schemas.microsoft.com/office/drawing/2014/main" id="{E42ECABF-B7A6-37FC-1091-0A6AE97D6725}"/>
               </a:ext>
             </a:extLst>
           </p:cNvPr>
@@ -2170,12 +2539,20 @@
             <p:ph type="sldNum" sz="quarter" idx="12"/>
           </p:nvPr>
         </p:nvSpPr>
-        <p:spPr/>
+        <p:spPr>
+          <a:xfrm>
+            <a:off x="8610600" y="6356350"/>
+            <a:ext cx="2743200" cy="365125"/>
+          </a:xfrm>
+          <a:prstGeom prst="rect">
+            <a:avLst/>
+          </a:prstGeom>
+        </p:spPr>
         <p:txBody>
           <a:bodyPr/>
           <a:lstStyle/>
           <a:p>
-            <a:fld id="{986C47A0-D0C4-4E8A-BEE9-37B09C3712B2}" type="slidenum">
+            <a:fld id="{6C0014F0-3D1D-4459-A530-32E6C19AE461}" type="slidenum">
               <a:rPr lang="en-US" smtClean="0"/>
               <a:t>‹#›</a:t>
             </a:fld>
@@ -2186,7 +2563,7 @@
     </p:spTree>
     <p:extLst>
       <p:ext uri="{BB962C8B-B14F-4D97-AF65-F5344CB8AC3E}">
-        <p14:creationId xmlns:p14="http://schemas.microsoft.com/office/powerpoint/2010/main" val="2938381997"/>
+        <p14:creationId xmlns:p14="http://schemas.microsoft.com/office/powerpoint/2010/main" val="4219408636"/>
       </p:ext>
     </p:extLst>
   </p:cSld>
@@ -2218,7 +2595,7 @@
           <p:cNvPr id="2" name="Date Placeholder 1">
             <a:extLst>
               <a:ext uri="{FF2B5EF4-FFF2-40B4-BE49-F238E27FC236}">
-                <a16:creationId xmlns:a16="http://schemas.microsoft.com/office/drawing/2014/main" id="{AA5B9B0A-FA71-5C03-A207-2398589F58E9}"/>
+                <a16:creationId xmlns:a16="http://schemas.microsoft.com/office/drawing/2014/main" id="{E2C2A218-2D68-399E-5303-823F32D18A0A}"/>
               </a:ext>
             </a:extLst>
           </p:cNvPr>
@@ -2229,14 +2606,22 @@
             <p:ph type="dt" sz="half" idx="10"/>
           </p:nvPr>
         </p:nvSpPr>
-        <p:spPr/>
+        <p:spPr>
+          <a:xfrm>
+            <a:off x="838200" y="6445249"/>
+            <a:ext cx="2743200" cy="365125"/>
+          </a:xfrm>
+          <a:prstGeom prst="rect">
+            <a:avLst/>
+          </a:prstGeom>
+        </p:spPr>
         <p:txBody>
           <a:bodyPr/>
           <a:lstStyle/>
           <a:p>
-            <a:fld id="{0D69348B-4620-44E9-BF3F-EACBA9EEF323}" type="datetimeFigureOut">
+            <a:fld id="{71087A05-F855-4434-8DDE-39A8542098A6}" type="datetimeFigureOut">
               <a:rPr lang="en-US" smtClean="0"/>
-              <a:t>11/26/2024</a:t>
+              <a:t>12/17/2024</a:t>
             </a:fld>
             <a:endParaRPr lang="en-US"/>
           </a:p>
@@ -2247,7 +2632,7 @@
           <p:cNvPr id="3" name="Footer Placeholder 2">
             <a:extLst>
               <a:ext uri="{FF2B5EF4-FFF2-40B4-BE49-F238E27FC236}">
-                <a16:creationId xmlns:a16="http://schemas.microsoft.com/office/drawing/2014/main" id="{5EEC7B99-A534-1835-A5BF-8993DDBD237D}"/>
+                <a16:creationId xmlns:a16="http://schemas.microsoft.com/office/drawing/2014/main" id="{41BB3505-96AE-D8F2-469A-F36E9DD155D5}"/>
               </a:ext>
             </a:extLst>
           </p:cNvPr>
@@ -2258,7 +2643,15 @@
             <p:ph type="ftr" sz="quarter" idx="11"/>
           </p:nvPr>
         </p:nvSpPr>
-        <p:spPr/>
+        <p:spPr>
+          <a:xfrm>
+            <a:off x="4038600" y="6356350"/>
+            <a:ext cx="4114800" cy="365125"/>
+          </a:xfrm>
+          <a:prstGeom prst="rect">
+            <a:avLst/>
+          </a:prstGeom>
+        </p:spPr>
         <p:txBody>
           <a:bodyPr/>
           <a:lstStyle/>
@@ -2272,7 +2665,7 @@
           <p:cNvPr id="4" name="Slide Number Placeholder 3">
             <a:extLst>
               <a:ext uri="{FF2B5EF4-FFF2-40B4-BE49-F238E27FC236}">
-                <a16:creationId xmlns:a16="http://schemas.microsoft.com/office/drawing/2014/main" id="{6E001977-30BB-D5A2-E565-94C0467FE0FD}"/>
+                <a16:creationId xmlns:a16="http://schemas.microsoft.com/office/drawing/2014/main" id="{47BA2558-EB65-5F2B-4DEB-5E332CDDC572}"/>
               </a:ext>
             </a:extLst>
           </p:cNvPr>
@@ -2283,12 +2676,20 @@
             <p:ph type="sldNum" sz="quarter" idx="12"/>
           </p:nvPr>
         </p:nvSpPr>
-        <p:spPr/>
+        <p:spPr>
+          <a:xfrm>
+            <a:off x="8610600" y="6356350"/>
+            <a:ext cx="2743200" cy="365125"/>
+          </a:xfrm>
+          <a:prstGeom prst="rect">
+            <a:avLst/>
+          </a:prstGeom>
+        </p:spPr>
         <p:txBody>
           <a:bodyPr/>
           <a:lstStyle/>
           <a:p>
-            <a:fld id="{986C47A0-D0C4-4E8A-BEE9-37B09C3712B2}" type="slidenum">
+            <a:fld id="{6C0014F0-3D1D-4459-A530-32E6C19AE461}" type="slidenum">
               <a:rPr lang="en-US" smtClean="0"/>
               <a:t>‹#›</a:t>
             </a:fld>
@@ -2299,7 +2700,7 @@
     </p:spTree>
     <p:extLst>
       <p:ext uri="{BB962C8B-B14F-4D97-AF65-F5344CB8AC3E}">
-        <p14:creationId xmlns:p14="http://schemas.microsoft.com/office/powerpoint/2010/main" val="2840775159"/>
+        <p14:creationId xmlns:p14="http://schemas.microsoft.com/office/powerpoint/2010/main" val="3777406287"/>
       </p:ext>
     </p:extLst>
   </p:cSld>
@@ -2331,7 +2732,7 @@
           <p:cNvPr id="2" name="Title 1">
             <a:extLst>
               <a:ext uri="{FF2B5EF4-FFF2-40B4-BE49-F238E27FC236}">
-                <a16:creationId xmlns:a16="http://schemas.microsoft.com/office/drawing/2014/main" id="{AC38A989-6857-707E-A17F-8A83A6144698}"/>
+                <a16:creationId xmlns:a16="http://schemas.microsoft.com/office/drawing/2014/main" id="{E731290A-4FEE-1487-F6FC-152481239225}"/>
               </a:ext>
             </a:extLst>
           </p:cNvPr>
@@ -2347,6 +2748,9 @@
             <a:off x="839788" y="457200"/>
             <a:ext cx="3932237" cy="1600200"/>
           </a:xfrm>
+          <a:prstGeom prst="rect">
+            <a:avLst/>
+          </a:prstGeom>
         </p:spPr>
         <p:txBody>
           <a:bodyPr anchor="b"/>
@@ -2368,7 +2772,7 @@
           <p:cNvPr id="3" name="Content Placeholder 2">
             <a:extLst>
               <a:ext uri="{FF2B5EF4-FFF2-40B4-BE49-F238E27FC236}">
-                <a16:creationId xmlns:a16="http://schemas.microsoft.com/office/drawing/2014/main" id="{D3A3E0C8-FA9B-6F55-E988-D7B8ADBC9C21}"/>
+                <a16:creationId xmlns:a16="http://schemas.microsoft.com/office/drawing/2014/main" id="{3FD49862-968E-6027-1E22-A84213937FC4}"/>
               </a:ext>
             </a:extLst>
           </p:cNvPr>
@@ -2384,6 +2788,9 @@
             <a:off x="5183188" y="987425"/>
             <a:ext cx="6172200" cy="4873625"/>
           </a:xfrm>
+          <a:prstGeom prst="rect">
+            <a:avLst/>
+          </a:prstGeom>
         </p:spPr>
         <p:txBody>
           <a:bodyPr/>
@@ -2458,7 +2865,7 @@
           <p:cNvPr id="4" name="Text Placeholder 3">
             <a:extLst>
               <a:ext uri="{FF2B5EF4-FFF2-40B4-BE49-F238E27FC236}">
-                <a16:creationId xmlns:a16="http://schemas.microsoft.com/office/drawing/2014/main" id="{FC649A31-16E4-3C58-CFAF-870BE9A231C8}"/>
+                <a16:creationId xmlns:a16="http://schemas.microsoft.com/office/drawing/2014/main" id="{DDD75452-B3CD-E4D7-2EEB-4D8E7A55BA47}"/>
               </a:ext>
             </a:extLst>
           </p:cNvPr>
@@ -2474,6 +2881,9 @@
             <a:off x="839788" y="2057400"/>
             <a:ext cx="3932237" cy="3811588"/>
           </a:xfrm>
+          <a:prstGeom prst="rect">
+            <a:avLst/>
+          </a:prstGeom>
         </p:spPr>
         <p:txBody>
           <a:bodyPr/>
@@ -2529,7 +2939,7 @@
           <p:cNvPr id="5" name="Date Placeholder 4">
             <a:extLst>
               <a:ext uri="{FF2B5EF4-FFF2-40B4-BE49-F238E27FC236}">
-                <a16:creationId xmlns:a16="http://schemas.microsoft.com/office/drawing/2014/main" id="{5999608F-F9E6-C047-FAFD-5BD962E36788}"/>
+                <a16:creationId xmlns:a16="http://schemas.microsoft.com/office/drawing/2014/main" id="{E910F3D6-85F4-16D5-02EC-B52A50D1363C}"/>
               </a:ext>
             </a:extLst>
           </p:cNvPr>
@@ -2540,14 +2950,22 @@
             <p:ph type="dt" sz="half" idx="10"/>
           </p:nvPr>
         </p:nvSpPr>
-        <p:spPr/>
+        <p:spPr>
+          <a:xfrm>
+            <a:off x="838200" y="6445249"/>
+            <a:ext cx="2743200" cy="365125"/>
+          </a:xfrm>
+          <a:prstGeom prst="rect">
+            <a:avLst/>
+          </a:prstGeom>
+        </p:spPr>
         <p:txBody>
           <a:bodyPr/>
           <a:lstStyle/>
           <a:p>
-            <a:fld id="{0D69348B-4620-44E9-BF3F-EACBA9EEF323}" type="datetimeFigureOut">
+            <a:fld id="{71087A05-F855-4434-8DDE-39A8542098A6}" type="datetimeFigureOut">
               <a:rPr lang="en-US" smtClean="0"/>
-              <a:t>11/26/2024</a:t>
+              <a:t>12/17/2024</a:t>
             </a:fld>
             <a:endParaRPr lang="en-US"/>
           </a:p>
@@ -2558,7 +2976,7 @@
           <p:cNvPr id="6" name="Footer Placeholder 5">
             <a:extLst>
               <a:ext uri="{FF2B5EF4-FFF2-40B4-BE49-F238E27FC236}">
-                <a16:creationId xmlns:a16="http://schemas.microsoft.com/office/drawing/2014/main" id="{E1D5DC43-2068-E43E-0C96-6105FF141340}"/>
+                <a16:creationId xmlns:a16="http://schemas.microsoft.com/office/drawing/2014/main" id="{FA7DC6C8-71E8-B7D5-9A82-0FA963F35B00}"/>
               </a:ext>
             </a:extLst>
           </p:cNvPr>
@@ -2569,7 +2987,15 @@
             <p:ph type="ftr" sz="quarter" idx="11"/>
           </p:nvPr>
         </p:nvSpPr>
-        <p:spPr/>
+        <p:spPr>
+          <a:xfrm>
+            <a:off x="4038600" y="6356350"/>
+            <a:ext cx="4114800" cy="365125"/>
+          </a:xfrm>
+          <a:prstGeom prst="rect">
+            <a:avLst/>
+          </a:prstGeom>
+        </p:spPr>
         <p:txBody>
           <a:bodyPr/>
           <a:lstStyle/>
@@ -2583,7 +3009,7 @@
           <p:cNvPr id="7" name="Slide Number Placeholder 6">
             <a:extLst>
               <a:ext uri="{FF2B5EF4-FFF2-40B4-BE49-F238E27FC236}">
-                <a16:creationId xmlns:a16="http://schemas.microsoft.com/office/drawing/2014/main" id="{07714F4E-989B-09B5-9809-BA4CDB940F1A}"/>
+                <a16:creationId xmlns:a16="http://schemas.microsoft.com/office/drawing/2014/main" id="{33AEBF5B-81ED-5FC8-76EE-E85F459B2D2B}"/>
               </a:ext>
             </a:extLst>
           </p:cNvPr>
@@ -2594,12 +3020,20 @@
             <p:ph type="sldNum" sz="quarter" idx="12"/>
           </p:nvPr>
         </p:nvSpPr>
-        <p:spPr/>
+        <p:spPr>
+          <a:xfrm>
+            <a:off x="8610600" y="6356350"/>
+            <a:ext cx="2743200" cy="365125"/>
+          </a:xfrm>
+          <a:prstGeom prst="rect">
+            <a:avLst/>
+          </a:prstGeom>
+        </p:spPr>
         <p:txBody>
           <a:bodyPr/>
           <a:lstStyle/>
           <a:p>
-            <a:fld id="{986C47A0-D0C4-4E8A-BEE9-37B09C3712B2}" type="slidenum">
+            <a:fld id="{6C0014F0-3D1D-4459-A530-32E6C19AE461}" type="slidenum">
               <a:rPr lang="en-US" smtClean="0"/>
               <a:t>‹#›</a:t>
             </a:fld>
@@ -2610,7 +3044,7 @@
     </p:spTree>
     <p:extLst>
       <p:ext uri="{BB962C8B-B14F-4D97-AF65-F5344CB8AC3E}">
-        <p14:creationId xmlns:p14="http://schemas.microsoft.com/office/powerpoint/2010/main" val="489734700"/>
+        <p14:creationId xmlns:p14="http://schemas.microsoft.com/office/powerpoint/2010/main" val="2180515913"/>
       </p:ext>
     </p:extLst>
   </p:cSld>
@@ -2642,7 +3076,7 @@
           <p:cNvPr id="2" name="Title 1">
             <a:extLst>
               <a:ext uri="{FF2B5EF4-FFF2-40B4-BE49-F238E27FC236}">
-                <a16:creationId xmlns:a16="http://schemas.microsoft.com/office/drawing/2014/main" id="{3355A176-7BDB-BCDB-D1C0-7943D50F9B44}"/>
+                <a16:creationId xmlns:a16="http://schemas.microsoft.com/office/drawing/2014/main" id="{640090C6-958A-8F1E-AAA5-6F70ABB1D9F3}"/>
               </a:ext>
             </a:extLst>
           </p:cNvPr>
@@ -2658,6 +3092,9 @@
             <a:off x="839788" y="457200"/>
             <a:ext cx="3932237" cy="1600200"/>
           </a:xfrm>
+          <a:prstGeom prst="rect">
+            <a:avLst/>
+          </a:prstGeom>
         </p:spPr>
         <p:txBody>
           <a:bodyPr anchor="b"/>
@@ -2679,7 +3116,7 @@
           <p:cNvPr id="3" name="Picture Placeholder 2">
             <a:extLst>
               <a:ext uri="{FF2B5EF4-FFF2-40B4-BE49-F238E27FC236}">
-                <a16:creationId xmlns:a16="http://schemas.microsoft.com/office/drawing/2014/main" id="{B68408D7-61D1-185C-72B8-001F411FC6F7}"/>
+                <a16:creationId xmlns:a16="http://schemas.microsoft.com/office/drawing/2014/main" id="{3302DF14-CA9B-4C85-16D1-AE914D7EB7E7}"/>
               </a:ext>
             </a:extLst>
           </p:cNvPr>
@@ -2695,6 +3132,9 @@
             <a:off x="5183188" y="987425"/>
             <a:ext cx="6172200" cy="4873625"/>
           </a:xfrm>
+          <a:prstGeom prst="rect">
+            <a:avLst/>
+          </a:prstGeom>
         </p:spPr>
         <p:txBody>
           <a:bodyPr/>
@@ -2737,7 +3177,10 @@
             </a:lvl9pPr>
           </a:lstStyle>
           <a:p>
-            <a:endParaRPr lang="en-US"/>
+            <a:r>
+              <a:rPr lang="en-US"/>
+              <a:t>Click icon to add picture</a:t>
+            </a:r>
           </a:p>
         </p:txBody>
       </p:sp>
@@ -2746,7 +3189,7 @@
           <p:cNvPr id="4" name="Text Placeholder 3">
             <a:extLst>
               <a:ext uri="{FF2B5EF4-FFF2-40B4-BE49-F238E27FC236}">
-                <a16:creationId xmlns:a16="http://schemas.microsoft.com/office/drawing/2014/main" id="{390B86E7-BC7A-324F-5231-BB8844695F10}"/>
+                <a16:creationId xmlns:a16="http://schemas.microsoft.com/office/drawing/2014/main" id="{449386B6-C485-3496-A8CD-9C25B60A4255}"/>
               </a:ext>
             </a:extLst>
           </p:cNvPr>
@@ -2762,6 +3205,9 @@
             <a:off x="839788" y="2057400"/>
             <a:ext cx="3932237" cy="3811588"/>
           </a:xfrm>
+          <a:prstGeom prst="rect">
+            <a:avLst/>
+          </a:prstGeom>
         </p:spPr>
         <p:txBody>
           <a:bodyPr/>
@@ -2817,7 +3263,7 @@
           <p:cNvPr id="5" name="Date Placeholder 4">
             <a:extLst>
               <a:ext uri="{FF2B5EF4-FFF2-40B4-BE49-F238E27FC236}">
-                <a16:creationId xmlns:a16="http://schemas.microsoft.com/office/drawing/2014/main" id="{CA9F4411-F5FF-7DD9-8280-4EAE80811D9F}"/>
+                <a16:creationId xmlns:a16="http://schemas.microsoft.com/office/drawing/2014/main" id="{DBD5F565-8080-7E82-246E-1EDDAAC2C236}"/>
               </a:ext>
             </a:extLst>
           </p:cNvPr>
@@ -2828,14 +3274,22 @@
             <p:ph type="dt" sz="half" idx="10"/>
           </p:nvPr>
         </p:nvSpPr>
-        <p:spPr/>
+        <p:spPr>
+          <a:xfrm>
+            <a:off x="838200" y="6445249"/>
+            <a:ext cx="2743200" cy="365125"/>
+          </a:xfrm>
+          <a:prstGeom prst="rect">
+            <a:avLst/>
+          </a:prstGeom>
+        </p:spPr>
         <p:txBody>
           <a:bodyPr/>
           <a:lstStyle/>
           <a:p>
-            <a:fld id="{0D69348B-4620-44E9-BF3F-EACBA9EEF323}" type="datetimeFigureOut">
+            <a:fld id="{71087A05-F855-4434-8DDE-39A8542098A6}" type="datetimeFigureOut">
               <a:rPr lang="en-US" smtClean="0"/>
-              <a:t>11/26/2024</a:t>
+              <a:t>12/17/2024</a:t>
             </a:fld>
             <a:endParaRPr lang="en-US"/>
           </a:p>
@@ -2846,7 +3300,7 @@
           <p:cNvPr id="6" name="Footer Placeholder 5">
             <a:extLst>
               <a:ext uri="{FF2B5EF4-FFF2-40B4-BE49-F238E27FC236}">
-                <a16:creationId xmlns:a16="http://schemas.microsoft.com/office/drawing/2014/main" id="{BD00158C-2DC0-C40D-E476-8D815E2210E6}"/>
+                <a16:creationId xmlns:a16="http://schemas.microsoft.com/office/drawing/2014/main" id="{C9E12A3F-827C-0539-3AFC-062DDE283567}"/>
               </a:ext>
             </a:extLst>
           </p:cNvPr>
@@ -2857,7 +3311,15 @@
             <p:ph type="ftr" sz="quarter" idx="11"/>
           </p:nvPr>
         </p:nvSpPr>
-        <p:spPr/>
+        <p:spPr>
+          <a:xfrm>
+            <a:off x="4038600" y="6356350"/>
+            <a:ext cx="4114800" cy="365125"/>
+          </a:xfrm>
+          <a:prstGeom prst="rect">
+            <a:avLst/>
+          </a:prstGeom>
+        </p:spPr>
         <p:txBody>
           <a:bodyPr/>
           <a:lstStyle/>
@@ -2871,7 +3333,7 @@
           <p:cNvPr id="7" name="Slide Number Placeholder 6">
             <a:extLst>
               <a:ext uri="{FF2B5EF4-FFF2-40B4-BE49-F238E27FC236}">
-                <a16:creationId xmlns:a16="http://schemas.microsoft.com/office/drawing/2014/main" id="{E47CEA17-958B-3F11-0DD0-F3DB57410690}"/>
+                <a16:creationId xmlns:a16="http://schemas.microsoft.com/office/drawing/2014/main" id="{516B4C84-F522-0893-1790-EF8E720A114E}"/>
               </a:ext>
             </a:extLst>
           </p:cNvPr>
@@ -2882,12 +3344,20 @@
             <p:ph type="sldNum" sz="quarter" idx="12"/>
           </p:nvPr>
         </p:nvSpPr>
-        <p:spPr/>
+        <p:spPr>
+          <a:xfrm>
+            <a:off x="8610600" y="6356350"/>
+            <a:ext cx="2743200" cy="365125"/>
+          </a:xfrm>
+          <a:prstGeom prst="rect">
+            <a:avLst/>
+          </a:prstGeom>
+        </p:spPr>
         <p:txBody>
           <a:bodyPr/>
           <a:lstStyle/>
           <a:p>
-            <a:fld id="{986C47A0-D0C4-4E8A-BEE9-37B09C3712B2}" type="slidenum">
+            <a:fld id="{6C0014F0-3D1D-4459-A530-32E6C19AE461}" type="slidenum">
               <a:rPr lang="en-US" smtClean="0"/>
               <a:t>‹#›</a:t>
             </a:fld>
@@ -2898,7 +3368,7 @@
     </p:spTree>
     <p:extLst>
       <p:ext uri="{BB962C8B-B14F-4D97-AF65-F5344CB8AC3E}">
-        <p14:creationId xmlns:p14="http://schemas.microsoft.com/office/powerpoint/2010/main" val="1801490617"/>
+        <p14:creationId xmlns:p14="http://schemas.microsoft.com/office/powerpoint/2010/main" val="422627180"/>
       </p:ext>
     </p:extLst>
   </p:cSld>
@@ -2930,7 +3400,7 @@
           <p:cNvPr id="2" name="Title 1">
             <a:extLst>
               <a:ext uri="{FF2B5EF4-FFF2-40B4-BE49-F238E27FC236}">
-                <a16:creationId xmlns:a16="http://schemas.microsoft.com/office/drawing/2014/main" id="{D6AD2E5E-D555-7E2B-7E3F-7520CC1D227E}"/>
+                <a16:creationId xmlns:a16="http://schemas.microsoft.com/office/drawing/2014/main" id="{A2992E9E-93C1-7E84-A4D5-EA127AB4BDC1}"/>
               </a:ext>
             </a:extLst>
           </p:cNvPr>
@@ -2941,7 +3411,15 @@
             <p:ph type="title"/>
           </p:nvPr>
         </p:nvSpPr>
-        <p:spPr/>
+        <p:spPr>
+          <a:xfrm>
+            <a:off x="602787" y="1498382"/>
+            <a:ext cx="10515600" cy="1325563"/>
+          </a:xfrm>
+          <a:prstGeom prst="rect">
+            <a:avLst/>
+          </a:prstGeom>
+        </p:spPr>
         <p:txBody>
           <a:bodyPr/>
           <a:lstStyle/>
@@ -2958,7 +3436,7 @@
           <p:cNvPr id="3" name="Vertical Text Placeholder 2">
             <a:extLst>
               <a:ext uri="{FF2B5EF4-FFF2-40B4-BE49-F238E27FC236}">
-                <a16:creationId xmlns:a16="http://schemas.microsoft.com/office/drawing/2014/main" id="{21BCA2AE-5C6A-0627-55FB-1213E6BA2F01}"/>
+                <a16:creationId xmlns:a16="http://schemas.microsoft.com/office/drawing/2014/main" id="{FBFF1E9B-EE9D-9A7E-EE97-87C838D9BB2F}"/>
               </a:ext>
             </a:extLst>
           </p:cNvPr>
@@ -2969,7 +3447,15 @@
             <p:ph type="body" orient="vert" idx="1"/>
           </p:nvPr>
         </p:nvSpPr>
-        <p:spPr/>
+        <p:spPr>
+          <a:xfrm>
+            <a:off x="838200" y="1825625"/>
+            <a:ext cx="10515600" cy="4351338"/>
+          </a:xfrm>
+          <a:prstGeom prst="rect">
+            <a:avLst/>
+          </a:prstGeom>
+        </p:spPr>
         <p:txBody>
           <a:bodyPr vert="eaVert"/>
           <a:lstStyle/>
@@ -3015,7 +3501,7 @@
           <p:cNvPr id="4" name="Date Placeholder 3">
             <a:extLst>
               <a:ext uri="{FF2B5EF4-FFF2-40B4-BE49-F238E27FC236}">
-                <a16:creationId xmlns:a16="http://schemas.microsoft.com/office/drawing/2014/main" id="{5107EDAF-37A2-AD0D-A11E-C6E412B7CD68}"/>
+                <a16:creationId xmlns:a16="http://schemas.microsoft.com/office/drawing/2014/main" id="{450DA212-C93A-3075-FD32-156F351E64D4}"/>
               </a:ext>
             </a:extLst>
           </p:cNvPr>
@@ -3026,14 +3512,22 @@
             <p:ph type="dt" sz="half" idx="10"/>
           </p:nvPr>
         </p:nvSpPr>
-        <p:spPr/>
+        <p:spPr>
+          <a:xfrm>
+            <a:off x="838200" y="6445249"/>
+            <a:ext cx="2743200" cy="365125"/>
+          </a:xfrm>
+          <a:prstGeom prst="rect">
+            <a:avLst/>
+          </a:prstGeom>
+        </p:spPr>
         <p:txBody>
           <a:bodyPr/>
           <a:lstStyle/>
           <a:p>
-            <a:fld id="{0D69348B-4620-44E9-BF3F-EACBA9EEF323}" type="datetimeFigureOut">
+            <a:fld id="{71087A05-F855-4434-8DDE-39A8542098A6}" type="datetimeFigureOut">
               <a:rPr lang="en-US" smtClean="0"/>
-              <a:t>11/26/2024</a:t>
+              <a:t>12/17/2024</a:t>
             </a:fld>
             <a:endParaRPr lang="en-US"/>
           </a:p>
@@ -3044,7 +3538,7 @@
           <p:cNvPr id="5" name="Footer Placeholder 4">
             <a:extLst>
               <a:ext uri="{FF2B5EF4-FFF2-40B4-BE49-F238E27FC236}">
-                <a16:creationId xmlns:a16="http://schemas.microsoft.com/office/drawing/2014/main" id="{17AABE0A-6316-1BFF-88AA-1E305E3595C5}"/>
+                <a16:creationId xmlns:a16="http://schemas.microsoft.com/office/drawing/2014/main" id="{D6AA4E94-35D9-7831-A0BB-9A28BFA422BE}"/>
               </a:ext>
             </a:extLst>
           </p:cNvPr>
@@ -3055,7 +3549,15 @@
             <p:ph type="ftr" sz="quarter" idx="11"/>
           </p:nvPr>
         </p:nvSpPr>
-        <p:spPr/>
+        <p:spPr>
+          <a:xfrm>
+            <a:off x="4038600" y="6356350"/>
+            <a:ext cx="4114800" cy="365125"/>
+          </a:xfrm>
+          <a:prstGeom prst="rect">
+            <a:avLst/>
+          </a:prstGeom>
+        </p:spPr>
         <p:txBody>
           <a:bodyPr/>
           <a:lstStyle/>
@@ -3069,7 +3571,7 @@
           <p:cNvPr id="6" name="Slide Number Placeholder 5">
             <a:extLst>
               <a:ext uri="{FF2B5EF4-FFF2-40B4-BE49-F238E27FC236}">
-                <a16:creationId xmlns:a16="http://schemas.microsoft.com/office/drawing/2014/main" id="{FC568FF5-9BB0-1800-E4BA-438F3408E54B}"/>
+                <a16:creationId xmlns:a16="http://schemas.microsoft.com/office/drawing/2014/main" id="{2E0B5BE5-01BB-5041-6101-F169276B2397}"/>
               </a:ext>
             </a:extLst>
           </p:cNvPr>
@@ -3080,12 +3582,20 @@
             <p:ph type="sldNum" sz="quarter" idx="12"/>
           </p:nvPr>
         </p:nvSpPr>
-        <p:spPr/>
+        <p:spPr>
+          <a:xfrm>
+            <a:off x="8610600" y="6356350"/>
+            <a:ext cx="2743200" cy="365125"/>
+          </a:xfrm>
+          <a:prstGeom prst="rect">
+            <a:avLst/>
+          </a:prstGeom>
+        </p:spPr>
         <p:txBody>
           <a:bodyPr/>
           <a:lstStyle/>
           <a:p>
-            <a:fld id="{986C47A0-D0C4-4E8A-BEE9-37B09C3712B2}" type="slidenum">
+            <a:fld id="{6C0014F0-3D1D-4459-A530-32E6C19AE461}" type="slidenum">
               <a:rPr lang="en-US" smtClean="0"/>
               <a:t>‹#›</a:t>
             </a:fld>
@@ -3096,7 +3606,7 @@
     </p:spTree>
     <p:extLst>
       <p:ext uri="{BB962C8B-B14F-4D97-AF65-F5344CB8AC3E}">
-        <p14:creationId xmlns:p14="http://schemas.microsoft.com/office/powerpoint/2010/main" val="246953702"/>
+        <p14:creationId xmlns:p14="http://schemas.microsoft.com/office/powerpoint/2010/main" val="1722029098"/>
       </p:ext>
     </p:extLst>
   </p:cSld>
@@ -3128,7 +3638,7 @@
           <p:cNvPr id="2" name="Vertical Title 1">
             <a:extLst>
               <a:ext uri="{FF2B5EF4-FFF2-40B4-BE49-F238E27FC236}">
-                <a16:creationId xmlns:a16="http://schemas.microsoft.com/office/drawing/2014/main" id="{AAE8DA51-17B9-3E3B-6597-C3149EC564E7}"/>
+                <a16:creationId xmlns:a16="http://schemas.microsoft.com/office/drawing/2014/main" id="{B7D370E5-4104-4DF4-CE6F-43777E948DFD}"/>
               </a:ext>
             </a:extLst>
           </p:cNvPr>
@@ -3144,6 +3654,9 @@
             <a:off x="8724900" y="365125"/>
             <a:ext cx="2628900" cy="5811838"/>
           </a:xfrm>
+          <a:prstGeom prst="rect">
+            <a:avLst/>
+          </a:prstGeom>
         </p:spPr>
         <p:txBody>
           <a:bodyPr vert="eaVert"/>
@@ -3161,7 +3674,7 @@
           <p:cNvPr id="3" name="Vertical Text Placeholder 2">
             <a:extLst>
               <a:ext uri="{FF2B5EF4-FFF2-40B4-BE49-F238E27FC236}">
-                <a16:creationId xmlns:a16="http://schemas.microsoft.com/office/drawing/2014/main" id="{C43333B4-9DAF-48B6-30CB-E3B610BEF084}"/>
+                <a16:creationId xmlns:a16="http://schemas.microsoft.com/office/drawing/2014/main" id="{3CEA6D81-DFD1-D8AC-EC26-DC0557526EE4}"/>
               </a:ext>
             </a:extLst>
           </p:cNvPr>
@@ -3177,6 +3690,9 @@
             <a:off x="838200" y="365125"/>
             <a:ext cx="7734300" cy="5811838"/>
           </a:xfrm>
+          <a:prstGeom prst="rect">
+            <a:avLst/>
+          </a:prstGeom>
         </p:spPr>
         <p:txBody>
           <a:bodyPr vert="eaVert"/>
@@ -3223,7 +3739,7 @@
           <p:cNvPr id="4" name="Date Placeholder 3">
             <a:extLst>
               <a:ext uri="{FF2B5EF4-FFF2-40B4-BE49-F238E27FC236}">
-                <a16:creationId xmlns:a16="http://schemas.microsoft.com/office/drawing/2014/main" id="{6086BDD1-83F5-3D7A-8DD5-DF362A8AD1E7}"/>
+                <a16:creationId xmlns:a16="http://schemas.microsoft.com/office/drawing/2014/main" id="{60E27890-E421-871D-9D4F-F7E5B558B71E}"/>
               </a:ext>
             </a:extLst>
           </p:cNvPr>
@@ -3234,14 +3750,22 @@
             <p:ph type="dt" sz="half" idx="10"/>
           </p:nvPr>
         </p:nvSpPr>
-        <p:spPr/>
+        <p:spPr>
+          <a:xfrm>
+            <a:off x="838200" y="6445249"/>
+            <a:ext cx="2743200" cy="365125"/>
+          </a:xfrm>
+          <a:prstGeom prst="rect">
+            <a:avLst/>
+          </a:prstGeom>
+        </p:spPr>
         <p:txBody>
           <a:bodyPr/>
           <a:lstStyle/>
           <a:p>
-            <a:fld id="{0D69348B-4620-44E9-BF3F-EACBA9EEF323}" type="datetimeFigureOut">
+            <a:fld id="{71087A05-F855-4434-8DDE-39A8542098A6}" type="datetimeFigureOut">
               <a:rPr lang="en-US" smtClean="0"/>
-              <a:t>11/26/2024</a:t>
+              <a:t>12/17/2024</a:t>
             </a:fld>
             <a:endParaRPr lang="en-US"/>
           </a:p>
@@ -3252,7 +3776,7 @@
           <p:cNvPr id="5" name="Footer Placeholder 4">
             <a:extLst>
               <a:ext uri="{FF2B5EF4-FFF2-40B4-BE49-F238E27FC236}">
-                <a16:creationId xmlns:a16="http://schemas.microsoft.com/office/drawing/2014/main" id="{4CD22109-0E78-0957-7BBE-F0B6D89EFBB0}"/>
+                <a16:creationId xmlns:a16="http://schemas.microsoft.com/office/drawing/2014/main" id="{B7A93CF4-905B-F31B-69BD-9BEBF9008D86}"/>
               </a:ext>
             </a:extLst>
           </p:cNvPr>
@@ -3263,7 +3787,15 @@
             <p:ph type="ftr" sz="quarter" idx="11"/>
           </p:nvPr>
         </p:nvSpPr>
-        <p:spPr/>
+        <p:spPr>
+          <a:xfrm>
+            <a:off x="4038600" y="6356350"/>
+            <a:ext cx="4114800" cy="365125"/>
+          </a:xfrm>
+          <a:prstGeom prst="rect">
+            <a:avLst/>
+          </a:prstGeom>
+        </p:spPr>
         <p:txBody>
           <a:bodyPr/>
           <a:lstStyle/>
@@ -3277,7 +3809,7 @@
           <p:cNvPr id="6" name="Slide Number Placeholder 5">
             <a:extLst>
               <a:ext uri="{FF2B5EF4-FFF2-40B4-BE49-F238E27FC236}">
-                <a16:creationId xmlns:a16="http://schemas.microsoft.com/office/drawing/2014/main" id="{292DE250-FF35-6AD5-3A95-9CDBFE6C2373}"/>
+                <a16:creationId xmlns:a16="http://schemas.microsoft.com/office/drawing/2014/main" id="{B9BD2B1C-442A-F5C9-9AEB-F9DE0158660F}"/>
               </a:ext>
             </a:extLst>
           </p:cNvPr>
@@ -3288,104 +3820,31 @@
             <p:ph type="sldNum" sz="quarter" idx="12"/>
           </p:nvPr>
         </p:nvSpPr>
-        <p:spPr/>
-        <p:txBody>
-          <a:bodyPr/>
-          <a:lstStyle/>
-          <a:p>
-            <a:fld id="{986C47A0-D0C4-4E8A-BEE9-37B09C3712B2}" type="slidenum">
-              <a:rPr lang="en-US" smtClean="0"/>
-              <a:t>‹#›</a:t>
-            </a:fld>
-            <a:endParaRPr lang="en-US"/>
-          </a:p>
-        </p:txBody>
-      </p:sp>
-    </p:spTree>
-    <p:extLst>
-      <p:ext uri="{BB962C8B-B14F-4D97-AF65-F5344CB8AC3E}">
-        <p14:creationId xmlns:p14="http://schemas.microsoft.com/office/powerpoint/2010/main" val="2492140018"/>
-      </p:ext>
-    </p:extLst>
-  </p:cSld>
-  <p:clrMapOvr>
-    <a:masterClrMapping/>
-  </p:clrMapOvr>
-</p:sldLayout>
-</file>
-
-<file path=ppt/slideLayouts/slideLayout18.xml><?xml version="1.0" encoding="utf-8"?>
-<p:sldLayout xmlns:a="http://schemas.openxmlformats.org/drawingml/2006/main" xmlns:r="http://schemas.openxmlformats.org/officeDocument/2006/relationships" xmlns:p="http://schemas.openxmlformats.org/presentationml/2006/main">
-  <p:cSld name="Contents slide layout">
-    <p:spTree>
-      <p:nvGrpSpPr>
-        <p:cNvPr id="1" name=""/>
-        <p:cNvGrpSpPr/>
-        <p:nvPr/>
-      </p:nvGrpSpPr>
-      <p:grpSpPr>
-        <a:xfrm>
-          <a:off x="0" y="0"/>
-          <a:ext cx="0" cy="0"/>
-          <a:chOff x="0" y="0"/>
-          <a:chExt cx="0" cy="0"/>
-        </a:xfrm>
-      </p:grpSpPr>
-      <p:sp>
-        <p:nvSpPr>
-          <p:cNvPr id="2" name="Text Placeholder 9">
-            <a:extLst>
-              <a:ext uri="{FF2B5EF4-FFF2-40B4-BE49-F238E27FC236}">
-                <a16:creationId xmlns:a16="http://schemas.microsoft.com/office/drawing/2014/main" id="{23DE32A5-6181-4C51-AD5C-3F1A448478A1}"/>
-              </a:ext>
-            </a:extLst>
-          </p:cNvPr>
-          <p:cNvSpPr>
-            <a:spLocks noGrp="1"/>
-          </p:cNvSpPr>
-          <p:nvPr>
-            <p:ph type="body" sz="quarter" idx="10" hasCustomPrompt="1"/>
-          </p:nvPr>
-        </p:nvSpPr>
         <p:spPr>
           <a:xfrm>
-            <a:off x="323529" y="339509"/>
-            <a:ext cx="11573197" cy="724247"/>
+            <a:off x="8610600" y="6356350"/>
+            <a:ext cx="2743200" cy="365125"/>
           </a:xfrm>
           <a:prstGeom prst="rect">
             <a:avLst/>
           </a:prstGeom>
         </p:spPr>
         <p:txBody>
-          <a:bodyPr anchor="ctr"/>
-          <a:lstStyle>
-            <a:lvl1pPr marL="0" indent="0" algn="ctr">
-              <a:buNone/>
-              <a:defRPr sz="5400" b="0" baseline="0">
-                <a:solidFill>
-                  <a:schemeClr val="tx1">
-                    <a:lumMod val="85000"/>
-                    <a:lumOff val="15000"/>
-                  </a:schemeClr>
-                </a:solidFill>
-                <a:latin typeface="+mj-lt"/>
-                <a:cs typeface="Arial" pitchFamily="34" charset="0"/>
-              </a:defRPr>
-            </a:lvl1pPr>
-          </a:lstStyle>
-          <a:p>
-            <a:pPr lvl="0"/>
-            <a:r>
-              <a:rPr lang="en-US" altLang="ko-KR" dirty="0"/>
-              <a:t>BASIC LAYOUT</a:t>
-            </a:r>
+          <a:bodyPr/>
+          <a:lstStyle/>
+          <a:p>
+            <a:fld id="{6C0014F0-3D1D-4459-A530-32E6C19AE461}" type="slidenum">
+              <a:rPr lang="en-US" smtClean="0"/>
+              <a:t>‹#›</a:t>
+            </a:fld>
+            <a:endParaRPr lang="en-US"/>
           </a:p>
         </p:txBody>
       </p:sp>
     </p:spTree>
     <p:extLst>
       <p:ext uri="{BB962C8B-B14F-4D97-AF65-F5344CB8AC3E}">
-        <p14:creationId xmlns:p14="http://schemas.microsoft.com/office/powerpoint/2010/main" val="2326417790"/>
+        <p14:creationId xmlns:p14="http://schemas.microsoft.com/office/powerpoint/2010/main" val="1330506447"/>
       </p:ext>
     </p:extLst>
   </p:cSld>
@@ -3740,7 +4199,7 @@
           <a:p>
             <a:fld id="{0BE24BAF-58C0-4D38-ABA0-4170CC92DC13}" type="datetimeFigureOut">
               <a:rPr lang="en-US" smtClean="0"/>
-              <a:t>11/26/2024</a:t>
+              <a:t>12/17/2024</a:t>
             </a:fld>
             <a:endParaRPr lang="en-US"/>
           </a:p>
@@ -3895,7 +4354,7 @@
 </file>
 
 <file path=ppt/slideLayouts/slideLayout7.xml><?xml version="1.0" encoding="utf-8"?>
-<p:sldLayout xmlns:a="http://schemas.openxmlformats.org/drawingml/2006/main" xmlns:r="http://schemas.openxmlformats.org/officeDocument/2006/relationships" xmlns:p="http://schemas.openxmlformats.org/presentationml/2006/main" type="title" preserve="1">
+<p:sldLayout xmlns:a="http://schemas.openxmlformats.org/drawingml/2006/main" xmlns:r="http://schemas.openxmlformats.org/officeDocument/2006/relationships" xmlns:p="http://schemas.openxmlformats.org/presentationml/2006/main" preserve="1" userDrawn="1">
   <p:cSld name="Title Slide">
     <p:spTree>
       <p:nvGrpSpPr>
@@ -3911,200 +4370,10 @@
           <a:chExt cx="0" cy="0"/>
         </a:xfrm>
       </p:grpSpPr>
-      <p:sp>
-        <p:nvSpPr>
-          <p:cNvPr id="2" name="Title 1">
-            <a:extLst>
-              <a:ext uri="{FF2B5EF4-FFF2-40B4-BE49-F238E27FC236}">
-                <a16:creationId xmlns:a16="http://schemas.microsoft.com/office/drawing/2014/main" id="{DD581941-0C9F-2373-780E-9153E7306EE0}"/>
-              </a:ext>
-            </a:extLst>
-          </p:cNvPr>
-          <p:cNvSpPr>
-            <a:spLocks noGrp="1"/>
-          </p:cNvSpPr>
-          <p:nvPr>
-            <p:ph type="ctrTitle"/>
-          </p:nvPr>
-        </p:nvSpPr>
-        <p:spPr>
-          <a:xfrm>
-            <a:off x="1524000" y="1122363"/>
-            <a:ext cx="9144000" cy="2387600"/>
-          </a:xfrm>
-        </p:spPr>
-        <p:txBody>
-          <a:bodyPr anchor="b"/>
-          <a:lstStyle>
-            <a:lvl1pPr algn="ctr">
-              <a:defRPr sz="6000"/>
-            </a:lvl1pPr>
-          </a:lstStyle>
-          <a:p>
-            <a:r>
-              <a:rPr lang="en-US"/>
-              <a:t>Click to edit Master title style</a:t>
-            </a:r>
-          </a:p>
-        </p:txBody>
-      </p:sp>
-      <p:sp>
-        <p:nvSpPr>
-          <p:cNvPr id="3" name="Subtitle 2">
-            <a:extLst>
-              <a:ext uri="{FF2B5EF4-FFF2-40B4-BE49-F238E27FC236}">
-                <a16:creationId xmlns:a16="http://schemas.microsoft.com/office/drawing/2014/main" id="{FC927A9A-3EED-7C12-0FFF-384113480AA1}"/>
-              </a:ext>
-            </a:extLst>
-          </p:cNvPr>
-          <p:cNvSpPr>
-            <a:spLocks noGrp="1"/>
-          </p:cNvSpPr>
-          <p:nvPr>
-            <p:ph type="subTitle" idx="1"/>
-          </p:nvPr>
-        </p:nvSpPr>
-        <p:spPr>
-          <a:xfrm>
-            <a:off x="1524000" y="3602038"/>
-            <a:ext cx="9144000" cy="1655762"/>
-          </a:xfrm>
-        </p:spPr>
-        <p:txBody>
-          <a:bodyPr/>
-          <a:lstStyle>
-            <a:lvl1pPr marL="0" indent="0" algn="ctr">
-              <a:buNone/>
-              <a:defRPr sz="2400"/>
-            </a:lvl1pPr>
-            <a:lvl2pPr marL="457200" indent="0" algn="ctr">
-              <a:buNone/>
-              <a:defRPr sz="2000"/>
-            </a:lvl2pPr>
-            <a:lvl3pPr marL="914400" indent="0" algn="ctr">
-              <a:buNone/>
-              <a:defRPr sz="1800"/>
-            </a:lvl3pPr>
-            <a:lvl4pPr marL="1371600" indent="0" algn="ctr">
-              <a:buNone/>
-              <a:defRPr sz="1600"/>
-            </a:lvl4pPr>
-            <a:lvl5pPr marL="1828800" indent="0" algn="ctr">
-              <a:buNone/>
-              <a:defRPr sz="1600"/>
-            </a:lvl5pPr>
-            <a:lvl6pPr marL="2286000" indent="0" algn="ctr">
-              <a:buNone/>
-              <a:defRPr sz="1600"/>
-            </a:lvl6pPr>
-            <a:lvl7pPr marL="2743200" indent="0" algn="ctr">
-              <a:buNone/>
-              <a:defRPr sz="1600"/>
-            </a:lvl7pPr>
-            <a:lvl8pPr marL="3200400" indent="0" algn="ctr">
-              <a:buNone/>
-              <a:defRPr sz="1600"/>
-            </a:lvl8pPr>
-            <a:lvl9pPr marL="3657600" indent="0" algn="ctr">
-              <a:buNone/>
-              <a:defRPr sz="1600"/>
-            </a:lvl9pPr>
-          </a:lstStyle>
-          <a:p>
-            <a:r>
-              <a:rPr lang="en-US"/>
-              <a:t>Click to edit Master subtitle style</a:t>
-            </a:r>
-          </a:p>
-        </p:txBody>
-      </p:sp>
-      <p:sp>
-        <p:nvSpPr>
-          <p:cNvPr id="4" name="Date Placeholder 3">
-            <a:extLst>
-              <a:ext uri="{FF2B5EF4-FFF2-40B4-BE49-F238E27FC236}">
-                <a16:creationId xmlns:a16="http://schemas.microsoft.com/office/drawing/2014/main" id="{E43FE0D7-D5FB-3326-9483-F15495075853}"/>
-              </a:ext>
-            </a:extLst>
-          </p:cNvPr>
-          <p:cNvSpPr>
-            <a:spLocks noGrp="1"/>
-          </p:cNvSpPr>
-          <p:nvPr>
-            <p:ph type="dt" sz="half" idx="10"/>
-          </p:nvPr>
-        </p:nvSpPr>
-        <p:spPr/>
-        <p:txBody>
-          <a:bodyPr/>
-          <a:lstStyle/>
-          <a:p>
-            <a:fld id="{0BE24BAF-58C0-4D38-ABA0-4170CC92DC13}" type="datetimeFigureOut">
-              <a:rPr lang="en-US" smtClean="0"/>
-              <a:t>11/26/2024</a:t>
-            </a:fld>
-            <a:endParaRPr lang="en-US"/>
-          </a:p>
-        </p:txBody>
-      </p:sp>
-      <p:sp>
-        <p:nvSpPr>
-          <p:cNvPr id="5" name="Footer Placeholder 4">
-            <a:extLst>
-              <a:ext uri="{FF2B5EF4-FFF2-40B4-BE49-F238E27FC236}">
-                <a16:creationId xmlns:a16="http://schemas.microsoft.com/office/drawing/2014/main" id="{AAEBCD6E-6B69-E7FF-A8EA-F8E294BDA7E7}"/>
-              </a:ext>
-            </a:extLst>
-          </p:cNvPr>
-          <p:cNvSpPr>
-            <a:spLocks noGrp="1"/>
-          </p:cNvSpPr>
-          <p:nvPr>
-            <p:ph type="ftr" sz="quarter" idx="11"/>
-          </p:nvPr>
-        </p:nvSpPr>
-        <p:spPr/>
-        <p:txBody>
-          <a:bodyPr/>
-          <a:lstStyle/>
-          <a:p>
-            <a:endParaRPr lang="en-US"/>
-          </a:p>
-        </p:txBody>
-      </p:sp>
-      <p:sp>
-        <p:nvSpPr>
-          <p:cNvPr id="6" name="Slide Number Placeholder 5">
-            <a:extLst>
-              <a:ext uri="{FF2B5EF4-FFF2-40B4-BE49-F238E27FC236}">
-                <a16:creationId xmlns:a16="http://schemas.microsoft.com/office/drawing/2014/main" id="{FF22DB5A-E75D-49DD-123C-37B6BC85E903}"/>
-              </a:ext>
-            </a:extLst>
-          </p:cNvPr>
-          <p:cNvSpPr>
-            <a:spLocks noGrp="1"/>
-          </p:cNvSpPr>
-          <p:nvPr>
-            <p:ph type="sldNum" sz="quarter" idx="12"/>
-          </p:nvPr>
-        </p:nvSpPr>
-        <p:spPr/>
-        <p:txBody>
-          <a:bodyPr/>
-          <a:lstStyle/>
-          <a:p>
-            <a:fld id="{13D5471E-615E-4FAD-96CF-E230E8BB09F6}" type="slidenum">
-              <a:rPr lang="en-US" smtClean="0"/>
-              <a:t>‹#›</a:t>
-            </a:fld>
-            <a:endParaRPr lang="en-US"/>
-          </a:p>
-        </p:txBody>
-      </p:sp>
     </p:spTree>
     <p:extLst>
       <p:ext uri="{BB962C8B-B14F-4D97-AF65-F5344CB8AC3E}">
-        <p14:creationId xmlns:p14="http://schemas.microsoft.com/office/powerpoint/2010/main" val="267940307"/>
+        <p14:creationId xmlns:p14="http://schemas.microsoft.com/office/powerpoint/2010/main" val="824689669"/>
       </p:ext>
     </p:extLst>
   </p:cSld>
@@ -4136,7 +4405,7 @@
           <p:cNvPr id="2" name="Title 1">
             <a:extLst>
               <a:ext uri="{FF2B5EF4-FFF2-40B4-BE49-F238E27FC236}">
-                <a16:creationId xmlns:a16="http://schemas.microsoft.com/office/drawing/2014/main" id="{9B53F3F8-E052-488D-90D0-D947B99C4AE2}"/>
+                <a16:creationId xmlns:a16="http://schemas.microsoft.com/office/drawing/2014/main" id="{6A54579A-6906-4E6D-591C-C727DF060739}"/>
               </a:ext>
             </a:extLst>
           </p:cNvPr>
@@ -4147,7 +4416,15 @@
             <p:ph type="title"/>
           </p:nvPr>
         </p:nvSpPr>
-        <p:spPr/>
+        <p:spPr>
+          <a:xfrm>
+            <a:off x="602787" y="1498382"/>
+            <a:ext cx="10515600" cy="1325563"/>
+          </a:xfrm>
+          <a:prstGeom prst="rect">
+            <a:avLst/>
+          </a:prstGeom>
+        </p:spPr>
         <p:txBody>
           <a:bodyPr/>
           <a:lstStyle/>
@@ -4164,7 +4441,7 @@
           <p:cNvPr id="3" name="Content Placeholder 2">
             <a:extLst>
               <a:ext uri="{FF2B5EF4-FFF2-40B4-BE49-F238E27FC236}">
-                <a16:creationId xmlns:a16="http://schemas.microsoft.com/office/drawing/2014/main" id="{EDD73720-466D-068E-61C9-BDF9BF686AF3}"/>
+                <a16:creationId xmlns:a16="http://schemas.microsoft.com/office/drawing/2014/main" id="{9C426EAA-227D-5ECA-282E-3A3B3C8AE97C}"/>
               </a:ext>
             </a:extLst>
           </p:cNvPr>
@@ -4175,7 +4452,15 @@
             <p:ph idx="1"/>
           </p:nvPr>
         </p:nvSpPr>
-        <p:spPr/>
+        <p:spPr>
+          <a:xfrm>
+            <a:off x="838200" y="1825625"/>
+            <a:ext cx="10515600" cy="4351338"/>
+          </a:xfrm>
+          <a:prstGeom prst="rect">
+            <a:avLst/>
+          </a:prstGeom>
+        </p:spPr>
         <p:txBody>
           <a:bodyPr/>
           <a:lstStyle/>
@@ -4221,7 +4506,7 @@
           <p:cNvPr id="4" name="Date Placeholder 3">
             <a:extLst>
               <a:ext uri="{FF2B5EF4-FFF2-40B4-BE49-F238E27FC236}">
-                <a16:creationId xmlns:a16="http://schemas.microsoft.com/office/drawing/2014/main" id="{86D8B675-57D5-D89F-01F5-209268AB9E4B}"/>
+                <a16:creationId xmlns:a16="http://schemas.microsoft.com/office/drawing/2014/main" id="{7F651069-7D1F-49B9-3F01-D52A9F3A60B7}"/>
               </a:ext>
             </a:extLst>
           </p:cNvPr>
@@ -4232,14 +4517,22 @@
             <p:ph type="dt" sz="half" idx="10"/>
           </p:nvPr>
         </p:nvSpPr>
-        <p:spPr/>
+        <p:spPr>
+          <a:xfrm>
+            <a:off x="838200" y="6445249"/>
+            <a:ext cx="2743200" cy="365125"/>
+          </a:xfrm>
+          <a:prstGeom prst="rect">
+            <a:avLst/>
+          </a:prstGeom>
+        </p:spPr>
         <p:txBody>
           <a:bodyPr/>
           <a:lstStyle/>
           <a:p>
-            <a:fld id="{0D69348B-4620-44E9-BF3F-EACBA9EEF323}" type="datetimeFigureOut">
+            <a:fld id="{71087A05-F855-4434-8DDE-39A8542098A6}" type="datetimeFigureOut">
               <a:rPr lang="en-US" smtClean="0"/>
-              <a:t>11/26/2024</a:t>
+              <a:t>12/17/2024</a:t>
             </a:fld>
             <a:endParaRPr lang="en-US"/>
           </a:p>
@@ -4250,7 +4543,7 @@
           <p:cNvPr id="5" name="Footer Placeholder 4">
             <a:extLst>
               <a:ext uri="{FF2B5EF4-FFF2-40B4-BE49-F238E27FC236}">
-                <a16:creationId xmlns:a16="http://schemas.microsoft.com/office/drawing/2014/main" id="{7053F998-E2CB-02E4-49BF-97696F865F45}"/>
+                <a16:creationId xmlns:a16="http://schemas.microsoft.com/office/drawing/2014/main" id="{5756067D-C727-84C7-612B-F665F36170EE}"/>
               </a:ext>
             </a:extLst>
           </p:cNvPr>
@@ -4261,7 +4554,15 @@
             <p:ph type="ftr" sz="quarter" idx="11"/>
           </p:nvPr>
         </p:nvSpPr>
-        <p:spPr/>
+        <p:spPr>
+          <a:xfrm>
+            <a:off x="4038600" y="6356350"/>
+            <a:ext cx="4114800" cy="365125"/>
+          </a:xfrm>
+          <a:prstGeom prst="rect">
+            <a:avLst/>
+          </a:prstGeom>
+        </p:spPr>
         <p:txBody>
           <a:bodyPr/>
           <a:lstStyle/>
@@ -4275,7 +4576,7 @@
           <p:cNvPr id="6" name="Slide Number Placeholder 5">
             <a:extLst>
               <a:ext uri="{FF2B5EF4-FFF2-40B4-BE49-F238E27FC236}">
-                <a16:creationId xmlns:a16="http://schemas.microsoft.com/office/drawing/2014/main" id="{FED59867-B8CC-A6E9-DDC7-43729DA70B76}"/>
+                <a16:creationId xmlns:a16="http://schemas.microsoft.com/office/drawing/2014/main" id="{A3C64F88-1C59-3F79-931F-4F91F22F14D3}"/>
               </a:ext>
             </a:extLst>
           </p:cNvPr>
@@ -4286,12 +4587,20 @@
             <p:ph type="sldNum" sz="quarter" idx="12"/>
           </p:nvPr>
         </p:nvSpPr>
-        <p:spPr/>
+        <p:spPr>
+          <a:xfrm>
+            <a:off x="8610600" y="6356350"/>
+            <a:ext cx="2743200" cy="365125"/>
+          </a:xfrm>
+          <a:prstGeom prst="rect">
+            <a:avLst/>
+          </a:prstGeom>
+        </p:spPr>
         <p:txBody>
           <a:bodyPr/>
           <a:lstStyle/>
           <a:p>
-            <a:fld id="{986C47A0-D0C4-4E8A-BEE9-37B09C3712B2}" type="slidenum">
+            <a:fld id="{6C0014F0-3D1D-4459-A530-32E6C19AE461}" type="slidenum">
               <a:rPr lang="en-US" smtClean="0"/>
               <a:t>‹#›</a:t>
             </a:fld>
@@ -4302,7 +4611,7 @@
     </p:spTree>
     <p:extLst>
       <p:ext uri="{BB962C8B-B14F-4D97-AF65-F5344CB8AC3E}">
-        <p14:creationId xmlns:p14="http://schemas.microsoft.com/office/powerpoint/2010/main" val="1773732037"/>
+        <p14:creationId xmlns:p14="http://schemas.microsoft.com/office/powerpoint/2010/main" val="4255051361"/>
       </p:ext>
     </p:extLst>
   </p:cSld>
@@ -4334,7 +4643,7 @@
           <p:cNvPr id="2" name="Title 1">
             <a:extLst>
               <a:ext uri="{FF2B5EF4-FFF2-40B4-BE49-F238E27FC236}">
-                <a16:creationId xmlns:a16="http://schemas.microsoft.com/office/drawing/2014/main" id="{24562E59-A35F-2B41-2BE7-EC4592347134}"/>
+                <a16:creationId xmlns:a16="http://schemas.microsoft.com/office/drawing/2014/main" id="{C2E67B73-4EBE-86E7-DEDC-379A7358D71A}"/>
               </a:ext>
             </a:extLst>
           </p:cNvPr>
@@ -4350,6 +4659,9 @@
             <a:off x="831850" y="1709738"/>
             <a:ext cx="10515600" cy="2852737"/>
           </a:xfrm>
+          <a:prstGeom prst="rect">
+            <a:avLst/>
+          </a:prstGeom>
         </p:spPr>
         <p:txBody>
           <a:bodyPr anchor="b"/>
@@ -4371,7 +4683,7 @@
           <p:cNvPr id="3" name="Text Placeholder 2">
             <a:extLst>
               <a:ext uri="{FF2B5EF4-FFF2-40B4-BE49-F238E27FC236}">
-                <a16:creationId xmlns:a16="http://schemas.microsoft.com/office/drawing/2014/main" id="{6CB88CFD-8D25-CDFD-1F9A-6A5BAFD86DD9}"/>
+                <a16:creationId xmlns:a16="http://schemas.microsoft.com/office/drawing/2014/main" id="{39DC486F-4B2F-BAA7-822D-AF77A301C3EF}"/>
               </a:ext>
             </a:extLst>
           </p:cNvPr>
@@ -4387,6 +4699,9 @@
             <a:off x="831850" y="4589463"/>
             <a:ext cx="10515600" cy="1500187"/>
           </a:xfrm>
+          <a:prstGeom prst="rect">
+            <a:avLst/>
+          </a:prstGeom>
         </p:spPr>
         <p:txBody>
           <a:bodyPr/>
@@ -4396,7 +4711,7 @@
               <a:defRPr sz="2400">
                 <a:solidFill>
                   <a:schemeClr val="tx1">
-                    <a:tint val="75000"/>
+                    <a:tint val="82000"/>
                   </a:schemeClr>
                 </a:solidFill>
               </a:defRPr>
@@ -4406,7 +4721,7 @@
               <a:defRPr sz="2000">
                 <a:solidFill>
                   <a:schemeClr val="tx1">
-                    <a:tint val="75000"/>
+                    <a:tint val="82000"/>
                   </a:schemeClr>
                 </a:solidFill>
               </a:defRPr>
@@ -4416,7 +4731,7 @@
               <a:defRPr sz="1800">
                 <a:solidFill>
                   <a:schemeClr val="tx1">
-                    <a:tint val="75000"/>
+                    <a:tint val="82000"/>
                   </a:schemeClr>
                 </a:solidFill>
               </a:defRPr>
@@ -4426,7 +4741,7 @@
               <a:defRPr sz="1600">
                 <a:solidFill>
                   <a:schemeClr val="tx1">
-                    <a:tint val="75000"/>
+                    <a:tint val="82000"/>
                   </a:schemeClr>
                 </a:solidFill>
               </a:defRPr>
@@ -4436,7 +4751,7 @@
               <a:defRPr sz="1600">
                 <a:solidFill>
                   <a:schemeClr val="tx1">
-                    <a:tint val="75000"/>
+                    <a:tint val="82000"/>
                   </a:schemeClr>
                 </a:solidFill>
               </a:defRPr>
@@ -4446,7 +4761,7 @@
               <a:defRPr sz="1600">
                 <a:solidFill>
                   <a:schemeClr val="tx1">
-                    <a:tint val="75000"/>
+                    <a:tint val="82000"/>
                   </a:schemeClr>
                 </a:solidFill>
               </a:defRPr>
@@ -4456,7 +4771,7 @@
               <a:defRPr sz="1600">
                 <a:solidFill>
                   <a:schemeClr val="tx1">
-                    <a:tint val="75000"/>
+                    <a:tint val="82000"/>
                   </a:schemeClr>
                 </a:solidFill>
               </a:defRPr>
@@ -4466,7 +4781,7 @@
               <a:defRPr sz="1600">
                 <a:solidFill>
                   <a:schemeClr val="tx1">
-                    <a:tint val="75000"/>
+                    <a:tint val="82000"/>
                   </a:schemeClr>
                 </a:solidFill>
               </a:defRPr>
@@ -4476,7 +4791,7 @@
               <a:defRPr sz="1600">
                 <a:solidFill>
                   <a:schemeClr val="tx1">
-                    <a:tint val="75000"/>
+                    <a:tint val="82000"/>
                   </a:schemeClr>
                 </a:solidFill>
               </a:defRPr>
@@ -4496,7 +4811,7 @@
           <p:cNvPr id="4" name="Date Placeholder 3">
             <a:extLst>
               <a:ext uri="{FF2B5EF4-FFF2-40B4-BE49-F238E27FC236}">
-                <a16:creationId xmlns:a16="http://schemas.microsoft.com/office/drawing/2014/main" id="{5DC2235C-EA94-C1E9-D4DB-83056BF4C68F}"/>
+                <a16:creationId xmlns:a16="http://schemas.microsoft.com/office/drawing/2014/main" id="{AC1AB7C3-5E85-3B9F-4177-A1AF2AB486D8}"/>
               </a:ext>
             </a:extLst>
           </p:cNvPr>
@@ -4507,14 +4822,22 @@
             <p:ph type="dt" sz="half" idx="10"/>
           </p:nvPr>
         </p:nvSpPr>
-        <p:spPr/>
+        <p:spPr>
+          <a:xfrm>
+            <a:off x="838200" y="6445249"/>
+            <a:ext cx="2743200" cy="365125"/>
+          </a:xfrm>
+          <a:prstGeom prst="rect">
+            <a:avLst/>
+          </a:prstGeom>
+        </p:spPr>
         <p:txBody>
           <a:bodyPr/>
           <a:lstStyle/>
           <a:p>
-            <a:fld id="{0D69348B-4620-44E9-BF3F-EACBA9EEF323}" type="datetimeFigureOut">
+            <a:fld id="{71087A05-F855-4434-8DDE-39A8542098A6}" type="datetimeFigureOut">
               <a:rPr lang="en-US" smtClean="0"/>
-              <a:t>11/26/2024</a:t>
+              <a:t>12/17/2024</a:t>
             </a:fld>
             <a:endParaRPr lang="en-US"/>
           </a:p>
@@ -4525,7 +4848,7 @@
           <p:cNvPr id="5" name="Footer Placeholder 4">
             <a:extLst>
               <a:ext uri="{FF2B5EF4-FFF2-40B4-BE49-F238E27FC236}">
-                <a16:creationId xmlns:a16="http://schemas.microsoft.com/office/drawing/2014/main" id="{E178E07A-E8A4-2767-2911-D824C588F20D}"/>
+                <a16:creationId xmlns:a16="http://schemas.microsoft.com/office/drawing/2014/main" id="{8950E3CD-02DB-7A08-79DC-74CA926DE70F}"/>
               </a:ext>
             </a:extLst>
           </p:cNvPr>
@@ -4536,7 +4859,15 @@
             <p:ph type="ftr" sz="quarter" idx="11"/>
           </p:nvPr>
         </p:nvSpPr>
-        <p:spPr/>
+        <p:spPr>
+          <a:xfrm>
+            <a:off x="4038600" y="6356350"/>
+            <a:ext cx="4114800" cy="365125"/>
+          </a:xfrm>
+          <a:prstGeom prst="rect">
+            <a:avLst/>
+          </a:prstGeom>
+        </p:spPr>
         <p:txBody>
           <a:bodyPr/>
           <a:lstStyle/>
@@ -4550,7 +4881,7 @@
           <p:cNvPr id="6" name="Slide Number Placeholder 5">
             <a:extLst>
               <a:ext uri="{FF2B5EF4-FFF2-40B4-BE49-F238E27FC236}">
-                <a16:creationId xmlns:a16="http://schemas.microsoft.com/office/drawing/2014/main" id="{6D865987-67F3-82BA-9FFE-7A512551887E}"/>
+                <a16:creationId xmlns:a16="http://schemas.microsoft.com/office/drawing/2014/main" id="{78D6A67F-8469-E8AB-D35D-DEC64EA01BF9}"/>
               </a:ext>
             </a:extLst>
           </p:cNvPr>
@@ -4561,12 +4892,20 @@
             <p:ph type="sldNum" sz="quarter" idx="12"/>
           </p:nvPr>
         </p:nvSpPr>
-        <p:spPr/>
+        <p:spPr>
+          <a:xfrm>
+            <a:off x="8610600" y="6356350"/>
+            <a:ext cx="2743200" cy="365125"/>
+          </a:xfrm>
+          <a:prstGeom prst="rect">
+            <a:avLst/>
+          </a:prstGeom>
+        </p:spPr>
         <p:txBody>
           <a:bodyPr/>
           <a:lstStyle/>
           <a:p>
-            <a:fld id="{986C47A0-D0C4-4E8A-BEE9-37B09C3712B2}" type="slidenum">
+            <a:fld id="{6C0014F0-3D1D-4459-A530-32E6C19AE461}" type="slidenum">
               <a:rPr lang="en-US" smtClean="0"/>
               <a:t>‹#›</a:t>
             </a:fld>
@@ -4577,7 +4916,7 @@
     </p:spTree>
     <p:extLst>
       <p:ext uri="{BB962C8B-B14F-4D97-AF65-F5344CB8AC3E}">
-        <p14:creationId xmlns:p14="http://schemas.microsoft.com/office/powerpoint/2010/main" val="3968263454"/>
+        <p14:creationId xmlns:p14="http://schemas.microsoft.com/office/powerpoint/2010/main" val="999474788"/>
       </p:ext>
     </p:extLst>
   </p:cSld>
@@ -4646,14 +4985,14 @@
           </a:ln>
           <a:extLst>
             <a:ext uri="{909E8E84-426E-40dd-AFC4-6F175D3DCCD1}">
-              <a14:hiddenFill xmlns:a14="http://schemas.microsoft.com/office/drawing/2010/main" xmlns="">
+              <a14:hiddenFill xmlns="" xmlns:a14="http://schemas.microsoft.com/office/drawing/2010/main">
                 <a:solidFill>
                   <a:srgbClr val="FFFFFF"/>
                 </a:solidFill>
               </a14:hiddenFill>
             </a:ext>
             <a:ext uri="{91240B29-F687-4f45-9708-019B960494DF}">
-              <a14:hiddenLine xmlns:a14="http://schemas.microsoft.com/office/drawing/2010/main" xmlns="" w="9525">
+              <a14:hiddenLine xmlns="" xmlns:a14="http://schemas.microsoft.com/office/drawing/2010/main" w="9525">
                 <a:solidFill>
                   <a:srgbClr val="000000"/>
                 </a:solidFill>
@@ -5323,244 +5662,131 @@
           <a:chExt cx="0" cy="0"/>
         </a:xfrm>
       </p:grpSpPr>
-      <p:sp>
-        <p:nvSpPr>
-          <p:cNvPr id="2" name="Title Placeholder 1">
+      <p:pic>
+        <p:nvPicPr>
+          <p:cNvPr id="7" name="Picture 6">
             <a:extLst>
               <a:ext uri="{FF2B5EF4-FFF2-40B4-BE49-F238E27FC236}">
-                <a16:creationId xmlns:a16="http://schemas.microsoft.com/office/drawing/2014/main" id="{DADBBF7B-0A87-603A-6F96-ED995D2876BC}"/>
+                <a16:creationId xmlns:a16="http://schemas.microsoft.com/office/drawing/2014/main" id="{AEB2CF3C-8982-A5D5-05DB-5BF3F09E24AE}"/>
+              </a:ext>
+              <a:ext uri="{C183D7F6-B498-43B3-948B-1728B52AA6E4}">
+                <adec:decorative xmlns:adec="http://schemas.microsoft.com/office/drawing/2017/decorative" val="1"/>
               </a:ext>
             </a:extLst>
           </p:cNvPr>
-          <p:cNvSpPr>
-            <a:spLocks noGrp="1"/>
-          </p:cNvSpPr>
-          <p:nvPr>
-            <p:ph type="title"/>
-          </p:nvPr>
-        </p:nvSpPr>
+          <p:cNvPicPr>
+            <a:picLocks noChangeAspect="1"/>
+          </p:cNvPicPr>
+          <p:nvPr userDrawn="1"/>
+        </p:nvPicPr>
+        <p:blipFill>
+          <a:blip r:embed="rId13">
+            <a:extLst>
+              <a:ext uri="{28A0092B-C50C-407E-A947-70E740481C1C}">
+                <a14:useLocalDpi xmlns:a14="http://schemas.microsoft.com/office/drawing/2010/main" val="0"/>
+              </a:ext>
+            </a:extLst>
+          </a:blip>
+          <a:stretch>
+            <a:fillRect/>
+          </a:stretch>
+        </p:blipFill>
         <p:spPr>
           <a:xfrm>
-            <a:off x="838200" y="365125"/>
-            <a:ext cx="10515600" cy="1325563"/>
+            <a:off x="212436" y="236453"/>
+            <a:ext cx="11767127" cy="787737"/>
           </a:xfrm>
           <a:prstGeom prst="rect">
             <a:avLst/>
           </a:prstGeom>
         </p:spPr>
-        <p:txBody>
-          <a:bodyPr vert="horz" lIns="91440" tIns="45720" rIns="91440" bIns="45720" rtlCol="0" anchor="ctr">
-            <a:normAutofit/>
-          </a:bodyPr>
-          <a:lstStyle/>
-          <a:p>
-            <a:r>
-              <a:rPr lang="en-US"/>
-              <a:t>Click to edit Master title style</a:t>
-            </a:r>
-          </a:p>
-        </p:txBody>
-      </p:sp>
-      <p:sp>
-        <p:nvSpPr>
-          <p:cNvPr id="3" name="Text Placeholder 2">
+      </p:pic>
+      <p:cxnSp>
+        <p:nvCxnSpPr>
+          <p:cNvPr id="9" name="Straight Connector 8">
             <a:extLst>
               <a:ext uri="{FF2B5EF4-FFF2-40B4-BE49-F238E27FC236}">
-                <a16:creationId xmlns:a16="http://schemas.microsoft.com/office/drawing/2014/main" id="{1EBB9990-0CBB-2977-C631-37F97EB6D7A7}"/>
+                <a16:creationId xmlns:a16="http://schemas.microsoft.com/office/drawing/2014/main" id="{DE7FEFD9-5638-352F-A6ED-06F1FDE322D4}"/>
               </a:ext>
             </a:extLst>
           </p:cNvPr>
-          <p:cNvSpPr>
-            <a:spLocks noGrp="1"/>
-          </p:cNvSpPr>
-          <p:nvPr>
-            <p:ph type="body" idx="1"/>
-          </p:nvPr>
+          <p:cNvCxnSpPr>
+            <a:cxnSpLocks/>
+          </p:cNvCxnSpPr>
+          <p:nvPr userDrawn="1"/>
+        </p:nvCxnSpPr>
+        <p:spPr>
+          <a:xfrm>
+            <a:off x="175490" y="1099127"/>
+            <a:ext cx="11841020" cy="0"/>
+          </a:xfrm>
+          <a:prstGeom prst="line">
+            <a:avLst/>
+          </a:prstGeom>
+          <a:ln w="38100">
+            <a:solidFill>
+              <a:srgbClr val="A13C39"/>
+            </a:solidFill>
+          </a:ln>
+        </p:spPr>
+        <p:style>
+          <a:lnRef idx="2">
+            <a:schemeClr val="accent1"/>
+          </a:lnRef>
+          <a:fillRef idx="0">
+            <a:schemeClr val="accent1"/>
+          </a:fillRef>
+          <a:effectRef idx="1">
+            <a:schemeClr val="accent1"/>
+          </a:effectRef>
+          <a:fontRef idx="minor">
+            <a:schemeClr val="tx1"/>
+          </a:fontRef>
+        </p:style>
+      </p:cxnSp>
+      <p:sp>
+        <p:nvSpPr>
+          <p:cNvPr id="11" name="Rectangle 10">
+            <a:extLst>
+              <a:ext uri="{FF2B5EF4-FFF2-40B4-BE49-F238E27FC236}">
+                <a16:creationId xmlns:a16="http://schemas.microsoft.com/office/drawing/2014/main" id="{910C5C32-408D-8072-82C8-297384424B54}"/>
+              </a:ext>
+            </a:extLst>
+          </p:cNvPr>
+          <p:cNvSpPr/>
+          <p:nvPr userDrawn="1"/>
         </p:nvSpPr>
         <p:spPr>
           <a:xfrm>
-            <a:off x="838200" y="1825625"/>
-            <a:ext cx="10515600" cy="4351338"/>
+            <a:off x="175492" y="184727"/>
+            <a:ext cx="11841018" cy="6493164"/>
           </a:xfrm>
           <a:prstGeom prst="rect">
             <a:avLst/>
           </a:prstGeom>
+          <a:noFill/>
         </p:spPr>
+        <p:style>
+          <a:lnRef idx="2">
+            <a:schemeClr val="accent1">
+              <a:shade val="15000"/>
+            </a:schemeClr>
+          </a:lnRef>
+          <a:fillRef idx="1">
+            <a:schemeClr val="accent1"/>
+          </a:fillRef>
+          <a:effectRef idx="0">
+            <a:schemeClr val="accent1"/>
+          </a:effectRef>
+          <a:fontRef idx="minor">
+            <a:schemeClr val="lt1"/>
+          </a:fontRef>
+        </p:style>
         <p:txBody>
-          <a:bodyPr vert="horz" lIns="91440" tIns="45720" rIns="91440" bIns="45720" rtlCol="0">
-            <a:normAutofit/>
-          </a:bodyPr>
+          <a:bodyPr rtlCol="0" anchor="ctr"/>
           <a:lstStyle/>
           <a:p>
-            <a:pPr lvl="0"/>
-            <a:r>
-              <a:rPr lang="en-US"/>
-              <a:t>Click to edit Master text styles</a:t>
-            </a:r>
-          </a:p>
-          <a:p>
-            <a:pPr lvl="1"/>
-            <a:r>
-              <a:rPr lang="en-US"/>
-              <a:t>Second level</a:t>
-            </a:r>
-          </a:p>
-          <a:p>
-            <a:pPr lvl="2"/>
-            <a:r>
-              <a:rPr lang="en-US"/>
-              <a:t>Third level</a:t>
-            </a:r>
-          </a:p>
-          <a:p>
-            <a:pPr lvl="3"/>
-            <a:r>
-              <a:rPr lang="en-US"/>
-              <a:t>Fourth level</a:t>
-            </a:r>
-          </a:p>
-          <a:p>
-            <a:pPr lvl="4"/>
-            <a:r>
-              <a:rPr lang="en-US"/>
-              <a:t>Fifth level</a:t>
-            </a:r>
-          </a:p>
-        </p:txBody>
-      </p:sp>
-      <p:sp>
-        <p:nvSpPr>
-          <p:cNvPr id="4" name="Date Placeholder 3">
-            <a:extLst>
-              <a:ext uri="{FF2B5EF4-FFF2-40B4-BE49-F238E27FC236}">
-                <a16:creationId xmlns:a16="http://schemas.microsoft.com/office/drawing/2014/main" id="{F336638E-F817-1BC9-ECB7-18071DC44D12}"/>
-              </a:ext>
-            </a:extLst>
-          </p:cNvPr>
-          <p:cNvSpPr>
-            <a:spLocks noGrp="1"/>
-          </p:cNvSpPr>
-          <p:nvPr>
-            <p:ph type="dt" sz="half" idx="2"/>
-          </p:nvPr>
-        </p:nvSpPr>
-        <p:spPr>
-          <a:xfrm>
-            <a:off x="838200" y="6356350"/>
-            <a:ext cx="2743200" cy="365125"/>
-          </a:xfrm>
-          <a:prstGeom prst="rect">
-            <a:avLst/>
-          </a:prstGeom>
-        </p:spPr>
-        <p:txBody>
-          <a:bodyPr vert="horz" lIns="91440" tIns="45720" rIns="91440" bIns="45720" rtlCol="0" anchor="ctr"/>
-          <a:lstStyle>
-            <a:lvl1pPr algn="l">
-              <a:defRPr sz="1200">
-                <a:solidFill>
-                  <a:schemeClr val="tx1">
-                    <a:tint val="75000"/>
-                  </a:schemeClr>
-                </a:solidFill>
-              </a:defRPr>
-            </a:lvl1pPr>
-          </a:lstStyle>
-          <a:p>
-            <a:fld id="{0D69348B-4620-44E9-BF3F-EACBA9EEF323}" type="datetimeFigureOut">
-              <a:rPr lang="en-US" smtClean="0"/>
-              <a:t>11/26/2024</a:t>
-            </a:fld>
-            <a:endParaRPr lang="en-US"/>
-          </a:p>
-        </p:txBody>
-      </p:sp>
-      <p:sp>
-        <p:nvSpPr>
-          <p:cNvPr id="5" name="Footer Placeholder 4">
-            <a:extLst>
-              <a:ext uri="{FF2B5EF4-FFF2-40B4-BE49-F238E27FC236}">
-                <a16:creationId xmlns:a16="http://schemas.microsoft.com/office/drawing/2014/main" id="{60C57151-F515-08FA-FD9F-F59EDF1B6581}"/>
-              </a:ext>
-            </a:extLst>
-          </p:cNvPr>
-          <p:cNvSpPr>
-            <a:spLocks noGrp="1"/>
-          </p:cNvSpPr>
-          <p:nvPr>
-            <p:ph type="ftr" sz="quarter" idx="3"/>
-          </p:nvPr>
-        </p:nvSpPr>
-        <p:spPr>
-          <a:xfrm>
-            <a:off x="4038600" y="6356350"/>
-            <a:ext cx="4114800" cy="365125"/>
-          </a:xfrm>
-          <a:prstGeom prst="rect">
-            <a:avLst/>
-          </a:prstGeom>
-        </p:spPr>
-        <p:txBody>
-          <a:bodyPr vert="horz" lIns="91440" tIns="45720" rIns="91440" bIns="45720" rtlCol="0" anchor="ctr"/>
-          <a:lstStyle>
-            <a:lvl1pPr algn="ctr">
-              <a:defRPr sz="1200">
-                <a:solidFill>
-                  <a:schemeClr val="tx1">
-                    <a:tint val="75000"/>
-                  </a:schemeClr>
-                </a:solidFill>
-              </a:defRPr>
-            </a:lvl1pPr>
-          </a:lstStyle>
-          <a:p>
-            <a:endParaRPr lang="en-US"/>
-          </a:p>
-        </p:txBody>
-      </p:sp>
-      <p:sp>
-        <p:nvSpPr>
-          <p:cNvPr id="6" name="Slide Number Placeholder 5">
-            <a:extLst>
-              <a:ext uri="{FF2B5EF4-FFF2-40B4-BE49-F238E27FC236}">
-                <a16:creationId xmlns:a16="http://schemas.microsoft.com/office/drawing/2014/main" id="{F7D361D9-183D-9DF9-C01C-5B530B1CB880}"/>
-              </a:ext>
-            </a:extLst>
-          </p:cNvPr>
-          <p:cNvSpPr>
-            <a:spLocks noGrp="1"/>
-          </p:cNvSpPr>
-          <p:nvPr>
-            <p:ph type="sldNum" sz="quarter" idx="4"/>
-          </p:nvPr>
-        </p:nvSpPr>
-        <p:spPr>
-          <a:xfrm>
-            <a:off x="8610600" y="6356350"/>
-            <a:ext cx="2743200" cy="365125"/>
-          </a:xfrm>
-          <a:prstGeom prst="rect">
-            <a:avLst/>
-          </a:prstGeom>
-        </p:spPr>
-        <p:txBody>
-          <a:bodyPr vert="horz" lIns="91440" tIns="45720" rIns="91440" bIns="45720" rtlCol="0" anchor="ctr"/>
-          <a:lstStyle>
-            <a:lvl1pPr algn="r">
-              <a:defRPr sz="1200">
-                <a:solidFill>
-                  <a:schemeClr val="tx1">
-                    <a:tint val="75000"/>
-                  </a:schemeClr>
-                </a:solidFill>
-              </a:defRPr>
-            </a:lvl1pPr>
-          </a:lstStyle>
-          <a:p>
-            <a:fld id="{986C47A0-D0C4-4E8A-BEE9-37B09C3712B2}" type="slidenum">
-              <a:rPr lang="en-US" smtClean="0"/>
-              <a:t>‹#›</a:t>
-            </a:fld>
+            <a:pPr algn="ctr"/>
             <a:endParaRPr lang="en-US"/>
           </a:p>
         </p:txBody>
@@ -5568,28 +5794,27 @@
     </p:spTree>
     <p:extLst>
       <p:ext uri="{BB962C8B-B14F-4D97-AF65-F5344CB8AC3E}">
-        <p14:creationId xmlns:p14="http://schemas.microsoft.com/office/powerpoint/2010/main" val="3136267371"/>
+        <p14:creationId xmlns:p14="http://schemas.microsoft.com/office/powerpoint/2010/main" val="1720555471"/>
       </p:ext>
     </p:extLst>
   </p:cSld>
   <p:clrMap bg1="lt1" tx1="dk1" bg2="lt2" tx2="dk2" accent1="accent1" accent2="accent2" accent3="accent3" accent4="accent4" accent5="accent5" accent6="accent6" hlink="hlink" folHlink="folHlink"/>
   <p:sldLayoutIdLst>
-    <p:sldLayoutId id="2147483682" r:id="rId1"/>
-    <p:sldLayoutId id="2147483683" r:id="rId2"/>
-    <p:sldLayoutId id="2147483684" r:id="rId3"/>
-    <p:sldLayoutId id="2147483685" r:id="rId4"/>
-    <p:sldLayoutId id="2147483686" r:id="rId5"/>
-    <p:sldLayoutId id="2147483687" r:id="rId6"/>
-    <p:sldLayoutId id="2147483688" r:id="rId7"/>
-    <p:sldLayoutId id="2147483689" r:id="rId8"/>
-    <p:sldLayoutId id="2147483690" r:id="rId9"/>
-    <p:sldLayoutId id="2147483691" r:id="rId10"/>
-    <p:sldLayoutId id="2147483692" r:id="rId11"/>
-    <p:sldLayoutId id="2147483693" r:id="rId12"/>
+    <p:sldLayoutId id="2147483695" r:id="rId1"/>
+    <p:sldLayoutId id="2147483696" r:id="rId2"/>
+    <p:sldLayoutId id="2147483697" r:id="rId3"/>
+    <p:sldLayoutId id="2147483698" r:id="rId4"/>
+    <p:sldLayoutId id="2147483699" r:id="rId5"/>
+    <p:sldLayoutId id="2147483700" r:id="rId6"/>
+    <p:sldLayoutId id="2147483701" r:id="rId7"/>
+    <p:sldLayoutId id="2147483702" r:id="rId8"/>
+    <p:sldLayoutId id="2147483703" r:id="rId9"/>
+    <p:sldLayoutId id="2147483704" r:id="rId10"/>
+    <p:sldLayoutId id="2147483705" r:id="rId11"/>
   </p:sldLayoutIdLst>
   <p:txStyles>
     <p:titleStyle>
-      <a:lvl1pPr algn="l" defTabSz="914400" rtl="0" eaLnBrk="1" latinLnBrk="0" hangingPunct="1">
+      <a:lvl1pPr algn="ctr" defTabSz="914400" rtl="0" eaLnBrk="1" latinLnBrk="0" hangingPunct="1">
         <a:lnSpc>
           <a:spcPct val="90000"/>
         </a:lnSpc>
@@ -5889,25 +6114,54 @@
       </p:grpSpPr>
       <p:sp>
         <p:nvSpPr>
-          <p:cNvPr id="2" name="Title 1">
+          <p:cNvPr id="4" name="Title 1">
             <a:extLst>
               <a:ext uri="{FF2B5EF4-FFF2-40B4-BE49-F238E27FC236}">
                 <a16:creationId xmlns:a16="http://schemas.microsoft.com/office/drawing/2014/main" id="{6FCA7FD7-E3CD-7A2C-5AF7-2EE59026C9D4}"/>
               </a:ext>
             </a:extLst>
           </p:cNvPr>
-          <p:cNvSpPr>
-            <a:spLocks noGrp="1"/>
+          <p:cNvSpPr txBox="1">
+            <a:spLocks/>
           </p:cNvSpPr>
-          <p:nvPr>
-            <p:ph type="ctrTitle"/>
-          </p:nvPr>
+          <p:nvPr/>
         </p:nvSpPr>
-        <p:spPr/>
+        <p:spPr>
+          <a:xfrm>
+            <a:off x="1524000" y="2809337"/>
+            <a:ext cx="9638581" cy="792701"/>
+          </a:xfrm>
+          <a:prstGeom prst="rect">
+            <a:avLst/>
+          </a:prstGeom>
+        </p:spPr>
         <p:txBody>
           <a:bodyPr/>
-          <a:lstStyle/>
-          <a:p>
+          <a:lstStyle>
+            <a:lvl1pPr algn="ctr" defTabSz="914400" rtl="0" eaLnBrk="1" latinLnBrk="0" hangingPunct="1">
+              <a:lnSpc>
+                <a:spcPct val="90000"/>
+              </a:lnSpc>
+              <a:spcBef>
+                <a:spcPct val="0"/>
+              </a:spcBef>
+              <a:buNone/>
+              <a:defRPr sz="4400" kern="1200">
+                <a:solidFill>
+                  <a:schemeClr val="tx1"/>
+                </a:solidFill>
+                <a:latin typeface="+mj-lt"/>
+                <a:ea typeface="+mj-ea"/>
+                <a:cs typeface="+mj-cs"/>
+              </a:defRPr>
+            </a:lvl1pPr>
+          </a:lstStyle>
+          <a:p>
+            <a:pPr fontAlgn="auto">
+              <a:spcAft>
+                <a:spcPts val="0"/>
+              </a:spcAft>
+            </a:pPr>
             <a:r>
               <a:rPr lang="en-US" dirty="0"/>
               <a:t>CIT 361/CYBER 360: Advanced Scripting</a:t>
@@ -5917,25 +6171,200 @@
       </p:sp>
       <p:sp>
         <p:nvSpPr>
-          <p:cNvPr id="3" name="Subtitle 2">
+          <p:cNvPr id="5" name="Subtitle 2">
             <a:extLst>
               <a:ext uri="{FF2B5EF4-FFF2-40B4-BE49-F238E27FC236}">
                 <a16:creationId xmlns:a16="http://schemas.microsoft.com/office/drawing/2014/main" id="{8586CD17-5B17-5D66-987C-05DC748B3FF9}"/>
               </a:ext>
             </a:extLst>
           </p:cNvPr>
-          <p:cNvSpPr>
-            <a:spLocks noGrp="1"/>
+          <p:cNvSpPr txBox="1">
+            <a:spLocks/>
           </p:cNvSpPr>
-          <p:nvPr>
-            <p:ph type="subTitle" idx="1"/>
-          </p:nvPr>
+          <p:nvPr/>
         </p:nvSpPr>
-        <p:spPr/>
+        <p:spPr>
+          <a:xfrm>
+            <a:off x="4086956" y="3602038"/>
+            <a:ext cx="4018088" cy="486883"/>
+          </a:xfrm>
+          <a:prstGeom prst="rect">
+            <a:avLst/>
+          </a:prstGeom>
+        </p:spPr>
         <p:txBody>
           <a:bodyPr/>
-          <a:lstStyle/>
-          <a:p>
+          <a:lstStyle>
+            <a:lvl1pPr marL="228600" indent="-228600" algn="l" defTabSz="914400" rtl="0" eaLnBrk="1" latinLnBrk="0" hangingPunct="1">
+              <a:lnSpc>
+                <a:spcPct val="90000"/>
+              </a:lnSpc>
+              <a:spcBef>
+                <a:spcPts val="1000"/>
+              </a:spcBef>
+              <a:buFont typeface="Arial" panose="020B0604020202020204" pitchFamily="34" charset="0"/>
+              <a:buChar char="•"/>
+              <a:defRPr sz="2800" kern="1200">
+                <a:solidFill>
+                  <a:schemeClr val="tx1"/>
+                </a:solidFill>
+                <a:latin typeface="+mn-lt"/>
+                <a:ea typeface="+mn-ea"/>
+                <a:cs typeface="+mn-cs"/>
+              </a:defRPr>
+            </a:lvl1pPr>
+            <a:lvl2pPr marL="685800" indent="-228600" algn="l" defTabSz="914400" rtl="0" eaLnBrk="1" latinLnBrk="0" hangingPunct="1">
+              <a:lnSpc>
+                <a:spcPct val="90000"/>
+              </a:lnSpc>
+              <a:spcBef>
+                <a:spcPts val="500"/>
+              </a:spcBef>
+              <a:buFont typeface="Arial" panose="020B0604020202020204" pitchFamily="34" charset="0"/>
+              <a:buChar char="•"/>
+              <a:defRPr sz="2400" kern="1200">
+                <a:solidFill>
+                  <a:schemeClr val="tx1"/>
+                </a:solidFill>
+                <a:latin typeface="+mn-lt"/>
+                <a:ea typeface="+mn-ea"/>
+                <a:cs typeface="+mn-cs"/>
+              </a:defRPr>
+            </a:lvl2pPr>
+            <a:lvl3pPr marL="1143000" indent="-228600" algn="l" defTabSz="914400" rtl="0" eaLnBrk="1" latinLnBrk="0" hangingPunct="1">
+              <a:lnSpc>
+                <a:spcPct val="90000"/>
+              </a:lnSpc>
+              <a:spcBef>
+                <a:spcPts val="500"/>
+              </a:spcBef>
+              <a:buFont typeface="Arial" panose="020B0604020202020204" pitchFamily="34" charset="0"/>
+              <a:buChar char="•"/>
+              <a:defRPr sz="2000" kern="1200">
+                <a:solidFill>
+                  <a:schemeClr val="tx1"/>
+                </a:solidFill>
+                <a:latin typeface="+mn-lt"/>
+                <a:ea typeface="+mn-ea"/>
+                <a:cs typeface="+mn-cs"/>
+              </a:defRPr>
+            </a:lvl3pPr>
+            <a:lvl4pPr marL="1600200" indent="-228600" algn="l" defTabSz="914400" rtl="0" eaLnBrk="1" latinLnBrk="0" hangingPunct="1">
+              <a:lnSpc>
+                <a:spcPct val="90000"/>
+              </a:lnSpc>
+              <a:spcBef>
+                <a:spcPts val="500"/>
+              </a:spcBef>
+              <a:buFont typeface="Arial" panose="020B0604020202020204" pitchFamily="34" charset="0"/>
+              <a:buChar char="•"/>
+              <a:defRPr sz="1800" kern="1200">
+                <a:solidFill>
+                  <a:schemeClr val="tx1"/>
+                </a:solidFill>
+                <a:latin typeface="+mn-lt"/>
+                <a:ea typeface="+mn-ea"/>
+                <a:cs typeface="+mn-cs"/>
+              </a:defRPr>
+            </a:lvl4pPr>
+            <a:lvl5pPr marL="2057400" indent="-228600" algn="l" defTabSz="914400" rtl="0" eaLnBrk="1" latinLnBrk="0" hangingPunct="1">
+              <a:lnSpc>
+                <a:spcPct val="90000"/>
+              </a:lnSpc>
+              <a:spcBef>
+                <a:spcPts val="500"/>
+              </a:spcBef>
+              <a:buFont typeface="Arial" panose="020B0604020202020204" pitchFamily="34" charset="0"/>
+              <a:buChar char="•"/>
+              <a:defRPr sz="1800" kern="1200">
+                <a:solidFill>
+                  <a:schemeClr val="tx1"/>
+                </a:solidFill>
+                <a:latin typeface="+mn-lt"/>
+                <a:ea typeface="+mn-ea"/>
+                <a:cs typeface="+mn-cs"/>
+              </a:defRPr>
+            </a:lvl5pPr>
+            <a:lvl6pPr marL="2514600" indent="-228600" algn="l" defTabSz="914400" rtl="0" eaLnBrk="1" latinLnBrk="0" hangingPunct="1">
+              <a:lnSpc>
+                <a:spcPct val="90000"/>
+              </a:lnSpc>
+              <a:spcBef>
+                <a:spcPts val="500"/>
+              </a:spcBef>
+              <a:buFont typeface="Arial" panose="020B0604020202020204" pitchFamily="34" charset="0"/>
+              <a:buChar char="•"/>
+              <a:defRPr sz="1800" kern="1200">
+                <a:solidFill>
+                  <a:schemeClr val="tx1"/>
+                </a:solidFill>
+                <a:latin typeface="+mn-lt"/>
+                <a:ea typeface="+mn-ea"/>
+                <a:cs typeface="+mn-cs"/>
+              </a:defRPr>
+            </a:lvl6pPr>
+            <a:lvl7pPr marL="2971800" indent="-228600" algn="l" defTabSz="914400" rtl="0" eaLnBrk="1" latinLnBrk="0" hangingPunct="1">
+              <a:lnSpc>
+                <a:spcPct val="90000"/>
+              </a:lnSpc>
+              <a:spcBef>
+                <a:spcPts val="500"/>
+              </a:spcBef>
+              <a:buFont typeface="Arial" panose="020B0604020202020204" pitchFamily="34" charset="0"/>
+              <a:buChar char="•"/>
+              <a:defRPr sz="1800" kern="1200">
+                <a:solidFill>
+                  <a:schemeClr val="tx1"/>
+                </a:solidFill>
+                <a:latin typeface="+mn-lt"/>
+                <a:ea typeface="+mn-ea"/>
+                <a:cs typeface="+mn-cs"/>
+              </a:defRPr>
+            </a:lvl7pPr>
+            <a:lvl8pPr marL="3429000" indent="-228600" algn="l" defTabSz="914400" rtl="0" eaLnBrk="1" latinLnBrk="0" hangingPunct="1">
+              <a:lnSpc>
+                <a:spcPct val="90000"/>
+              </a:lnSpc>
+              <a:spcBef>
+                <a:spcPts val="500"/>
+              </a:spcBef>
+              <a:buFont typeface="Arial" panose="020B0604020202020204" pitchFamily="34" charset="0"/>
+              <a:buChar char="•"/>
+              <a:defRPr sz="1800" kern="1200">
+                <a:solidFill>
+                  <a:schemeClr val="tx1"/>
+                </a:solidFill>
+                <a:latin typeface="+mn-lt"/>
+                <a:ea typeface="+mn-ea"/>
+                <a:cs typeface="+mn-cs"/>
+              </a:defRPr>
+            </a:lvl8pPr>
+            <a:lvl9pPr marL="3886200" indent="-228600" algn="l" defTabSz="914400" rtl="0" eaLnBrk="1" latinLnBrk="0" hangingPunct="1">
+              <a:lnSpc>
+                <a:spcPct val="90000"/>
+              </a:lnSpc>
+              <a:spcBef>
+                <a:spcPts val="500"/>
+              </a:spcBef>
+              <a:buFont typeface="Arial" panose="020B0604020202020204" pitchFamily="34" charset="0"/>
+              <a:buChar char="•"/>
+              <a:defRPr sz="1800" kern="1200">
+                <a:solidFill>
+                  <a:schemeClr val="tx1"/>
+                </a:solidFill>
+                <a:latin typeface="+mn-lt"/>
+                <a:ea typeface="+mn-ea"/>
+                <a:cs typeface="+mn-cs"/>
+              </a:defRPr>
+            </a:lvl9pPr>
+          </a:lstStyle>
+          <a:p>
+            <a:pPr marL="0" indent="0" fontAlgn="auto">
+              <a:spcAft>
+                <a:spcPts val="0"/>
+              </a:spcAft>
+              <a:buNone/>
+            </a:pPr>
             <a:r>
               <a:rPr lang="en-US" dirty="0"/>
               <a:t>8.4: Red Team Cookbook</a:t>
@@ -5946,7 +6375,7 @@
     </p:spTree>
     <p:extLst>
       <p:ext uri="{BB962C8B-B14F-4D97-AF65-F5344CB8AC3E}">
-        <p14:creationId xmlns:p14="http://schemas.microsoft.com/office/powerpoint/2010/main" val="3644072983"/>
+        <p14:creationId xmlns:p14="http://schemas.microsoft.com/office/powerpoint/2010/main" val="325146105"/>
       </p:ext>
     </p:extLst>
   </p:cSld>
@@ -5975,34 +6404,204 @@
       </p:grpSpPr>
       <p:sp>
         <p:nvSpPr>
-          <p:cNvPr id="2" name="Text Placeholder 1">
+          <p:cNvPr id="4" name="Text Placeholder 1">
             <a:extLst>
               <a:ext uri="{FF2B5EF4-FFF2-40B4-BE49-F238E27FC236}">
                 <a16:creationId xmlns:a16="http://schemas.microsoft.com/office/drawing/2014/main" id="{64492E64-A68B-8CA7-B3C6-044F7C8E76AB}"/>
               </a:ext>
             </a:extLst>
           </p:cNvPr>
-          <p:cNvSpPr>
-            <a:spLocks noGrp="1"/>
+          <p:cNvSpPr txBox="1">
+            <a:spLocks/>
           </p:cNvSpPr>
-          <p:nvPr>
-            <p:ph type="body" sz="quarter" idx="10"/>
-          </p:nvPr>
+          <p:nvPr/>
         </p:nvSpPr>
         <p:spPr>
           <a:xfrm>
-            <a:off x="323529" y="339510"/>
-            <a:ext cx="11573197" cy="774916"/>
+            <a:off x="4981053" y="1297042"/>
+            <a:ext cx="2229890" cy="774916"/>
           </a:xfrm>
+          <a:prstGeom prst="rect">
+            <a:avLst/>
+          </a:prstGeom>
         </p:spPr>
         <p:txBody>
           <a:bodyPr>
             <a:noAutofit/>
           </a:bodyPr>
-          <a:lstStyle/>
-          <a:p>
+          <a:lstStyle>
+            <a:lvl1pPr marL="228600" indent="-228600" algn="l" defTabSz="914400" rtl="0" eaLnBrk="1" latinLnBrk="0" hangingPunct="1">
+              <a:lnSpc>
+                <a:spcPct val="90000"/>
+              </a:lnSpc>
+              <a:spcBef>
+                <a:spcPts val="1000"/>
+              </a:spcBef>
+              <a:buFont typeface="Arial" panose="020B0604020202020204" pitchFamily="34" charset="0"/>
+              <a:buChar char="•"/>
+              <a:defRPr sz="2800" kern="1200">
+                <a:solidFill>
+                  <a:schemeClr val="tx1"/>
+                </a:solidFill>
+                <a:latin typeface="+mn-lt"/>
+                <a:ea typeface="+mn-ea"/>
+                <a:cs typeface="+mn-cs"/>
+              </a:defRPr>
+            </a:lvl1pPr>
+            <a:lvl2pPr marL="685800" indent="-228600" algn="l" defTabSz="914400" rtl="0" eaLnBrk="1" latinLnBrk="0" hangingPunct="1">
+              <a:lnSpc>
+                <a:spcPct val="90000"/>
+              </a:lnSpc>
+              <a:spcBef>
+                <a:spcPts val="500"/>
+              </a:spcBef>
+              <a:buFont typeface="Arial" panose="020B0604020202020204" pitchFamily="34" charset="0"/>
+              <a:buChar char="•"/>
+              <a:defRPr sz="2400" kern="1200">
+                <a:solidFill>
+                  <a:schemeClr val="tx1"/>
+                </a:solidFill>
+                <a:latin typeface="+mn-lt"/>
+                <a:ea typeface="+mn-ea"/>
+                <a:cs typeface="+mn-cs"/>
+              </a:defRPr>
+            </a:lvl2pPr>
+            <a:lvl3pPr marL="1143000" indent="-228600" algn="l" defTabSz="914400" rtl="0" eaLnBrk="1" latinLnBrk="0" hangingPunct="1">
+              <a:lnSpc>
+                <a:spcPct val="90000"/>
+              </a:lnSpc>
+              <a:spcBef>
+                <a:spcPts val="500"/>
+              </a:spcBef>
+              <a:buFont typeface="Arial" panose="020B0604020202020204" pitchFamily="34" charset="0"/>
+              <a:buChar char="•"/>
+              <a:defRPr sz="2000" kern="1200">
+                <a:solidFill>
+                  <a:schemeClr val="tx1"/>
+                </a:solidFill>
+                <a:latin typeface="+mn-lt"/>
+                <a:ea typeface="+mn-ea"/>
+                <a:cs typeface="+mn-cs"/>
+              </a:defRPr>
+            </a:lvl3pPr>
+            <a:lvl4pPr marL="1600200" indent="-228600" algn="l" defTabSz="914400" rtl="0" eaLnBrk="1" latinLnBrk="0" hangingPunct="1">
+              <a:lnSpc>
+                <a:spcPct val="90000"/>
+              </a:lnSpc>
+              <a:spcBef>
+                <a:spcPts val="500"/>
+              </a:spcBef>
+              <a:buFont typeface="Arial" panose="020B0604020202020204" pitchFamily="34" charset="0"/>
+              <a:buChar char="•"/>
+              <a:defRPr sz="1800" kern="1200">
+                <a:solidFill>
+                  <a:schemeClr val="tx1"/>
+                </a:solidFill>
+                <a:latin typeface="+mn-lt"/>
+                <a:ea typeface="+mn-ea"/>
+                <a:cs typeface="+mn-cs"/>
+              </a:defRPr>
+            </a:lvl4pPr>
+            <a:lvl5pPr marL="2057400" indent="-228600" algn="l" defTabSz="914400" rtl="0" eaLnBrk="1" latinLnBrk="0" hangingPunct="1">
+              <a:lnSpc>
+                <a:spcPct val="90000"/>
+              </a:lnSpc>
+              <a:spcBef>
+                <a:spcPts val="500"/>
+              </a:spcBef>
+              <a:buFont typeface="Arial" panose="020B0604020202020204" pitchFamily="34" charset="0"/>
+              <a:buChar char="•"/>
+              <a:defRPr sz="1800" kern="1200">
+                <a:solidFill>
+                  <a:schemeClr val="tx1"/>
+                </a:solidFill>
+                <a:latin typeface="+mn-lt"/>
+                <a:ea typeface="+mn-ea"/>
+                <a:cs typeface="+mn-cs"/>
+              </a:defRPr>
+            </a:lvl5pPr>
+            <a:lvl6pPr marL="2514600" indent="-228600" algn="l" defTabSz="914400" rtl="0" eaLnBrk="1" latinLnBrk="0" hangingPunct="1">
+              <a:lnSpc>
+                <a:spcPct val="90000"/>
+              </a:lnSpc>
+              <a:spcBef>
+                <a:spcPts val="500"/>
+              </a:spcBef>
+              <a:buFont typeface="Arial" panose="020B0604020202020204" pitchFamily="34" charset="0"/>
+              <a:buChar char="•"/>
+              <a:defRPr sz="1800" kern="1200">
+                <a:solidFill>
+                  <a:schemeClr val="tx1"/>
+                </a:solidFill>
+                <a:latin typeface="+mn-lt"/>
+                <a:ea typeface="+mn-ea"/>
+                <a:cs typeface="+mn-cs"/>
+              </a:defRPr>
+            </a:lvl6pPr>
+            <a:lvl7pPr marL="2971800" indent="-228600" algn="l" defTabSz="914400" rtl="0" eaLnBrk="1" latinLnBrk="0" hangingPunct="1">
+              <a:lnSpc>
+                <a:spcPct val="90000"/>
+              </a:lnSpc>
+              <a:spcBef>
+                <a:spcPts val="500"/>
+              </a:spcBef>
+              <a:buFont typeface="Arial" panose="020B0604020202020204" pitchFamily="34" charset="0"/>
+              <a:buChar char="•"/>
+              <a:defRPr sz="1800" kern="1200">
+                <a:solidFill>
+                  <a:schemeClr val="tx1"/>
+                </a:solidFill>
+                <a:latin typeface="+mn-lt"/>
+                <a:ea typeface="+mn-ea"/>
+                <a:cs typeface="+mn-cs"/>
+              </a:defRPr>
+            </a:lvl7pPr>
+            <a:lvl8pPr marL="3429000" indent="-228600" algn="l" defTabSz="914400" rtl="0" eaLnBrk="1" latinLnBrk="0" hangingPunct="1">
+              <a:lnSpc>
+                <a:spcPct val="90000"/>
+              </a:lnSpc>
+              <a:spcBef>
+                <a:spcPts val="500"/>
+              </a:spcBef>
+              <a:buFont typeface="Arial" panose="020B0604020202020204" pitchFamily="34" charset="0"/>
+              <a:buChar char="•"/>
+              <a:defRPr sz="1800" kern="1200">
+                <a:solidFill>
+                  <a:schemeClr val="tx1"/>
+                </a:solidFill>
+                <a:latin typeface="+mn-lt"/>
+                <a:ea typeface="+mn-ea"/>
+                <a:cs typeface="+mn-cs"/>
+              </a:defRPr>
+            </a:lvl8pPr>
+            <a:lvl9pPr marL="3886200" indent="-228600" algn="l" defTabSz="914400" rtl="0" eaLnBrk="1" latinLnBrk="0" hangingPunct="1">
+              <a:lnSpc>
+                <a:spcPct val="90000"/>
+              </a:lnSpc>
+              <a:spcBef>
+                <a:spcPts val="500"/>
+              </a:spcBef>
+              <a:buFont typeface="Arial" panose="020B0604020202020204" pitchFamily="34" charset="0"/>
+              <a:buChar char="•"/>
+              <a:defRPr sz="1800" kern="1200">
+                <a:solidFill>
+                  <a:schemeClr val="tx1"/>
+                </a:solidFill>
+                <a:latin typeface="+mn-lt"/>
+                <a:ea typeface="+mn-ea"/>
+                <a:cs typeface="+mn-cs"/>
+              </a:defRPr>
+            </a:lvl9pPr>
+          </a:lstStyle>
+          <a:p>
+            <a:pPr marL="0" indent="0" fontAlgn="auto">
+              <a:spcAft>
+                <a:spcPts val="0"/>
+              </a:spcAft>
+              <a:buNone/>
+            </a:pPr>
             <a:r>
-              <a:rPr lang="en-US" sz="5000"/>
+              <a:rPr lang="en-US" sz="4400" dirty="0"/>
               <a:t>Exercise</a:t>
             </a:r>
             <a:endParaRPr lang="en-US" sz="5000" dirty="0"/>
@@ -6011,7 +6610,7 @@
       </p:sp>
       <p:sp>
         <p:nvSpPr>
-          <p:cNvPr id="4" name="TextBox 3">
+          <p:cNvPr id="5" name="TextBox 4">
             <a:extLst>
               <a:ext uri="{FF2B5EF4-FFF2-40B4-BE49-F238E27FC236}">
                 <a16:creationId xmlns:a16="http://schemas.microsoft.com/office/drawing/2014/main" id="{B64A8207-997F-319E-7F6D-676D3ECA779B}"/>
@@ -6023,8 +6622,8 @@
         </p:nvSpPr>
         <p:spPr>
           <a:xfrm>
-            <a:off x="1268396" y="1114426"/>
-            <a:ext cx="9655207" cy="646331"/>
+            <a:off x="1170471" y="2071958"/>
+            <a:ext cx="9851054" cy="646331"/>
           </a:xfrm>
           <a:prstGeom prst="rect">
             <a:avLst/>
@@ -6045,19 +6644,7 @@
               <a:rPr lang="en-US" sz="1800" dirty="0">
                 <a:latin typeface="+mn-lt"/>
               </a:rPr>
-              <a:t>For your last exercise this week, you will write your own exercise, based on one of the </a:t>
-            </a:r>
-            <a:r>
-              <a:rPr lang="en-US" sz="1800">
-                <a:latin typeface="+mn-lt"/>
-              </a:rPr>
-              <a:t>Red Team </a:t>
-            </a:r>
-            <a:r>
-              <a:rPr lang="en-US" sz="1800" dirty="0">
-                <a:latin typeface="+mn-lt"/>
-              </a:rPr>
-              <a:t>tasks in textbook chapter 8, to be shared later with your classmates.</a:t>
+              <a:t>For your last exercise this week, you will write your own exercise, based on one of the Red Team tasks in textbook chapter 8, to be shared later with your classmates.</a:t>
             </a:r>
           </a:p>
         </p:txBody>
@@ -6065,7 +6652,7 @@
     </p:spTree>
     <p:extLst>
       <p:ext uri="{BB962C8B-B14F-4D97-AF65-F5344CB8AC3E}">
-        <p14:creationId xmlns:p14="http://schemas.microsoft.com/office/powerpoint/2010/main" val="322366662"/>
+        <p14:creationId xmlns:p14="http://schemas.microsoft.com/office/powerpoint/2010/main" val="2377724362"/>
       </p:ext>
     </p:extLst>
   </p:cSld>
@@ -6924,7 +7511,7 @@
 </file>
 
 <file path=ppt/theme/theme2.xml><?xml version="1.0" encoding="utf-8"?>
-<a:theme xmlns:a="http://schemas.openxmlformats.org/drawingml/2006/main" name="Office Theme">
+<a:theme xmlns:a="http://schemas.openxmlformats.org/drawingml/2006/main" name="1_Office Theme">
   <a:themeElements>
     <a:clrScheme name="Office">
       <a:dk1>
@@ -6934,39 +7521,39 @@
         <a:sysClr val="window" lastClr="FFFFFF"/>
       </a:lt1>
       <a:dk2>
-        <a:srgbClr val="44546A"/>
+        <a:srgbClr val="0E2841"/>
       </a:dk2>
       <a:lt2>
-        <a:srgbClr val="E7E6E6"/>
+        <a:srgbClr val="E8E8E8"/>
       </a:lt2>
       <a:accent1>
-        <a:srgbClr val="4472C4"/>
+        <a:srgbClr val="156082"/>
       </a:accent1>
       <a:accent2>
-        <a:srgbClr val="ED7D31"/>
+        <a:srgbClr val="E97132"/>
       </a:accent2>
       <a:accent3>
-        <a:srgbClr val="A5A5A5"/>
+        <a:srgbClr val="196B24"/>
       </a:accent3>
       <a:accent4>
-        <a:srgbClr val="FFC000"/>
+        <a:srgbClr val="0F9ED5"/>
       </a:accent4>
       <a:accent5>
-        <a:srgbClr val="5B9BD5"/>
+        <a:srgbClr val="A02B93"/>
       </a:accent5>
       <a:accent6>
-        <a:srgbClr val="70AD47"/>
+        <a:srgbClr val="4EA72E"/>
       </a:accent6>
       <a:hlink>
-        <a:srgbClr val="0563C1"/>
+        <a:srgbClr val="467886"/>
       </a:hlink>
       <a:folHlink>
-        <a:srgbClr val="954F72"/>
+        <a:srgbClr val="96607D"/>
       </a:folHlink>
     </a:clrScheme>
     <a:fontScheme name="Office">
       <a:majorFont>
-        <a:latin typeface="Calibri Light" panose="020F0302020204030204"/>
+        <a:latin typeface="Aptos Display" panose="02110004020202020204"/>
         <a:ea typeface=""/>
         <a:cs typeface=""/>
         <a:font script="Jpan" typeface="游ゴシック Light"/>
@@ -7018,7 +7605,7 @@
         <a:font script="Tfng" typeface="Ebrima"/>
       </a:majorFont>
       <a:minorFont>
-        <a:latin typeface="Calibri" panose="020F0502020204030204"/>
+        <a:latin typeface="Aptos" panose="02110004020202020204"/>
         <a:ea typeface=""/>
         <a:cs typeface=""/>
         <a:font script="Jpan" typeface="游ゴシック"/>
@@ -7129,13 +7716,6 @@
         </a:gradFill>
       </a:fillStyleLst>
       <a:lnStyleLst>
-        <a:ln w="6350" cap="flat" cmpd="sng" algn="ctr">
-          <a:solidFill>
-            <a:schemeClr val="phClr"/>
-          </a:solidFill>
-          <a:prstDash val="solid"/>
-          <a:miter lim="800000"/>
-        </a:ln>
         <a:ln w="12700" cap="flat" cmpd="sng" algn="ctr">
           <a:solidFill>
             <a:schemeClr val="phClr"/>
@@ -7144,6 +7724,13 @@
           <a:miter lim="800000"/>
         </a:ln>
         <a:ln w="19050" cap="flat" cmpd="sng" algn="ctr">
+          <a:solidFill>
+            <a:schemeClr val="phClr"/>
+          </a:solidFill>
+          <a:prstDash val="solid"/>
+          <a:miter lim="800000"/>
+        </a:ln>
+        <a:ln w="25400" cap="flat" cmpd="sng" algn="ctr">
           <a:solidFill>
             <a:schemeClr val="phClr"/>
           </a:solidFill>
@@ -7208,11 +7795,31 @@
       </a:bgFillStyleLst>
     </a:fmtScheme>
   </a:themeElements>
-  <a:objectDefaults/>
+  <a:objectDefaults>
+    <a:lnDef>
+      <a:spPr/>
+      <a:bodyPr/>
+      <a:lstStyle/>
+      <a:style>
+        <a:lnRef idx="2">
+          <a:schemeClr val="accent1"/>
+        </a:lnRef>
+        <a:fillRef idx="0">
+          <a:schemeClr val="accent1"/>
+        </a:fillRef>
+        <a:effectRef idx="1">
+          <a:schemeClr val="accent1"/>
+        </a:effectRef>
+        <a:fontRef idx="minor">
+          <a:schemeClr val="tx1"/>
+        </a:fontRef>
+      </a:style>
+    </a:lnDef>
+  </a:objectDefaults>
   <a:extraClrSchemeLst/>
   <a:extLst>
     <a:ext uri="{05A4C25C-085E-4340-85A3-A5531E510DB2}">
-      <thm15:themeFamily xmlns:thm15="http://schemas.microsoft.com/office/thememl/2012/main" name="Office Theme" id="{62F939B6-93AF-4DB8-9C6B-D6C7DFDC589F}" vid="{4A3C46E8-61CC-4603-A589-7422A47A8E4A}"/>
+      <thm15:themeFamily xmlns:thm15="http://schemas.microsoft.com/office/thememl/2012/main" name="Presentation1" id="{DAD0D162-FE0C-45E1-B287-70A400F0FB2D}" vid="{0F85589E-3A92-4CE5-8C4F-6CD4A008415E}"/>
     </a:ext>
   </a:extLst>
 </a:theme>
